--- a/ppt/14. C# - Delegates, Anonymous Methods, and Lambda Expressions.pptx
+++ b/ppt/14. C# - Delegates, Anonymous Methods, and Lambda Expressions.pptx
@@ -6,29 +6,32 @@
     <p:sldMasterId id="2147483660" r:id="rId2"/>
   </p:sldMasterIdLst>
   <p:notesMasterIdLst>
-    <p:notesMasterId r:id="rId20"/>
+    <p:notesMasterId r:id="rId23"/>
   </p:notesMasterIdLst>
   <p:handoutMasterIdLst>
-    <p:handoutMasterId r:id="rId21"/>
+    <p:handoutMasterId r:id="rId24"/>
   </p:handoutMasterIdLst>
   <p:sldIdLst>
     <p:sldId id="363" r:id="rId3"/>
     <p:sldId id="362" r:id="rId4"/>
     <p:sldId id="333" r:id="rId5"/>
     <p:sldId id="354" r:id="rId6"/>
-    <p:sldId id="336" r:id="rId7"/>
-    <p:sldId id="335" r:id="rId8"/>
-    <p:sldId id="338" r:id="rId9"/>
-    <p:sldId id="355" r:id="rId10"/>
-    <p:sldId id="313" r:id="rId11"/>
-    <p:sldId id="356" r:id="rId12"/>
-    <p:sldId id="357" r:id="rId13"/>
-    <p:sldId id="358" r:id="rId14"/>
-    <p:sldId id="315" r:id="rId15"/>
-    <p:sldId id="339" r:id="rId16"/>
-    <p:sldId id="359" r:id="rId17"/>
-    <p:sldId id="361" r:id="rId18"/>
-    <p:sldId id="360" r:id="rId19"/>
+    <p:sldId id="364" r:id="rId7"/>
+    <p:sldId id="336" r:id="rId8"/>
+    <p:sldId id="365" r:id="rId9"/>
+    <p:sldId id="366" r:id="rId10"/>
+    <p:sldId id="335" r:id="rId11"/>
+    <p:sldId id="338" r:id="rId12"/>
+    <p:sldId id="355" r:id="rId13"/>
+    <p:sldId id="313" r:id="rId14"/>
+    <p:sldId id="356" r:id="rId15"/>
+    <p:sldId id="357" r:id="rId16"/>
+    <p:sldId id="358" r:id="rId17"/>
+    <p:sldId id="315" r:id="rId18"/>
+    <p:sldId id="339" r:id="rId19"/>
+    <p:sldId id="359" r:id="rId20"/>
+    <p:sldId id="361" r:id="rId21"/>
+    <p:sldId id="360" r:id="rId22"/>
   </p:sldIdLst>
   <p:sldSz cx="9144000" cy="6858000" type="screen4x3"/>
   <p:notesSz cx="6858000" cy="9144000"/>
@@ -346,7 +349,7 @@
           <a:p>
             <a:fld id="{2885CB01-6679-D646-ACB3-8B04B786C15F}" type="datetimeFigureOut">
               <a:rPr lang="en-US" smtClean="0"/>
-              <a:t>7/9/2024</a:t>
+              <a:t>7/10/2024</a:t>
             </a:fld>
             <a:endParaRPr lang="en-US"/>
           </a:p>
@@ -2810,7 +2813,7 @@
             <a:fld id="{A9DF6EFB-3F44-496C-A842-1E0B3D3B975A}" type="datetimeFigureOut">
               <a:rPr lang="en-US" smtClean="0"/>
               <a:pPr/>
-              <a:t>7/9/2024</a:t>
+              <a:t>7/10/2024</a:t>
             </a:fld>
             <a:endParaRPr lang="en-US" dirty="0"/>
           </a:p>
@@ -3325,7 +3328,7 @@
             <a:fld id="{A9DF6EFB-3F44-496C-A842-1E0B3D3B975A}" type="datetimeFigureOut">
               <a:rPr lang="en-US" smtClean="0"/>
               <a:pPr/>
-              <a:t>7/9/2024</a:t>
+              <a:t>7/10/2024</a:t>
             </a:fld>
             <a:endParaRPr lang="en-US" dirty="0"/>
           </a:p>
@@ -3637,7 +3640,7 @@
           <a:p>
             <a:fld id="{891838CE-430E-45DE-B6AA-42DD655BB05E}" type="datetime1">
               <a:rPr lang="en-US" smtClean="0"/>
-              <a:t>7/9/2024</a:t>
+              <a:t>7/10/2024</a:t>
             </a:fld>
             <a:endParaRPr lang="en-US" dirty="0"/>
           </a:p>
@@ -3882,7 +3885,7 @@
             <a:fld id="{A9DF6EFB-3F44-496C-A842-1E0B3D3B975A}" type="datetimeFigureOut">
               <a:rPr lang="en-US" smtClean="0"/>
               <a:pPr/>
-              <a:t>7/9/2024</a:t>
+              <a:t>7/10/2024</a:t>
             </a:fld>
             <a:endParaRPr lang="en-US" dirty="0"/>
           </a:p>
@@ -4119,7 +4122,7 @@
             <a:fld id="{A9DF6EFB-3F44-496C-A842-1E0B3D3B975A}" type="datetimeFigureOut">
               <a:rPr lang="en-US" smtClean="0"/>
               <a:pPr/>
-              <a:t>7/9/2024</a:t>
+              <a:t>7/10/2024</a:t>
             </a:fld>
             <a:endParaRPr lang="en-US" dirty="0"/>
           </a:p>
@@ -4461,7 +4464,7 @@
           <a:p>
             <a:fld id="{8832AD23-A511-424E-9DD2-B8CE2D237B20}" type="datetime1">
               <a:rPr lang="en-US" smtClean="0"/>
-              <a:t>7/9/2024</a:t>
+              <a:t>7/10/2024</a:t>
             </a:fld>
             <a:endParaRPr lang="en-US" dirty="0"/>
           </a:p>
@@ -4697,7 +4700,7 @@
             <a:fld id="{A9DF6EFB-3F44-496C-A842-1E0B3D3B975A}" type="datetimeFigureOut">
               <a:rPr lang="en-US" smtClean="0"/>
               <a:pPr/>
-              <a:t>7/9/2024</a:t>
+              <a:t>7/10/2024</a:t>
             </a:fld>
             <a:endParaRPr lang="en-US" dirty="0"/>
           </a:p>
@@ -4912,7 +4915,7 @@
             <a:fld id="{A9DF6EFB-3F44-496C-A842-1E0B3D3B975A}" type="datetimeFigureOut">
               <a:rPr lang="en-US" smtClean="0"/>
               <a:pPr/>
-              <a:t>7/9/2024</a:t>
+              <a:t>7/10/2024</a:t>
             </a:fld>
             <a:endParaRPr lang="en-US" dirty="0"/>
           </a:p>
@@ -5207,7 +5210,7 @@
             <a:fld id="{A9DF6EFB-3F44-496C-A842-1E0B3D3B975A}" type="datetimeFigureOut">
               <a:rPr lang="en-US" smtClean="0"/>
               <a:pPr/>
-              <a:t>7/9/2024</a:t>
+              <a:t>7/10/2024</a:t>
             </a:fld>
             <a:endParaRPr lang="en-US" dirty="0"/>
           </a:p>
@@ -6324,7 +6327,7 @@
             <a:fld id="{A9DF6EFB-3F44-496C-A842-1E0B3D3B975A}" type="datetimeFigureOut">
               <a:rPr lang="en-US" smtClean="0"/>
               <a:pPr/>
-              <a:t>7/9/2024</a:t>
+              <a:t>7/10/2024</a:t>
             </a:fld>
             <a:endParaRPr lang="en-US" dirty="0"/>
           </a:p>
@@ -6874,7 +6877,7 @@
             <a:fld id="{A9DF6EFB-3F44-496C-A842-1E0B3D3B975A}" type="datetimeFigureOut">
               <a:rPr lang="en-US" smtClean="0"/>
               <a:pPr/>
-              <a:t>7/9/2024</a:t>
+              <a:t>7/10/2024</a:t>
             </a:fld>
             <a:endParaRPr lang="en-US" dirty="0"/>
           </a:p>
@@ -7337,7 +7340,7 @@
             <a:fld id="{A9DF6EFB-3F44-496C-A842-1E0B3D3B975A}" type="datetimeFigureOut">
               <a:rPr lang="en-US" smtClean="0"/>
               <a:pPr/>
-              <a:t>7/9/2024</a:t>
+              <a:t>7/10/2024</a:t>
             </a:fld>
             <a:endParaRPr lang="en-US" dirty="0"/>
           </a:p>
@@ -7856,7 +7859,7 @@
             <a:fld id="{A9DF6EFB-3F44-496C-A842-1E0B3D3B975A}" type="datetimeFigureOut">
               <a:rPr lang="en-US" smtClean="0"/>
               <a:pPr/>
-              <a:t>7/9/2024</a:t>
+              <a:t>7/10/2024</a:t>
             </a:fld>
             <a:endParaRPr lang="en-US" dirty="0"/>
           </a:p>
@@ -8431,7 +8434,7 @@
             <a:fld id="{A9DF6EFB-3F44-496C-A842-1E0B3D3B975A}" type="datetimeFigureOut">
               <a:rPr lang="en-US" smtClean="0"/>
               <a:pPr/>
-              <a:t>7/9/2024</a:t>
+              <a:t>7/10/2024</a:t>
             </a:fld>
             <a:endParaRPr lang="en-US" dirty="0"/>
           </a:p>
@@ -9091,7 +9094,7 @@
             <a:fld id="{A9DF6EFB-3F44-496C-A842-1E0B3D3B975A}" type="datetimeFigureOut">
               <a:rPr lang="en-US" smtClean="0"/>
               <a:pPr/>
-              <a:t>7/9/2024</a:t>
+              <a:t>7/10/2024</a:t>
             </a:fld>
             <a:endParaRPr lang="en-US" dirty="0"/>
           </a:p>
@@ -9834,7 +9837,7 @@
             <a:fld id="{A9DF6EFB-3F44-496C-A842-1E0B3D3B975A}" type="datetimeFigureOut">
               <a:rPr lang="en-US" smtClean="0"/>
               <a:pPr/>
-              <a:t>7/9/2024</a:t>
+              <a:t>7/10/2024</a:t>
             </a:fld>
             <a:endParaRPr lang="en-US" dirty="0"/>
           </a:p>
@@ -10661,7 +10664,7 @@
             <a:fld id="{A9DF6EFB-3F44-496C-A842-1E0B3D3B975A}" type="datetimeFigureOut">
               <a:rPr lang="en-US" smtClean="0"/>
               <a:pPr/>
-              <a:t>7/9/2024</a:t>
+              <a:t>7/10/2024</a:t>
             </a:fld>
             <a:endParaRPr lang="en-US" dirty="0"/>
           </a:p>
@@ -11544,7 +11547,7 @@
             <a:fld id="{A9DF6EFB-3F44-496C-A842-1E0B3D3B975A}" type="datetimeFigureOut">
               <a:rPr lang="en-US" smtClean="0"/>
               <a:pPr/>
-              <a:t>7/9/2024</a:t>
+              <a:t>7/10/2024</a:t>
             </a:fld>
             <a:endParaRPr lang="en-US" dirty="0"/>
           </a:p>
@@ -12483,7 +12486,7 @@
             <a:fld id="{A9DF6EFB-3F44-496C-A842-1E0B3D3B975A}" type="datetimeFigureOut">
               <a:rPr lang="en-US" smtClean="0"/>
               <a:pPr/>
-              <a:t>7/9/2024</a:t>
+              <a:t>7/10/2024</a:t>
             </a:fld>
             <a:endParaRPr lang="en-US" dirty="0"/>
           </a:p>
@@ -13836,7 +13839,7 @@
             <a:fld id="{A9DF6EFB-3F44-496C-A842-1E0B3D3B975A}" type="datetimeFigureOut">
               <a:rPr lang="en-US" smtClean="0"/>
               <a:pPr/>
-              <a:t>7/9/2024</a:t>
+              <a:t>7/10/2024</a:t>
             </a:fld>
             <a:endParaRPr lang="en-US" dirty="0"/>
           </a:p>
@@ -14887,7 +14890,7 @@
             <a:fld id="{A9DF6EFB-3F44-496C-A842-1E0B3D3B975A}" type="datetimeFigureOut">
               <a:rPr lang="en-US" smtClean="0"/>
               <a:pPr/>
-              <a:t>7/9/2024</a:t>
+              <a:t>7/10/2024</a:t>
             </a:fld>
             <a:endParaRPr lang="en-US" dirty="0"/>
           </a:p>
@@ -15824,7 +15827,7 @@
             <a:fld id="{A9DF6EFB-3F44-496C-A842-1E0B3D3B975A}" type="datetimeFigureOut">
               <a:rPr lang="en-US" smtClean="0"/>
               <a:pPr/>
-              <a:t>7/9/2024</a:t>
+              <a:t>7/10/2024</a:t>
             </a:fld>
             <a:endParaRPr lang="en-US" dirty="0"/>
           </a:p>
@@ -17614,7 +17617,7 @@
             <a:fld id="{A9DF6EFB-3F44-496C-A842-1E0B3D3B975A}" type="datetimeFigureOut">
               <a:rPr lang="en-US" smtClean="0"/>
               <a:pPr/>
-              <a:t>7/9/2024</a:t>
+              <a:t>7/10/2024</a:t>
             </a:fld>
             <a:endParaRPr lang="en-US" dirty="0"/>
           </a:p>
@@ -18113,7 +18116,7 @@
             <a:fld id="{A9DF6EFB-3F44-496C-A842-1E0B3D3B975A}" type="datetimeFigureOut">
               <a:rPr lang="en-US" smtClean="0"/>
               <a:pPr/>
-              <a:t>7/9/2024</a:t>
+              <a:t>7/10/2024</a:t>
             </a:fld>
             <a:endParaRPr lang="en-US" dirty="0"/>
           </a:p>
@@ -18628,7 +18631,7 @@
             <a:fld id="{A9DF6EFB-3F44-496C-A842-1E0B3D3B975A}" type="datetimeFigureOut">
               <a:rPr lang="en-US" smtClean="0"/>
               <a:pPr/>
-              <a:t>7/9/2024</a:t>
+              <a:t>7/10/2024</a:t>
             </a:fld>
             <a:endParaRPr lang="en-US" dirty="0"/>
           </a:p>
@@ -18940,7 +18943,7 @@
           <a:p>
             <a:fld id="{891838CE-430E-45DE-B6AA-42DD655BB05E}" type="datetime1">
               <a:rPr lang="en-US" smtClean="0"/>
-              <a:t>7/9/2024</a:t>
+              <a:t>7/10/2024</a:t>
             </a:fld>
             <a:endParaRPr lang="en-US" dirty="0"/>
           </a:p>
@@ -19185,7 +19188,7 @@
             <a:fld id="{A9DF6EFB-3F44-496C-A842-1E0B3D3B975A}" type="datetimeFigureOut">
               <a:rPr lang="en-US" smtClean="0"/>
               <a:pPr/>
-              <a:t>7/9/2024</a:t>
+              <a:t>7/10/2024</a:t>
             </a:fld>
             <a:endParaRPr lang="en-US" dirty="0"/>
           </a:p>
@@ -19422,7 +19425,7 @@
             <a:fld id="{A9DF6EFB-3F44-496C-A842-1E0B3D3B975A}" type="datetimeFigureOut">
               <a:rPr lang="en-US" smtClean="0"/>
               <a:pPr/>
-              <a:t>7/9/2024</a:t>
+              <a:t>7/10/2024</a:t>
             </a:fld>
             <a:endParaRPr lang="en-US" dirty="0"/>
           </a:p>
@@ -20436,7 +20439,7 @@
           <a:p>
             <a:fld id="{8832AD23-A511-424E-9DD2-B8CE2D237B20}" type="datetime1">
               <a:rPr lang="en-US" smtClean="0"/>
-              <a:t>7/9/2024</a:t>
+              <a:t>7/10/2024</a:t>
             </a:fld>
             <a:endParaRPr lang="en-US" dirty="0"/>
           </a:p>
@@ -20672,7 +20675,7 @@
             <a:fld id="{A9DF6EFB-3F44-496C-A842-1E0B3D3B975A}" type="datetimeFigureOut">
               <a:rPr lang="en-US" smtClean="0"/>
               <a:pPr/>
-              <a:t>7/9/2024</a:t>
+              <a:t>7/10/2024</a:t>
             </a:fld>
             <a:endParaRPr lang="en-US" dirty="0"/>
           </a:p>
@@ -20887,7 +20890,7 @@
             <a:fld id="{A9DF6EFB-3F44-496C-A842-1E0B3D3B975A}" type="datetimeFigureOut">
               <a:rPr lang="en-US" smtClean="0"/>
               <a:pPr/>
-              <a:t>7/9/2024</a:t>
+              <a:t>7/10/2024</a:t>
             </a:fld>
             <a:endParaRPr lang="en-US" dirty="0"/>
           </a:p>
@@ -21182,7 +21185,7 @@
             <a:fld id="{A9DF6EFB-3F44-496C-A842-1E0B3D3B975A}" type="datetimeFigureOut">
               <a:rPr lang="en-US" smtClean="0"/>
               <a:pPr/>
-              <a:t>7/9/2024</a:t>
+              <a:t>7/10/2024</a:t>
             </a:fld>
             <a:endParaRPr lang="en-US" dirty="0"/>
           </a:p>
@@ -21562,7 +21565,7 @@
             <a:fld id="{A9DF6EFB-3F44-496C-A842-1E0B3D3B975A}" type="datetimeFigureOut">
               <a:rPr lang="en-US" smtClean="0"/>
               <a:pPr/>
-              <a:t>7/9/2024</a:t>
+              <a:t>7/10/2024</a:t>
             </a:fld>
             <a:endParaRPr lang="en-US" dirty="0"/>
           </a:p>
@@ -22112,7 +22115,7 @@
             <a:fld id="{A9DF6EFB-3F44-496C-A842-1E0B3D3B975A}" type="datetimeFigureOut">
               <a:rPr lang="en-US" smtClean="0"/>
               <a:pPr/>
-              <a:t>7/9/2024</a:t>
+              <a:t>7/10/2024</a:t>
             </a:fld>
             <a:endParaRPr lang="en-US" dirty="0"/>
           </a:p>
@@ -22575,7 +22578,7 @@
             <a:fld id="{A9DF6EFB-3F44-496C-A842-1E0B3D3B975A}" type="datetimeFigureOut">
               <a:rPr lang="en-US" smtClean="0"/>
               <a:pPr/>
-              <a:t>7/9/2024</a:t>
+              <a:t>7/10/2024</a:t>
             </a:fld>
             <a:endParaRPr lang="en-US" dirty="0"/>
           </a:p>
@@ -23094,7 +23097,7 @@
             <a:fld id="{A9DF6EFB-3F44-496C-A842-1E0B3D3B975A}" type="datetimeFigureOut">
               <a:rPr lang="en-US" smtClean="0"/>
               <a:pPr/>
-              <a:t>7/9/2024</a:t>
+              <a:t>7/10/2024</a:t>
             </a:fld>
             <a:endParaRPr lang="en-US" dirty="0"/>
           </a:p>
@@ -23669,7 +23672,7 @@
             <a:fld id="{A9DF6EFB-3F44-496C-A842-1E0B3D3B975A}" type="datetimeFigureOut">
               <a:rPr lang="en-US" smtClean="0"/>
               <a:pPr/>
-              <a:t>7/9/2024</a:t>
+              <a:t>7/10/2024</a:t>
             </a:fld>
             <a:endParaRPr lang="en-US" dirty="0"/>
           </a:p>
@@ -24329,7 +24332,7 @@
             <a:fld id="{A9DF6EFB-3F44-496C-A842-1E0B3D3B975A}" type="datetimeFigureOut">
               <a:rPr lang="en-US" smtClean="0"/>
               <a:pPr/>
-              <a:t>7/9/2024</a:t>
+              <a:t>7/10/2024</a:t>
             </a:fld>
             <a:endParaRPr lang="en-US" dirty="0"/>
           </a:p>
@@ -26028,7 +26031,7 @@
             <a:fld id="{A9DF6EFB-3F44-496C-A842-1E0B3D3B975A}" type="datetimeFigureOut">
               <a:rPr lang="en-US" smtClean="0"/>
               <a:pPr/>
-              <a:t>7/9/2024</a:t>
+              <a:t>7/10/2024</a:t>
             </a:fld>
             <a:endParaRPr lang="en-US" dirty="0"/>
           </a:p>
@@ -26855,7 +26858,7 @@
             <a:fld id="{A9DF6EFB-3F44-496C-A842-1E0B3D3B975A}" type="datetimeFigureOut">
               <a:rPr lang="en-US" smtClean="0"/>
               <a:pPr/>
-              <a:t>7/9/2024</a:t>
+              <a:t>7/10/2024</a:t>
             </a:fld>
             <a:endParaRPr lang="en-US" dirty="0"/>
           </a:p>
@@ -27738,7 +27741,7 @@
             <a:fld id="{A9DF6EFB-3F44-496C-A842-1E0B3D3B975A}" type="datetimeFigureOut">
               <a:rPr lang="en-US" smtClean="0"/>
               <a:pPr/>
-              <a:t>7/9/2024</a:t>
+              <a:t>7/10/2024</a:t>
             </a:fld>
             <a:endParaRPr lang="en-US" dirty="0"/>
           </a:p>
@@ -28677,7 +28680,7 @@
             <a:fld id="{A9DF6EFB-3F44-496C-A842-1E0B3D3B975A}" type="datetimeFigureOut">
               <a:rPr lang="en-US" smtClean="0"/>
               <a:pPr/>
-              <a:t>7/9/2024</a:t>
+              <a:t>7/10/2024</a:t>
             </a:fld>
             <a:endParaRPr lang="en-US" dirty="0"/>
           </a:p>
@@ -29672,7 +29675,7 @@
             <a:fld id="{A9DF6EFB-3F44-496C-A842-1E0B3D3B975A}" type="datetimeFigureOut">
               <a:rPr lang="en-US" smtClean="0"/>
               <a:pPr/>
-              <a:t>7/9/2024</a:t>
+              <a:t>7/10/2024</a:t>
             </a:fld>
             <a:endParaRPr lang="en-US" dirty="0"/>
           </a:p>
@@ -30723,7 +30726,7 @@
             <a:fld id="{A9DF6EFB-3F44-496C-A842-1E0B3D3B975A}" type="datetimeFigureOut">
               <a:rPr lang="en-US" smtClean="0"/>
               <a:pPr/>
-              <a:t>7/9/2024</a:t>
+              <a:t>7/10/2024</a:t>
             </a:fld>
             <a:endParaRPr lang="en-US" dirty="0"/>
           </a:p>
@@ -31660,7 +31663,7 @@
             <a:fld id="{A9DF6EFB-3F44-496C-A842-1E0B3D3B975A}" type="datetimeFigureOut">
               <a:rPr lang="en-US" smtClean="0"/>
               <a:pPr/>
-              <a:t>7/9/2024</a:t>
+              <a:t>7/10/2024</a:t>
             </a:fld>
             <a:endParaRPr lang="en-US" dirty="0"/>
           </a:p>
@@ -33450,7 +33453,7 @@
             <a:fld id="{A9DF6EFB-3F44-496C-A842-1E0B3D3B975A}" type="datetimeFigureOut">
               <a:rPr lang="en-US" smtClean="0"/>
               <a:pPr/>
-              <a:t>7/9/2024</a:t>
+              <a:t>7/10/2024</a:t>
             </a:fld>
             <a:endParaRPr lang="en-US" dirty="0"/>
           </a:p>
@@ -41402,25 +41405,25 @@
           <a:bodyPr/>
           <a:lstStyle/>
           <a:p>
-            <a:pPr lvl="0" fontAlgn="base">
-              <a:spcBef>
-                <a:spcPct val="0"/>
-              </a:spcBef>
-              <a:spcAft>
-                <a:spcPct val="0"/>
-              </a:spcAft>
-              <a:buClrTx/>
-            </a:pPr>
-            <a:r>
-              <a:rPr lang="en-US" altLang="en-US" dirty="0">
+            <a:r>
+              <a:rPr lang="en-US" dirty="0">
                 <a:solidFill>
                   <a:schemeClr val="tx2"/>
                 </a:solidFill>
                 <a:latin typeface="Times New Roman" panose="02020603050405020304" pitchFamily="18" charset="0"/>
-                <a:ea typeface="+mj-ea"/>
                 <a:cs typeface="Times New Roman" panose="02020603050405020304" pitchFamily="18" charset="0"/>
               </a:rPr>
-              <a:t>Lambda Expressions with No Parameters</a:t>
+              <a:t>Lambda Expressions </a:t>
+            </a:r>
+            <a:r>
+              <a:rPr lang="en-US" sz="2000" b="0" dirty="0">
+                <a:solidFill>
+                  <a:schemeClr val="tx2"/>
+                </a:solidFill>
+                <a:latin typeface="Times New Roman" panose="02020603050405020304" pitchFamily="18" charset="0"/>
+                <a:cs typeface="Times New Roman" panose="02020603050405020304" pitchFamily="18" charset="0"/>
+              </a:rPr>
+              <a:t>(1 of 2)</a:t>
             </a:r>
           </a:p>
         </p:txBody>
@@ -41432,37 +41435,55 @@
             <a:spLocks noGrp="1"/>
           </p:cNvSpPr>
           <p:nvPr>
-            <p:ph type="body" idx="1"/>
+            <p:ph idx="1"/>
           </p:nvPr>
         </p:nvSpPr>
         <p:spPr>
           <a:xfrm>
-            <a:off x="457199" y="1600200"/>
-            <a:ext cx="7612145" cy="3854871"/>
+            <a:off x="457200" y="1600201"/>
+            <a:ext cx="8026924" cy="4454236"/>
           </a:xfrm>
         </p:spPr>
         <p:txBody>
-          <a:bodyPr wrap="square" lIns="91425" tIns="91425" rIns="91425" bIns="91425">
-            <a:spAutoFit/>
-          </a:bodyPr>
+          <a:bodyPr/>
           <a:lstStyle/>
           <a:p>
             <a:pPr marL="255600" lvl="0" indent="-255600" fontAlgn="base">
               <a:spcAft>
                 <a:spcPct val="0"/>
               </a:spcAft>
+              <a:buClr>
+                <a:schemeClr val="tx2"/>
+              </a:buClr>
               <a:buFont typeface="Arial" panose="020B0604020202020204" pitchFamily="34" charset="0"/>
               <a:buChar char="•"/>
             </a:pPr>
             <a:r>
-              <a:rPr lang="en-US" altLang="en-US" sz="2200" dirty="0">
+              <a:rPr lang="en-US" altLang="en-US" sz="2000" dirty="0">
                 <a:solidFill>
                   <a:srgbClr val="000000"/>
                 </a:solidFill>
                 <a:latin typeface="Arial (Body)"/>
-                <a:ea typeface="+mn-ea"/>
               </a:rPr>
-              <a:t>If a delegate type specifies no parameters, any lambda expression used with that delegate must also have no parameters. </a:t>
+              <a:t>A </a:t>
+            </a:r>
+            <a:r>
+              <a:rPr lang="en-US" altLang="en-US" sz="2000" b="1" dirty="0">
+                <a:solidFill>
+                  <a:srgbClr val="000000"/>
+                </a:solidFill>
+                <a:latin typeface="Arial (Body)"/>
+              </a:rPr>
+              <a:t>lambda expression </a:t>
+            </a:r>
+            <a:r>
+              <a:rPr lang="en-US" altLang="en-US" sz="2000" dirty="0">
+                <a:solidFill>
+                  <a:srgbClr val="000000"/>
+                </a:solidFill>
+                <a:latin typeface="Arial (Body)"/>
+              </a:rPr>
+              <a:t>is a shortcut technique for writing an anonymous method</a:t>
             </a:r>
           </a:p>
           <a:p>
@@ -41470,156 +41491,210 @@
               <a:spcAft>
                 <a:spcPct val="0"/>
               </a:spcAft>
+              <a:buClr>
+                <a:schemeClr val="tx2"/>
+              </a:buClr>
               <a:buFont typeface="Arial" panose="020B0604020202020204" pitchFamily="34" charset="0"/>
               <a:buChar char="•"/>
             </a:pPr>
             <a:r>
-              <a:rPr lang="en-US" altLang="en-US" sz="2200" dirty="0">
+              <a:rPr lang="en-US" altLang="en-US" sz="2000" dirty="0">
                 <a:solidFill>
                   <a:srgbClr val="000000"/>
                 </a:solidFill>
                 <a:latin typeface="Arial (Body)"/>
-                <a:ea typeface="+mn-ea"/>
               </a:rPr>
-              <a:t>Given the following delegate type declaration:</a:t>
-            </a:r>
-          </a:p>
-          <a:p>
-            <a:pPr marL="887400" lvl="2" indent="0" fontAlgn="base">
-              <a:spcBef>
-                <a:spcPts val="1200"/>
-              </a:spcBef>
+              <a:t>The general format is:</a:t>
+            </a:r>
+          </a:p>
+          <a:p>
+            <a:pPr marL="886968" lvl="2" indent="0" fontAlgn="base">
               <a:spcAft>
                 <a:spcPct val="0"/>
               </a:spcAft>
+              <a:buClr>
+                <a:schemeClr val="tx2"/>
+              </a:buClr>
               <a:buNone/>
             </a:pPr>
             <a:r>
-              <a:rPr lang="en-US" altLang="en-US" sz="1800" dirty="0">
+              <a:rPr lang="en-US" altLang="en-US" sz="1800" i="1" dirty="0">
                 <a:solidFill>
                   <a:srgbClr val="000000"/>
                 </a:solidFill>
                 <a:latin typeface="Courier New" panose="02070309020205020404" pitchFamily="49" charset="0"/>
-                <a:ea typeface="+mn-ea"/>
                 <a:cs typeface="Courier New" panose="02070309020205020404" pitchFamily="49" charset="0"/>
               </a:rPr>
-              <a:t>delegate void </a:t>
-            </a:r>
-            <a:r>
-              <a:rPr lang="en-US" altLang="en-US" sz="1800" dirty="0" err="1">
+              <a:t>parameter</a:t>
+            </a:r>
+            <a:r>
+              <a:rPr lang="en-US" altLang="en-US" sz="1800" dirty="0">
                 <a:solidFill>
                   <a:srgbClr val="000000"/>
                 </a:solidFill>
                 <a:latin typeface="Courier New" panose="02070309020205020404" pitchFamily="49" charset="0"/>
-                <a:ea typeface="+mn-ea"/>
                 <a:cs typeface="Courier New" panose="02070309020205020404" pitchFamily="49" charset="0"/>
               </a:rPr>
-              <a:t>TestMessage</a:t>
-            </a:r>
-            <a:r>
-              <a:rPr lang="en-US" altLang="en-US" sz="1800" dirty="0">
+              <a:t> =&gt; </a:t>
+            </a:r>
+            <a:r>
+              <a:rPr lang="en-US" altLang="en-US" sz="1800" i="1" dirty="0">
                 <a:solidFill>
                   <a:srgbClr val="000000"/>
                 </a:solidFill>
                 <a:latin typeface="Courier New" panose="02070309020205020404" pitchFamily="49" charset="0"/>
-                <a:ea typeface="+mn-ea"/>
                 <a:cs typeface="Courier New" panose="02070309020205020404" pitchFamily="49" charset="0"/>
               </a:rPr>
-              <a:t>();</a:t>
-            </a:r>
-          </a:p>
-          <a:p>
-            <a:pPr marL="255600" lvl="0" indent="-255600" fontAlgn="base">
+              <a:t>expression</a:t>
+            </a:r>
+          </a:p>
+          <a:p>
+            <a:pPr marL="313182" indent="-342900" fontAlgn="base">
               <a:spcAft>
                 <a:spcPct val="0"/>
               </a:spcAft>
+              <a:buClr>
+                <a:schemeClr val="tx2"/>
+              </a:buClr>
               <a:buFont typeface="Arial" panose="020B0604020202020204" pitchFamily="34" charset="0"/>
               <a:buChar char="•"/>
             </a:pPr>
             <a:r>
-              <a:rPr lang="en-US" altLang="en-US" sz="2200" dirty="0">
+              <a:rPr lang="en-US" altLang="en-US" sz="2000" dirty="0">
                 <a:solidFill>
                   <a:srgbClr val="000000"/>
                 </a:solidFill>
                 <a:latin typeface="Arial (Body)"/>
-                <a:ea typeface="+mn-ea"/>
               </a:rPr>
-              <a:t>Here is how to use a lambda expression with no parameters:</a:t>
-            </a:r>
-          </a:p>
-          <a:p>
-            <a:pPr marL="487350" lvl="1" indent="0" fontAlgn="base">
+              <a:t>The </a:t>
+            </a:r>
+            <a:r>
+              <a:rPr lang="en-US" altLang="en-US" sz="2000" b="1" dirty="0">
+                <a:solidFill>
+                  <a:srgbClr val="000000"/>
+                </a:solidFill>
+                <a:latin typeface="Arial (Body)"/>
+              </a:rPr>
+              <a:t>lambda operator </a:t>
+            </a:r>
+            <a:r>
+              <a:rPr lang="en-US" altLang="en-US" sz="2000" dirty="0">
+                <a:solidFill>
+                  <a:srgbClr val="000000"/>
+                </a:solidFill>
+                <a:latin typeface="Arial (Body)"/>
+              </a:rPr>
+              <a:t>is </a:t>
+            </a:r>
+            <a:r>
+              <a:rPr lang="en-US" altLang="en-US" sz="2000" dirty="0">
+                <a:solidFill>
+                  <a:srgbClr val="000000"/>
+                </a:solidFill>
+                <a:latin typeface="Courier New" panose="02070309020205020404" pitchFamily="49" charset="0"/>
+                <a:cs typeface="Courier New" panose="02070309020205020404" pitchFamily="49" charset="0"/>
+              </a:rPr>
+              <a:t>=&gt;</a:t>
+            </a:r>
+          </a:p>
+          <a:p>
+            <a:pPr marL="313182" indent="-342900" fontAlgn="base">
               <a:spcAft>
                 <a:spcPct val="0"/>
               </a:spcAft>
-              <a:buNone/>
+              <a:buClr>
+                <a:schemeClr val="tx2"/>
+              </a:buClr>
+              <a:buFont typeface="Arial" panose="020B0604020202020204" pitchFamily="34" charset="0"/>
+              <a:buChar char="•"/>
             </a:pPr>
             <a:r>
-              <a:rPr lang="en-US" altLang="en-US" dirty="0" err="1">
+              <a:rPr lang="en-US" altLang="en-US" sz="2000" dirty="0">
+                <a:solidFill>
+                  <a:srgbClr val="000000"/>
+                </a:solidFill>
+                <a:latin typeface="Arial (Body)"/>
+              </a:rPr>
+              <a:t>Example: </a:t>
+            </a:r>
+          </a:p>
+          <a:p>
+            <a:pPr marL="886968" lvl="2" indent="0" fontAlgn="base">
+              <a:spcAft>
+                <a:spcPct val="0"/>
+              </a:spcAft>
+              <a:buClr>
+                <a:schemeClr val="tx2"/>
+              </a:buClr>
+              <a:buNone/>
+            </a:pPr>
+            <a:r>
+              <a:rPr lang="en-US" altLang="en-US" sz="1800" dirty="0">
                 <a:solidFill>
                   <a:srgbClr val="000000"/>
                 </a:solidFill>
                 <a:latin typeface="Courier New" panose="02070309020205020404" pitchFamily="49" charset="0"/>
                 <a:cs typeface="Courier New" panose="02070309020205020404" pitchFamily="49" charset="0"/>
               </a:rPr>
-              <a:t>TestMessage</a:t>
-            </a:r>
-            <a:r>
-              <a:rPr lang="en-US" altLang="en-US" dirty="0">
+              <a:t>x =&gt; x * x</a:t>
+            </a:r>
+          </a:p>
+          <a:p>
+            <a:pPr marL="0" indent="0" fontAlgn="base">
+              <a:spcAft>
+                <a:spcPct val="0"/>
+              </a:spcAft>
+              <a:buClr>
+                <a:schemeClr val="tx2"/>
+              </a:buClr>
+              <a:buNone/>
+            </a:pPr>
+            <a:r>
+              <a:rPr lang="en-US" altLang="en-US" sz="2000" dirty="0">
+                <a:solidFill>
+                  <a:srgbClr val="000000"/>
+                </a:solidFill>
+                <a:latin typeface="Arial (Body)"/>
+              </a:rPr>
+              <a:t>Where the </a:t>
+            </a:r>
+            <a:r>
+              <a:rPr lang="en-US" altLang="en-US" sz="2000" dirty="0">
                 <a:solidFill>
                   <a:srgbClr val="000000"/>
                 </a:solidFill>
                 <a:latin typeface="Courier New" panose="02070309020205020404" pitchFamily="49" charset="0"/>
                 <a:cs typeface="Courier New" panose="02070309020205020404" pitchFamily="49" charset="0"/>
               </a:rPr>
-              <a:t> Display = () =&gt; </a:t>
-            </a:r>
-            <a:r>
-              <a:rPr lang="en-US" altLang="en-US" dirty="0" err="1">
+              <a:t>x</a:t>
+            </a:r>
+            <a:r>
+              <a:rPr lang="en-US" altLang="en-US" sz="2000" dirty="0">
+                <a:solidFill>
+                  <a:srgbClr val="000000"/>
+                </a:solidFill>
+                <a:latin typeface="Arial (Body)"/>
+              </a:rPr>
+              <a:t> to the left of the lambda operator is the name of a parameter variable and the expression to the right of the lambda operator, </a:t>
+            </a:r>
+            <a:r>
+              <a:rPr lang="en-US" altLang="en-US" sz="2000" dirty="0">
                 <a:solidFill>
                   <a:srgbClr val="000000"/>
                 </a:solidFill>
                 <a:latin typeface="Courier New" panose="02070309020205020404" pitchFamily="49" charset="0"/>
                 <a:cs typeface="Courier New" panose="02070309020205020404" pitchFamily="49" charset="0"/>
               </a:rPr>
-              <a:t>MessageBox.Show</a:t>
-            </a:r>
-            <a:r>
-              <a:rPr lang="en-US" altLang="en-US" dirty="0">
+              <a:t>x * x</a:t>
+            </a:r>
+            <a:r>
+              <a:rPr lang="en-US" altLang="en-US" sz="2000" dirty="0">
                 <a:solidFill>
                   <a:srgbClr val="000000"/>
                 </a:solidFill>
-                <a:latin typeface="Courier New" panose="02070309020205020404" pitchFamily="49" charset="0"/>
-                <a:cs typeface="Courier New" panose="02070309020205020404" pitchFamily="49" charset="0"/>
+                <a:latin typeface="Arial (Body)"/>
               </a:rPr>
-              <a:t>("Testing…");</a:t>
-            </a:r>
-            <a:endParaRPr lang="en-US" altLang="en-US" dirty="0">
-              <a:solidFill>
-                <a:srgbClr val="000000"/>
-              </a:solidFill>
-              <a:latin typeface="Courier New" panose="02070309020205020404" pitchFamily="49" charset="0"/>
-              <a:ea typeface="+mn-ea"/>
-              <a:cs typeface="Courier New" panose="02070309020205020404" pitchFamily="49" charset="0"/>
-            </a:endParaRPr>
-          </a:p>
-          <a:p>
-            <a:pPr marL="255600" lvl="0" indent="-255600" fontAlgn="base">
-              <a:spcAft>
-                <a:spcPct val="0"/>
-              </a:spcAft>
-              <a:buFont typeface="Arial" panose="020B0604020202020204" pitchFamily="34" charset="0"/>
-              <a:buChar char="•"/>
-            </a:pPr>
-            <a:r>
-              <a:rPr lang="en-US" altLang="en-US" sz="2200" dirty="0">
-                <a:solidFill>
-                  <a:srgbClr val="000000"/>
-                </a:solidFill>
-                <a:latin typeface="Arial (Body)"/>
-                <a:ea typeface="+mn-ea"/>
-              </a:rPr>
-              <a:t>Write a set of empty parentheses as the parameter list</a:t>
+              <a:t>, is the value to be returned</a:t>
             </a:r>
           </a:p>
         </p:txBody>
@@ -41627,7 +41702,7 @@
     </p:spTree>
     <p:extLst>
       <p:ext uri="{BB962C8B-B14F-4D97-AF65-F5344CB8AC3E}">
-        <p14:creationId xmlns:p14="http://schemas.microsoft.com/office/powerpoint/2010/main" val="1515617997"/>
+        <p14:creationId xmlns:p14="http://schemas.microsoft.com/office/powerpoint/2010/main" val="3385198555"/>
       </p:ext>
     </p:extLst>
   </p:cSld>
@@ -41669,36 +41744,25 @@
           <a:bodyPr/>
           <a:lstStyle/>
           <a:p>
-            <a:pPr lvl="0" fontAlgn="base">
-              <a:spcBef>
-                <a:spcPct val="0"/>
-              </a:spcBef>
-              <a:spcAft>
-                <a:spcPct val="0"/>
-              </a:spcAft>
-              <a:buClrTx/>
-            </a:pPr>
-            <a:r>
-              <a:rPr lang="en-US" altLang="en-US" sz="3200" dirty="0">
+            <a:r>
+              <a:rPr lang="en-US" dirty="0">
                 <a:solidFill>
                   <a:schemeClr val="tx2"/>
                 </a:solidFill>
                 <a:latin typeface="Times New Roman" panose="02020603050405020304" pitchFamily="18" charset="0"/>
-                <a:ea typeface="+mj-ea"/>
                 <a:cs typeface="Times New Roman" panose="02020603050405020304" pitchFamily="18" charset="0"/>
               </a:rPr>
-              <a:t>Other Options for Lambda Expressions </a:t>
-            </a:r>
-            <a:r>
-              <a:rPr lang="en-US" altLang="en-US" sz="2000" b="0" dirty="0">
+              <a:t>Lambda Expressions </a:t>
+            </a:r>
+            <a:r>
+              <a:rPr lang="en-US" sz="2000" b="0" dirty="0">
                 <a:solidFill>
                   <a:schemeClr val="tx2"/>
                 </a:solidFill>
                 <a:latin typeface="Times New Roman" panose="02020603050405020304" pitchFamily="18" charset="0"/>
-                <a:ea typeface="+mj-ea"/>
                 <a:cs typeface="Times New Roman" panose="02020603050405020304" pitchFamily="18" charset="0"/>
               </a:rPr>
-              <a:t>(1 of 2)</a:t>
+              <a:t>(2 of 2)</a:t>
             </a:r>
           </a:p>
         </p:txBody>
@@ -41710,233 +41774,256 @@
             <a:spLocks noGrp="1"/>
           </p:cNvSpPr>
           <p:nvPr>
-            <p:ph type="body" idx="1"/>
+            <p:ph idx="1"/>
           </p:nvPr>
         </p:nvSpPr>
         <p:spPr>
           <a:xfrm>
-            <a:off x="457199" y="1600200"/>
-            <a:ext cx="7612145" cy="4455035"/>
+            <a:off x="457200" y="1600201"/>
+            <a:ext cx="8026924" cy="4454236"/>
           </a:xfrm>
         </p:spPr>
         <p:txBody>
-          <a:bodyPr wrap="square" lIns="91425" tIns="91425" rIns="91425" bIns="91425">
-            <a:spAutoFit/>
-          </a:bodyPr>
+          <a:bodyPr/>
           <a:lstStyle/>
           <a:p>
             <a:pPr marL="255600" lvl="0" indent="-255600" fontAlgn="base">
               <a:spcAft>
                 <a:spcPct val="0"/>
               </a:spcAft>
+              <a:buClr>
+                <a:schemeClr val="tx2"/>
+              </a:buClr>
               <a:buFont typeface="Arial" panose="020B0604020202020204" pitchFamily="34" charset="0"/>
               <a:buChar char="•"/>
             </a:pPr>
             <a:r>
-              <a:rPr lang="en-US" altLang="en-US" sz="2200" dirty="0">
+              <a:rPr lang="en-US" altLang="en-US" sz="2000" dirty="0">
                 <a:solidFill>
                   <a:srgbClr val="000000"/>
                 </a:solidFill>
                 <a:latin typeface="Arial (Body)"/>
-                <a:ea typeface="+mn-ea"/>
               </a:rPr>
-              <a:t>If a delegate type specifies a </a:t>
-            </a:r>
-            <a:r>
-              <a:rPr lang="en-US" altLang="en-US" sz="2200" dirty="0">
-                <a:solidFill>
-                  <a:srgbClr val="000000"/>
-                </a:solidFill>
-                <a:latin typeface="Courier New" panose="02070309020205020404" pitchFamily="49" charset="0"/>
-                <a:ea typeface="+mn-ea"/>
-                <a:cs typeface="Courier New" panose="02070309020205020404" pitchFamily="49" charset="0"/>
-              </a:rPr>
-              <a:t>void</a:t>
-            </a:r>
-            <a:r>
-              <a:rPr lang="en-US" altLang="en-US" sz="2200" dirty="0">
-                <a:solidFill>
-                  <a:srgbClr val="000000"/>
-                </a:solidFill>
-                <a:latin typeface="Arial (Body)"/>
-                <a:ea typeface="+mn-ea"/>
-              </a:rPr>
-              <a:t> return type, any lambda expression used with that delegate will also be </a:t>
-            </a:r>
-            <a:r>
-              <a:rPr lang="en-US" altLang="en-US" sz="2200" dirty="0">
-                <a:solidFill>
-                  <a:srgbClr val="000000"/>
-                </a:solidFill>
-                <a:latin typeface="Courier New" panose="02070309020205020404" pitchFamily="49" charset="0"/>
-                <a:ea typeface="+mn-ea"/>
-                <a:cs typeface="Courier New" panose="02070309020205020404" pitchFamily="49" charset="0"/>
-              </a:rPr>
-              <a:t>void</a:t>
-            </a:r>
-          </a:p>
-          <a:p>
-            <a:pPr marL="255600" lvl="0" indent="-255600" fontAlgn="base">
+              <a:t>Example: given the following delegate type declaration:</a:t>
+            </a:r>
+          </a:p>
+          <a:p>
+            <a:pPr marL="886968" lvl="2" indent="0" fontAlgn="base">
               <a:spcAft>
                 <a:spcPct val="0"/>
               </a:spcAft>
+              <a:buClr>
+                <a:schemeClr val="tx2"/>
+              </a:buClr>
+              <a:buNone/>
+            </a:pPr>
+            <a:r>
+              <a:rPr lang="en-US" altLang="en-US" sz="1800" dirty="0">
+                <a:solidFill>
+                  <a:srgbClr val="000000"/>
+                </a:solidFill>
+                <a:latin typeface="Courier New" panose="02070309020205020404" pitchFamily="49" charset="0"/>
+                <a:cs typeface="Courier New" panose="02070309020205020404" pitchFamily="49" charset="0"/>
+              </a:rPr>
+              <a:t>delegate int </a:t>
+            </a:r>
+            <a:r>
+              <a:rPr lang="en-US" altLang="en-US" sz="1800" dirty="0" err="1">
+                <a:solidFill>
+                  <a:srgbClr val="000000"/>
+                </a:solidFill>
+                <a:latin typeface="Courier New" panose="02070309020205020404" pitchFamily="49" charset="0"/>
+                <a:cs typeface="Courier New" panose="02070309020205020404" pitchFamily="49" charset="0"/>
+              </a:rPr>
+              <a:t>IntOperation</a:t>
+            </a:r>
+            <a:r>
+              <a:rPr lang="en-US" altLang="en-US" sz="1800" dirty="0">
+                <a:solidFill>
+                  <a:srgbClr val="000000"/>
+                </a:solidFill>
+                <a:latin typeface="Courier New" panose="02070309020205020404" pitchFamily="49" charset="0"/>
+                <a:cs typeface="Courier New" panose="02070309020205020404" pitchFamily="49" charset="0"/>
+              </a:rPr>
+              <a:t>(int x);</a:t>
+            </a:r>
+          </a:p>
+          <a:p>
+            <a:pPr marL="313182" indent="-342900" fontAlgn="base">
+              <a:spcAft>
+                <a:spcPct val="0"/>
+              </a:spcAft>
+              <a:buClr>
+                <a:schemeClr val="tx2"/>
+              </a:buClr>
               <a:buFont typeface="Arial" panose="020B0604020202020204" pitchFamily="34" charset="0"/>
               <a:buChar char="•"/>
             </a:pPr>
             <a:r>
-              <a:rPr lang="en-US" altLang="en-US" sz="2200" dirty="0">
+              <a:rPr lang="en-US" altLang="en-US" sz="2000" dirty="0">
                 <a:solidFill>
                   <a:srgbClr val="000000"/>
                 </a:solidFill>
                 <a:latin typeface="Arial (Body)"/>
-                <a:ea typeface="+mn-ea"/>
               </a:rPr>
-              <a:t>You don’t have to specify the data type of a lambda expression because the compiler will determine its type from the delegate type declaration</a:t>
-            </a:r>
-            <a:endParaRPr lang="en-US" altLang="en-US" dirty="0">
-              <a:solidFill>
-                <a:srgbClr val="000000"/>
-              </a:solidFill>
-              <a:latin typeface="Courier New" panose="02070309020205020404" pitchFamily="49" charset="0"/>
-              <a:ea typeface="+mn-ea"/>
-              <a:cs typeface="Courier New" panose="02070309020205020404" pitchFamily="49" charset="0"/>
-            </a:endParaRPr>
-          </a:p>
-          <a:p>
-            <a:pPr marL="255600" lvl="0" indent="-255600" fontAlgn="base">
+              <a:t>To create a delegate of the </a:t>
+            </a:r>
+            <a:r>
+              <a:rPr lang="en-US" altLang="en-US" sz="2000" dirty="0" err="1">
+                <a:solidFill>
+                  <a:srgbClr val="000000"/>
+                </a:solidFill>
+                <a:latin typeface="Courier New" panose="02070309020205020404" pitchFamily="49" charset="0"/>
+                <a:cs typeface="Courier New" panose="02070309020205020404" pitchFamily="49" charset="0"/>
+              </a:rPr>
+              <a:t>IntOperation</a:t>
+            </a:r>
+            <a:r>
+              <a:rPr lang="en-US" altLang="en-US" sz="2000" dirty="0">
+                <a:solidFill>
+                  <a:srgbClr val="000000"/>
+                </a:solidFill>
+                <a:latin typeface="Courier New" panose="02070309020205020404" pitchFamily="49" charset="0"/>
+                <a:cs typeface="Courier New" panose="02070309020205020404" pitchFamily="49" charset="0"/>
+              </a:rPr>
+              <a:t> </a:t>
+            </a:r>
+            <a:r>
+              <a:rPr lang="en-US" altLang="en-US" sz="2000" dirty="0">
+                <a:solidFill>
+                  <a:srgbClr val="000000"/>
+                </a:solidFill>
+                <a:latin typeface="Arial (Body)"/>
+              </a:rPr>
+              <a:t>type that references a method which returns x squared, you can use a lambda expression to create the delegate: </a:t>
+            </a:r>
+          </a:p>
+          <a:p>
+            <a:pPr marL="886968" lvl="2" indent="0" fontAlgn="base">
               <a:spcAft>
                 <a:spcPct val="0"/>
               </a:spcAft>
-              <a:buFont typeface="Arial" panose="020B0604020202020204" pitchFamily="34" charset="0"/>
-              <a:buChar char="•"/>
+              <a:buClr>
+                <a:schemeClr val="tx2"/>
+              </a:buClr>
+              <a:buNone/>
             </a:pPr>
             <a:r>
-              <a:rPr lang="en-US" altLang="en-US" sz="2200" dirty="0">
+              <a:rPr lang="en-US" altLang="en-US" sz="1800" dirty="0" err="1">
                 <a:solidFill>
                   <a:srgbClr val="000000"/>
                 </a:solidFill>
-                <a:latin typeface="Arial (Body)"/>
-                <a:ea typeface="+mn-ea"/>
+                <a:latin typeface="Courier New" panose="02070309020205020404" pitchFamily="49" charset="0"/>
+                <a:cs typeface="Courier New" panose="02070309020205020404" pitchFamily="49" charset="0"/>
               </a:rPr>
-              <a:t>You can write multiple statements in the body of a lambda expression as shown in this example:</a:t>
-            </a:r>
-          </a:p>
-          <a:p>
-            <a:pPr marL="887400" lvl="2" indent="0" fontAlgn="base">
+              <a:t>IntOperation</a:t>
+            </a:r>
+            <a:r>
+              <a:rPr lang="en-US" altLang="en-US" sz="1800" dirty="0">
+                <a:solidFill>
+                  <a:srgbClr val="000000"/>
+                </a:solidFill>
+                <a:latin typeface="Courier New" panose="02070309020205020404" pitchFamily="49" charset="0"/>
+                <a:cs typeface="Courier New" panose="02070309020205020404" pitchFamily="49" charset="0"/>
+              </a:rPr>
+              <a:t> Square = x =&gt; x * x;</a:t>
+            </a:r>
+          </a:p>
+          <a:p>
+            <a:pPr marL="0" indent="0" fontAlgn="base">
               <a:spcAft>
                 <a:spcPct val="0"/>
               </a:spcAft>
+              <a:buClr>
+                <a:schemeClr val="tx2"/>
+              </a:buClr>
               <a:buNone/>
             </a:pPr>
             <a:r>
-              <a:rPr lang="en-US" altLang="en-US" sz="1800" dirty="0" err="1">
+              <a:rPr lang="en-US" altLang="en-US" sz="2000" dirty="0">
                 <a:solidFill>
                   <a:srgbClr val="000000"/>
                 </a:solidFill>
+                <a:latin typeface="Arial (Body)"/>
+              </a:rPr>
+              <a:t>On the right side of the equals sign (</a:t>
+            </a:r>
+            <a:r>
+              <a:rPr lang="en-US" altLang="en-US" sz="2000" dirty="0">
+                <a:solidFill>
+                  <a:srgbClr val="000000"/>
+                </a:solidFill>
                 <a:latin typeface="Courier New" panose="02070309020205020404" pitchFamily="49" charset="0"/>
-                <a:ea typeface="+mn-ea"/>
+                <a:cs typeface="Courier New" panose="02070309020205020404" pitchFamily="49" charset="0"/>
+              </a:rPr>
+              <a:t>=</a:t>
+            </a:r>
+            <a:r>
+              <a:rPr lang="en-US" altLang="en-US" sz="2000" dirty="0">
+                <a:solidFill>
+                  <a:srgbClr val="000000"/>
+                </a:solidFill>
+                <a:latin typeface="Arial (Body)"/>
+              </a:rPr>
+              <a:t>) an </a:t>
+            </a:r>
+            <a:r>
+              <a:rPr lang="en-US" altLang="en-US" sz="2000" dirty="0" err="1">
+                <a:solidFill>
+                  <a:srgbClr val="000000"/>
+                </a:solidFill>
+                <a:latin typeface="Courier New" panose="02070309020205020404" pitchFamily="49" charset="0"/>
                 <a:cs typeface="Courier New" panose="02070309020205020404" pitchFamily="49" charset="0"/>
               </a:rPr>
               <a:t>IntOperation</a:t>
             </a:r>
             <a:r>
-              <a:rPr lang="en-US" altLang="en-US" sz="1800" dirty="0">
+              <a:rPr lang="en-US" altLang="en-US" sz="2000" dirty="0">
                 <a:solidFill>
                   <a:srgbClr val="000000"/>
                 </a:solidFill>
+                <a:latin typeface="Arial (Body)"/>
+              </a:rPr>
+              <a:t> delegate named </a:t>
+            </a:r>
+            <a:r>
+              <a:rPr lang="en-US" altLang="en-US" sz="2000" dirty="0">
+                <a:solidFill>
+                  <a:srgbClr val="000000"/>
+                </a:solidFill>
                 <a:latin typeface="Courier New" panose="02070309020205020404" pitchFamily="49" charset="0"/>
-                <a:ea typeface="+mn-ea"/>
                 <a:cs typeface="Courier New" panose="02070309020205020404" pitchFamily="49" charset="0"/>
               </a:rPr>
-              <a:t> </a:t>
-            </a:r>
-            <a:r>
-              <a:rPr lang="en-US" altLang="en-US" sz="1800" dirty="0" err="1">
+              <a:t>Square</a:t>
+            </a:r>
+            <a:r>
+              <a:rPr lang="en-US" altLang="en-US" sz="2000" dirty="0">
                 <a:solidFill>
                   <a:srgbClr val="000000"/>
                 </a:solidFill>
-                <a:latin typeface="Courier New" panose="02070309020205020404" pitchFamily="49" charset="0"/>
-                <a:ea typeface="+mn-ea"/>
-                <a:cs typeface="Courier New" panose="02070309020205020404" pitchFamily="49" charset="0"/>
+                <a:latin typeface="Arial (Body)"/>
               </a:rPr>
-              <a:t>TimesTwo</a:t>
-            </a:r>
-            <a:r>
-              <a:rPr lang="en-US" altLang="en-US" sz="1800" dirty="0">
-                <a:solidFill>
-                  <a:srgbClr val="000000"/>
-                </a:solidFill>
-                <a:latin typeface="Courier New" panose="02070309020205020404" pitchFamily="49" charset="0"/>
-                <a:ea typeface="+mn-ea"/>
-                <a:cs typeface="Courier New" panose="02070309020205020404" pitchFamily="49" charset="0"/>
-              </a:rPr>
-              <a:t> = (x) =&gt; {</a:t>
-            </a:r>
-          </a:p>
-          <a:p>
-            <a:pPr marL="887400" lvl="2" indent="0" fontAlgn="base">
-              <a:spcBef>
-                <a:spcPts val="0"/>
-              </a:spcBef>
+              <a:t> is created. </a:t>
+            </a:r>
+          </a:p>
+          <a:p>
+            <a:pPr marL="0" indent="0" fontAlgn="base">
               <a:spcAft>
                 <a:spcPct val="0"/>
               </a:spcAft>
+              <a:buClr>
+                <a:schemeClr val="tx2"/>
+              </a:buClr>
               <a:buNone/>
             </a:pPr>
             <a:r>
-              <a:rPr lang="en-US" altLang="en-US" sz="1800" dirty="0">
+              <a:rPr lang="en-US" altLang="en-US" sz="2000" dirty="0">
                 <a:solidFill>
                   <a:srgbClr val="000000"/>
                 </a:solidFill>
-                <a:latin typeface="Courier New" panose="02070309020205020404" pitchFamily="49" charset="0"/>
-                <a:ea typeface="+mn-ea"/>
-                <a:cs typeface="Courier New" panose="02070309020205020404" pitchFamily="49" charset="0"/>
+                <a:latin typeface="Arial (Body)"/>
               </a:rPr>
-              <a:t>     int a = x * 2;</a:t>
-            </a:r>
-          </a:p>
-          <a:p>
-            <a:pPr marL="887400" lvl="2" indent="0" fontAlgn="base">
-              <a:spcBef>
-                <a:spcPts val="0"/>
-              </a:spcBef>
-              <a:spcAft>
-                <a:spcPct val="0"/>
-              </a:spcAft>
-              <a:buNone/>
-            </a:pPr>
-            <a:r>
-              <a:rPr lang="en-US" altLang="en-US" sz="1800" dirty="0">
-                <a:solidFill>
-                  <a:srgbClr val="000000"/>
-                </a:solidFill>
-                <a:latin typeface="Courier New" panose="02070309020205020404" pitchFamily="49" charset="0"/>
-                <a:ea typeface="+mn-ea"/>
-                <a:cs typeface="Courier New" panose="02070309020205020404" pitchFamily="49" charset="0"/>
-              </a:rPr>
-              <a:t>     return a;</a:t>
-            </a:r>
-          </a:p>
-          <a:p>
-            <a:pPr marL="887400" lvl="2" indent="0" fontAlgn="base">
-              <a:spcBef>
-                <a:spcPts val="0"/>
-              </a:spcBef>
-              <a:spcAft>
-                <a:spcPct val="0"/>
-              </a:spcAft>
-              <a:buNone/>
-            </a:pPr>
-            <a:r>
-              <a:rPr lang="en-US" altLang="en-US" sz="1800" dirty="0">
-                <a:solidFill>
-                  <a:srgbClr val="000000"/>
-                </a:solidFill>
-                <a:latin typeface="Courier New" panose="02070309020205020404" pitchFamily="49" charset="0"/>
-                <a:ea typeface="+mn-ea"/>
-                <a:cs typeface="Courier New" panose="02070309020205020404" pitchFamily="49" charset="0"/>
-              </a:rPr>
-              <a:t>)</a:t>
+              <a:t>The lambda expression creates an anonymous method. </a:t>
             </a:r>
           </a:p>
         </p:txBody>
@@ -41944,7 +42031,7 @@
     </p:spTree>
     <p:extLst>
       <p:ext uri="{BB962C8B-B14F-4D97-AF65-F5344CB8AC3E}">
-        <p14:creationId xmlns:p14="http://schemas.microsoft.com/office/powerpoint/2010/main" val="2036182386"/>
+        <p14:creationId xmlns:p14="http://schemas.microsoft.com/office/powerpoint/2010/main" val="4245402665"/>
       </p:ext>
     </p:extLst>
   </p:cSld>
@@ -41996,7 +42083,7 @@
               <a:buClrTx/>
             </a:pPr>
             <a:r>
-              <a:rPr lang="en-US" altLang="en-US" sz="3200" dirty="0">
+              <a:rPr lang="en-US" altLang="en-US" dirty="0">
                 <a:solidFill>
                   <a:schemeClr val="tx2"/>
                 </a:solidFill>
@@ -42004,18 +42091,7 @@
                 <a:ea typeface="+mj-ea"/>
                 <a:cs typeface="Times New Roman" panose="02020603050405020304" pitchFamily="18" charset="0"/>
               </a:rPr>
-              <a:t>Other Options for Lambda Expressions </a:t>
-            </a:r>
-            <a:r>
-              <a:rPr lang="en-US" altLang="en-US" sz="2000" b="0" dirty="0">
-                <a:solidFill>
-                  <a:schemeClr val="tx2"/>
-                </a:solidFill>
-                <a:latin typeface="Times New Roman" panose="02020603050405020304" pitchFamily="18" charset="0"/>
-                <a:ea typeface="+mj-ea"/>
-                <a:cs typeface="Times New Roman" panose="02020603050405020304" pitchFamily="18" charset="0"/>
-              </a:rPr>
-              <a:t>(2 of 2)</a:t>
+              <a:t>Lambda Expressions with Multiple Parameters</a:t>
             </a:r>
           </a:p>
         </p:txBody>
@@ -42033,7 +42109,7 @@
         <p:spPr>
           <a:xfrm>
             <a:off x="457199" y="1600200"/>
-            <a:ext cx="7612145" cy="3277790"/>
+            <a:ext cx="7612145" cy="4370397"/>
           </a:xfrm>
         </p:spPr>
         <p:txBody>
@@ -42057,16 +42133,8 @@
                 <a:latin typeface="Arial (Body)"/>
                 <a:ea typeface="+mn-ea"/>
               </a:rPr>
-              <a:t>A lambda expression can access the local variables that are declared in the method that contains the lambda expression if those variables are in scope and have been assigned a value</a:t>
-            </a:r>
-            <a:endParaRPr lang="en-US" altLang="en-US" sz="2200" dirty="0">
-              <a:solidFill>
-                <a:srgbClr val="000000"/>
-              </a:solidFill>
-              <a:latin typeface="Courier New" panose="02070309020205020404" pitchFamily="49" charset="0"/>
-              <a:ea typeface="+mn-ea"/>
-              <a:cs typeface="Courier New" panose="02070309020205020404" pitchFamily="49" charset="0"/>
-            </a:endParaRPr>
+              <a:t>If a delegate type specifies multiple parameters, any lambda expression used with that delegate must also have multiple parameters. </a:t>
+            </a:r>
           </a:p>
           <a:p>
             <a:pPr marL="255600" lvl="0" indent="-255600" fontAlgn="base">
@@ -42084,7 +42152,51 @@
                 <a:latin typeface="Arial (Body)"/>
                 <a:ea typeface="+mn-ea"/>
               </a:rPr>
-              <a:t>You can use a lambda expression anywhere that a compatible delegate is expected</a:t>
+              <a:t>Given the following delegate type declaration:</a:t>
+            </a:r>
+          </a:p>
+          <a:p>
+            <a:pPr marL="887400" lvl="2" indent="0" fontAlgn="base">
+              <a:spcBef>
+                <a:spcPts val="1200"/>
+              </a:spcBef>
+              <a:spcAft>
+                <a:spcPct val="0"/>
+              </a:spcAft>
+              <a:buNone/>
+            </a:pPr>
+            <a:r>
+              <a:rPr lang="en-US" altLang="en-US" sz="1800" dirty="0">
+                <a:solidFill>
+                  <a:srgbClr val="000000"/>
+                </a:solidFill>
+                <a:latin typeface="Courier New" panose="02070309020205020404" pitchFamily="49" charset="0"/>
+                <a:ea typeface="+mn-ea"/>
+                <a:cs typeface="Courier New" panose="02070309020205020404" pitchFamily="49" charset="0"/>
+              </a:rPr>
+              <a:t>delegate void </a:t>
+            </a:r>
+            <a:r>
+              <a:rPr lang="en-US" altLang="en-US" sz="1800" dirty="0" err="1">
+                <a:solidFill>
+                  <a:srgbClr val="000000"/>
+                </a:solidFill>
+                <a:latin typeface="Courier New" panose="02070309020205020404" pitchFamily="49" charset="0"/>
+                <a:ea typeface="+mn-ea"/>
+                <a:cs typeface="Courier New" panose="02070309020205020404" pitchFamily="49" charset="0"/>
+              </a:rPr>
+              <a:t>IntCalculator</a:t>
+            </a:r>
+            <a:r>
+              <a:rPr lang="en-US" altLang="en-US" sz="1800" dirty="0">
+                <a:solidFill>
+                  <a:srgbClr val="000000"/>
+                </a:solidFill>
+                <a:latin typeface="Courier New" panose="02070309020205020404" pitchFamily="49" charset="0"/>
+                <a:ea typeface="+mn-ea"/>
+                <a:cs typeface="Courier New" panose="02070309020205020404" pitchFamily="49" charset="0"/>
+              </a:rPr>
+              <a:t>(int a, int b);</a:t>
             </a:r>
           </a:p>
           <a:p>
@@ -42103,23 +42215,69 @@
                 <a:latin typeface="Arial (Body)"/>
                 <a:ea typeface="+mn-ea"/>
               </a:rPr>
-              <a:t>Lambda expressions are a quick and concise way to define simple methods in a class declaration</a:t>
-            </a:r>
-            <a:endParaRPr lang="en-US" altLang="en-US" dirty="0">
+              <a:t>Here is how to use more than one parameter in a lambda expression:</a:t>
+            </a:r>
+          </a:p>
+          <a:p>
+            <a:pPr marL="887400" lvl="2" indent="0" fontAlgn="base">
+              <a:spcAft>
+                <a:spcPct val="0"/>
+              </a:spcAft>
+              <a:buNone/>
+            </a:pPr>
+            <a:r>
+              <a:rPr lang="en-US" altLang="en-US" sz="1800" dirty="0" err="1">
+                <a:solidFill>
+                  <a:srgbClr val="000000"/>
+                </a:solidFill>
+                <a:latin typeface="Courier New" panose="02070309020205020404" pitchFamily="49" charset="0"/>
+                <a:cs typeface="Courier New" panose="02070309020205020404" pitchFamily="49" charset="0"/>
+              </a:rPr>
+              <a:t>IntCalculator</a:t>
+            </a:r>
+            <a:r>
+              <a:rPr lang="en-US" altLang="en-US" sz="1800" dirty="0">
+                <a:solidFill>
+                  <a:srgbClr val="000000"/>
+                </a:solidFill>
+                <a:latin typeface="Courier New" panose="02070309020205020404" pitchFamily="49" charset="0"/>
+                <a:cs typeface="Courier New" panose="02070309020205020404" pitchFamily="49" charset="0"/>
+              </a:rPr>
+              <a:t> Sum = (a, b) =&gt; a + b;</a:t>
+            </a:r>
+            <a:endParaRPr lang="en-US" altLang="en-US" sz="1800" dirty="0">
               <a:solidFill>
                 <a:srgbClr val="000000"/>
               </a:solidFill>
-              <a:latin typeface="Courier New" panose="02070309020205020404" pitchFamily="49" charset="0"/>
+              <a:latin typeface="Arial (Body)"/>
               <a:ea typeface="+mn-ea"/>
-              <a:cs typeface="Courier New" panose="02070309020205020404" pitchFamily="49" charset="0"/>
             </a:endParaRPr>
+          </a:p>
+          <a:p>
+            <a:pPr marL="255600" lvl="0" indent="-255600" fontAlgn="base">
+              <a:spcAft>
+                <a:spcPct val="0"/>
+              </a:spcAft>
+              <a:buFont typeface="Arial" panose="020B0604020202020204" pitchFamily="34" charset="0"/>
+              <a:buChar char="•"/>
+            </a:pPr>
+            <a:r>
+              <a:rPr lang="en-US" altLang="en-US" sz="2200" dirty="0">
+                <a:solidFill>
+                  <a:srgbClr val="000000"/>
+                </a:solidFill>
+                <a:latin typeface="Arial (Body)"/>
+                <a:ea typeface="+mn-ea"/>
+              </a:rPr>
+              <a:t>Write a comma separated list and enclose the list in parentheses</a:t>
+            </a:r>
           </a:p>
         </p:txBody>
       </p:sp>
     </p:spTree>
     <p:extLst>
       <p:ext uri="{BB962C8B-B14F-4D97-AF65-F5344CB8AC3E}">
-        <p14:creationId xmlns:p14="http://schemas.microsoft.com/office/powerpoint/2010/main" val="2887517482"/>
+        <p14:creationId xmlns:p14="http://schemas.microsoft.com/office/powerpoint/2010/main" val="3760144394"/>
       </p:ext>
     </p:extLst>
   </p:cSld>
@@ -42156,12 +42314,7 @@
             <p:ph type="title"/>
           </p:nvPr>
         </p:nvSpPr>
-        <p:spPr>
-          <a:xfrm>
-            <a:off x="471340" y="502921"/>
-            <a:ext cx="8229600" cy="1097279"/>
-          </a:xfrm>
-        </p:spPr>
+        <p:spPr/>
         <p:txBody>
           <a:bodyPr/>
           <a:lstStyle/>
@@ -42184,62 +42337,7 @@
                 <a:ea typeface="+mj-ea"/>
                 <a:cs typeface="Times New Roman" panose="02020603050405020304" pitchFamily="18" charset="0"/>
               </a:rPr>
-              <a:t>Built-In Delegates: </a:t>
-            </a:r>
-            <a:r>
-              <a:rPr lang="en-US" altLang="en-US" dirty="0">
-                <a:solidFill>
-                  <a:schemeClr val="tx2"/>
-                </a:solidFill>
-                <a:latin typeface="Courier New" panose="02070309020205020404" pitchFamily="49" charset="0"/>
-                <a:ea typeface="+mj-ea"/>
-                <a:cs typeface="Courier New" panose="02070309020205020404" pitchFamily="49" charset="0"/>
-              </a:rPr>
-              <a:t>Action</a:t>
-            </a:r>
-            <a:r>
-              <a:rPr lang="en-US" altLang="en-US" dirty="0">
-                <a:solidFill>
-                  <a:schemeClr val="tx2"/>
-                </a:solidFill>
-                <a:latin typeface="Times New Roman" panose="02020603050405020304" pitchFamily="18" charset="0"/>
-                <a:ea typeface="+mj-ea"/>
-                <a:cs typeface="Times New Roman" panose="02020603050405020304" pitchFamily="18" charset="0"/>
-              </a:rPr>
-              <a:t>, </a:t>
-            </a:r>
-            <a:r>
-              <a:rPr lang="en-US" altLang="en-US" dirty="0" err="1">
-                <a:solidFill>
-                  <a:schemeClr val="tx2"/>
-                </a:solidFill>
-                <a:latin typeface="Courier New" panose="02070309020205020404" pitchFamily="49" charset="0"/>
-                <a:ea typeface="+mj-ea"/>
-                <a:cs typeface="Courier New" panose="02070309020205020404" pitchFamily="49" charset="0"/>
-              </a:rPr>
-              <a:t>Func</a:t>
-            </a:r>
-            <a:r>
-              <a:rPr lang="en-US" altLang="en-US" dirty="0">
-                <a:solidFill>
-                  <a:schemeClr val="tx2"/>
-                </a:solidFill>
-                <a:latin typeface="Times New Roman" panose="02020603050405020304" pitchFamily="18" charset="0"/>
-                <a:ea typeface="+mj-ea"/>
-                <a:cs typeface="Times New Roman" panose="02020603050405020304" pitchFamily="18" charset="0"/>
-              </a:rPr>
-              <a:t>, and </a:t>
-            </a:r>
-            <a:r>
-              <a:rPr lang="en-US" altLang="en-US" dirty="0">
-                <a:solidFill>
-                  <a:schemeClr val="tx2"/>
-                </a:solidFill>
-                <a:latin typeface="Courier New" panose="02070309020205020404" pitchFamily="49" charset="0"/>
-                <a:ea typeface="+mj-ea"/>
-                <a:cs typeface="Courier New" panose="02070309020205020404" pitchFamily="49" charset="0"/>
-              </a:rPr>
-              <a:t>Predicate</a:t>
+              <a:t>Lambda Expressions with No Parameters</a:t>
             </a:r>
           </a:p>
         </p:txBody>
@@ -42256,8 +42354,8 @@
         </p:nvSpPr>
         <p:spPr>
           <a:xfrm>
-            <a:off x="457200" y="1600200"/>
-            <a:ext cx="8229600" cy="3470150"/>
+            <a:off x="457199" y="1600200"/>
+            <a:ext cx="7612145" cy="3854871"/>
           </a:xfrm>
         </p:spPr>
         <p:txBody>
@@ -42265,24 +42363,6 @@
             <a:spAutoFit/>
           </a:bodyPr>
           <a:lstStyle/>
-          <a:p>
-            <a:pPr marL="0" lvl="0" indent="0" fontAlgn="base">
-              <a:spcAft>
-                <a:spcPct val="0"/>
-              </a:spcAft>
-              <a:buNone/>
-            </a:pPr>
-            <a:r>
-              <a:rPr lang="en-US" altLang="en-US" sz="2200" dirty="0">
-                <a:solidFill>
-                  <a:srgbClr val="000000"/>
-                </a:solidFill>
-                <a:latin typeface="Arial (Body)"/>
-                <a:ea typeface="+mn-ea"/>
-              </a:rPr>
-              <a:t>.NET provides delegate types that simplify the process of creating certain types of delegates. </a:t>
-            </a:r>
-          </a:p>
           <a:p>
             <a:pPr marL="255600" lvl="0" indent="-255600" fontAlgn="base">
               <a:spcAft>
@@ -42296,42 +42376,10 @@
                 <a:solidFill>
                   <a:srgbClr val="000000"/>
                 </a:solidFill>
-                <a:latin typeface="Courier New" panose="02070309020205020404" pitchFamily="49" charset="0"/>
-                <a:ea typeface="+mn-ea"/>
-                <a:cs typeface="Courier New" panose="02070309020205020404" pitchFamily="49" charset="0"/>
-              </a:rPr>
-              <a:t>Action</a:t>
-            </a:r>
-            <a:r>
-              <a:rPr lang="en-US" altLang="en-US" sz="2200" dirty="0">
-                <a:solidFill>
-                  <a:srgbClr val="000000"/>
-                </a:solidFill>
                 <a:latin typeface="Arial (Body)"/>
                 <a:ea typeface="+mn-ea"/>
               </a:rPr>
-              <a:t>: invokes a </a:t>
-            </a:r>
-            <a:r>
-              <a:rPr lang="en-US" altLang="en-US" sz="2200" dirty="0">
-                <a:solidFill>
-                  <a:srgbClr val="000000"/>
-                </a:solidFill>
-                <a:latin typeface="Courier New" panose="02070309020205020404" pitchFamily="49" charset="0"/>
-                <a:ea typeface="+mn-ea"/>
-                <a:cs typeface="Courier New" panose="02070309020205020404" pitchFamily="49" charset="0"/>
-              </a:rPr>
-              <a:t>void</a:t>
-            </a:r>
-            <a:r>
-              <a:rPr lang="en-US" altLang="en-US" sz="2200" dirty="0">
-                <a:solidFill>
-                  <a:srgbClr val="000000"/>
-                </a:solidFill>
-                <a:latin typeface="Arial (Body)"/>
-                <a:ea typeface="+mn-ea"/>
-              </a:rPr>
-              <a:t> method that accepts 0 to 16 arguments</a:t>
+              <a:t>If a delegate type specifies no parameters, any lambda expression used with that delegate must also have no parameters. </a:t>
             </a:r>
           </a:p>
           <a:p>
@@ -42343,7 +42391,28 @@
               <a:buChar char="•"/>
             </a:pPr>
             <a:r>
-              <a:rPr lang="en-US" altLang="en-US" sz="2200" dirty="0" err="1">
+              <a:rPr lang="en-US" altLang="en-US" sz="2200" dirty="0">
+                <a:solidFill>
+                  <a:srgbClr val="000000"/>
+                </a:solidFill>
+                <a:latin typeface="Arial (Body)"/>
+                <a:ea typeface="+mn-ea"/>
+              </a:rPr>
+              <a:t>Given the following delegate type declaration:</a:t>
+            </a:r>
+          </a:p>
+          <a:p>
+            <a:pPr marL="887400" lvl="2" indent="0" fontAlgn="base">
+              <a:spcBef>
+                <a:spcPts val="1200"/>
+              </a:spcBef>
+              <a:spcAft>
+                <a:spcPct val="0"/>
+              </a:spcAft>
+              <a:buNone/>
+            </a:pPr>
+            <a:r>
+              <a:rPr lang="en-US" altLang="en-US" sz="1800" dirty="0">
                 <a:solidFill>
                   <a:srgbClr val="000000"/>
                 </a:solidFill>
@@ -42351,17 +42420,29 @@
                 <a:ea typeface="+mn-ea"/>
                 <a:cs typeface="Courier New" panose="02070309020205020404" pitchFamily="49" charset="0"/>
               </a:rPr>
-              <a:t>Func</a:t>
-            </a:r>
-            <a:r>
-              <a:rPr lang="en-US" altLang="en-US" sz="2200" dirty="0">
+              <a:t>delegate void </a:t>
+            </a:r>
+            <a:r>
+              <a:rPr lang="en-US" altLang="en-US" sz="1800" dirty="0" err="1">
                 <a:solidFill>
                   <a:srgbClr val="000000"/>
                 </a:solidFill>
-                <a:latin typeface="Arial (Body)"/>
+                <a:latin typeface="Courier New" panose="02070309020205020404" pitchFamily="49" charset="0"/>
                 <a:ea typeface="+mn-ea"/>
+                <a:cs typeface="Courier New" panose="02070309020205020404" pitchFamily="49" charset="0"/>
               </a:rPr>
-              <a:t>: invokes a method that accepts 0 to 16 arguments and returns a value</a:t>
+              <a:t>TestMessage</a:t>
+            </a:r>
+            <a:r>
+              <a:rPr lang="en-US" altLang="en-US" sz="1800" dirty="0">
+                <a:solidFill>
+                  <a:srgbClr val="000000"/>
+                </a:solidFill>
+                <a:latin typeface="Courier New" panose="02070309020205020404" pitchFamily="49" charset="0"/>
+                <a:ea typeface="+mn-ea"/>
+                <a:cs typeface="Courier New" panose="02070309020205020404" pitchFamily="49" charset="0"/>
+              </a:rPr>
+              <a:t>();</a:t>
             </a:r>
           </a:p>
           <a:p>
@@ -42377,33 +42458,76 @@
                 <a:solidFill>
                   <a:srgbClr val="000000"/>
                 </a:solidFill>
-                <a:latin typeface="Courier New" panose="02070309020205020404" pitchFamily="49" charset="0"/>
-                <a:ea typeface="+mn-ea"/>
-                <a:cs typeface="Courier New" panose="02070309020205020404" pitchFamily="49" charset="0"/>
-              </a:rPr>
-              <a:t>Predicate</a:t>
-            </a:r>
-            <a:r>
-              <a:rPr lang="en-US" altLang="en-US" sz="2200" dirty="0">
-                <a:solidFill>
-                  <a:srgbClr val="000000"/>
-                </a:solidFill>
                 <a:latin typeface="Arial (Body)"/>
                 <a:ea typeface="+mn-ea"/>
               </a:rPr>
-              <a:t>: invokes a method that accepts one argument and returns a </a:t>
-            </a:r>
-            <a:r>
-              <a:rPr lang="en-US" altLang="en-US" sz="2200" dirty="0" err="1">
+              <a:t>Here is how to use a lambda expression with no parameters:</a:t>
+            </a:r>
+          </a:p>
+          <a:p>
+            <a:pPr marL="487350" lvl="1" indent="0" fontAlgn="base">
+              <a:spcAft>
+                <a:spcPct val="0"/>
+              </a:spcAft>
+              <a:buNone/>
+            </a:pPr>
+            <a:r>
+              <a:rPr lang="en-US" altLang="en-US" dirty="0" err="1">
                 <a:solidFill>
                   <a:srgbClr val="000000"/>
                 </a:solidFill>
                 <a:latin typeface="Courier New" panose="02070309020205020404" pitchFamily="49" charset="0"/>
-                <a:ea typeface="+mn-ea"/>
                 <a:cs typeface="Courier New" panose="02070309020205020404" pitchFamily="49" charset="0"/>
               </a:rPr>
-              <a:t>boolean</a:t>
-            </a:r>
+              <a:t>TestMessage</a:t>
+            </a:r>
+            <a:r>
+              <a:rPr lang="en-US" altLang="en-US" dirty="0">
+                <a:solidFill>
+                  <a:srgbClr val="000000"/>
+                </a:solidFill>
+                <a:latin typeface="Courier New" panose="02070309020205020404" pitchFamily="49" charset="0"/>
+                <a:cs typeface="Courier New" panose="02070309020205020404" pitchFamily="49" charset="0"/>
+              </a:rPr>
+              <a:t> Display = () =&gt; </a:t>
+            </a:r>
+            <a:r>
+              <a:rPr lang="en-US" altLang="en-US" dirty="0" err="1">
+                <a:solidFill>
+                  <a:srgbClr val="000000"/>
+                </a:solidFill>
+                <a:latin typeface="Courier New" panose="02070309020205020404" pitchFamily="49" charset="0"/>
+                <a:cs typeface="Courier New" panose="02070309020205020404" pitchFamily="49" charset="0"/>
+              </a:rPr>
+              <a:t>MessageBox.Show</a:t>
+            </a:r>
+            <a:r>
+              <a:rPr lang="en-US" altLang="en-US" dirty="0">
+                <a:solidFill>
+                  <a:srgbClr val="000000"/>
+                </a:solidFill>
+                <a:latin typeface="Courier New" panose="02070309020205020404" pitchFamily="49" charset="0"/>
+                <a:cs typeface="Courier New" panose="02070309020205020404" pitchFamily="49" charset="0"/>
+              </a:rPr>
+              <a:t>("Testing…");</a:t>
+            </a:r>
+            <a:endParaRPr lang="en-US" altLang="en-US" dirty="0">
+              <a:solidFill>
+                <a:srgbClr val="000000"/>
+              </a:solidFill>
+              <a:latin typeface="Courier New" panose="02070309020205020404" pitchFamily="49" charset="0"/>
+              <a:ea typeface="+mn-ea"/>
+              <a:cs typeface="Courier New" panose="02070309020205020404" pitchFamily="49" charset="0"/>
+            </a:endParaRPr>
+          </a:p>
+          <a:p>
+            <a:pPr marL="255600" lvl="0" indent="-255600" fontAlgn="base">
+              <a:spcAft>
+                <a:spcPct val="0"/>
+              </a:spcAft>
+              <a:buFont typeface="Arial" panose="020B0604020202020204" pitchFamily="34" charset="0"/>
+              <a:buChar char="•"/>
+            </a:pPr>
             <a:r>
               <a:rPr lang="en-US" altLang="en-US" sz="2200" dirty="0">
                 <a:solidFill>
@@ -42412,7 +42536,7 @@
                 <a:latin typeface="Arial (Body)"/>
                 <a:ea typeface="+mn-ea"/>
               </a:rPr>
-              <a:t> value</a:t>
+              <a:t>Write a set of empty parentheses as the parameter list</a:t>
             </a:r>
           </a:p>
         </p:txBody>
@@ -42420,7 +42544,7 @@
     </p:spTree>
     <p:extLst>
       <p:ext uri="{BB962C8B-B14F-4D97-AF65-F5344CB8AC3E}">
-        <p14:creationId xmlns:p14="http://schemas.microsoft.com/office/powerpoint/2010/main" val="3999200272"/>
+        <p14:creationId xmlns:p14="http://schemas.microsoft.com/office/powerpoint/2010/main" val="1515617997"/>
       </p:ext>
     </p:extLst>
   </p:cSld>
@@ -42462,350 +42586,282 @@
           <a:bodyPr/>
           <a:lstStyle/>
           <a:p>
-            <a:r>
-              <a:rPr lang="en-US" dirty="0">
+            <a:pPr lvl="0" fontAlgn="base">
+              <a:spcBef>
+                <a:spcPct val="0"/>
+              </a:spcBef>
+              <a:spcAft>
+                <a:spcPct val="0"/>
+              </a:spcAft>
+              <a:buClrTx/>
+            </a:pPr>
+            <a:r>
+              <a:rPr lang="en-US" altLang="en-US" sz="3200" dirty="0">
+                <a:solidFill>
+                  <a:schemeClr val="tx2"/>
+                </a:solidFill>
+                <a:latin typeface="Times New Roman" panose="02020603050405020304" pitchFamily="18" charset="0"/>
+                <a:ea typeface="+mj-ea"/>
+                <a:cs typeface="Times New Roman" panose="02020603050405020304" pitchFamily="18" charset="0"/>
+              </a:rPr>
+              <a:t>Other Options for Lambda Expressions </a:t>
+            </a:r>
+            <a:r>
+              <a:rPr lang="en-US" altLang="en-US" sz="2000" b="0" dirty="0">
+                <a:solidFill>
+                  <a:schemeClr val="tx2"/>
+                </a:solidFill>
+                <a:latin typeface="Times New Roman" panose="02020603050405020304" pitchFamily="18" charset="0"/>
+                <a:ea typeface="+mj-ea"/>
+                <a:cs typeface="Times New Roman" panose="02020603050405020304" pitchFamily="18" charset="0"/>
+              </a:rPr>
+              <a:t>(1 of 2)</a:t>
+            </a:r>
+          </a:p>
+        </p:txBody>
+      </p:sp>
+      <p:sp>
+        <p:nvSpPr>
+          <p:cNvPr id="3" name="Content Placeholder 2"/>
+          <p:cNvSpPr>
+            <a:spLocks noGrp="1"/>
+          </p:cNvSpPr>
+          <p:nvPr>
+            <p:ph type="body" idx="1"/>
+          </p:nvPr>
+        </p:nvSpPr>
+        <p:spPr>
+          <a:xfrm>
+            <a:off x="457199" y="1600200"/>
+            <a:ext cx="7612145" cy="4455035"/>
+          </a:xfrm>
+        </p:spPr>
+        <p:txBody>
+          <a:bodyPr wrap="square" lIns="91425" tIns="91425" rIns="91425" bIns="91425">
+            <a:spAutoFit/>
+          </a:bodyPr>
+          <a:lstStyle/>
+          <a:p>
+            <a:pPr marL="255600" lvl="0" indent="-255600" fontAlgn="base">
+              <a:spcAft>
+                <a:spcPct val="0"/>
+              </a:spcAft>
+              <a:buFont typeface="Arial" panose="020B0604020202020204" pitchFamily="34" charset="0"/>
+              <a:buChar char="•"/>
+            </a:pPr>
+            <a:r>
+              <a:rPr lang="en-US" altLang="en-US" sz="2200" dirty="0">
+                <a:solidFill>
+                  <a:srgbClr val="000000"/>
+                </a:solidFill>
+                <a:latin typeface="Arial (Body)"/>
+                <a:ea typeface="+mn-ea"/>
+              </a:rPr>
+              <a:t>If a delegate type specifies a </a:t>
+            </a:r>
+            <a:r>
+              <a:rPr lang="en-US" altLang="en-US" sz="2200" dirty="0">
+                <a:solidFill>
+                  <a:srgbClr val="000000"/>
+                </a:solidFill>
                 <a:latin typeface="Courier New" panose="02070309020205020404" pitchFamily="49" charset="0"/>
+                <a:ea typeface="+mn-ea"/>
                 <a:cs typeface="Courier New" panose="02070309020205020404" pitchFamily="49" charset="0"/>
               </a:rPr>
-              <a:t>Action</a:t>
-            </a:r>
-            <a:r>
-              <a:rPr lang="en-US" dirty="0"/>
-              <a:t> Delegates</a:t>
-            </a:r>
-          </a:p>
-        </p:txBody>
-      </p:sp>
-      <p:sp>
-        <p:nvSpPr>
-          <p:cNvPr id="3" name="Text Placeholder 2"/>
-          <p:cNvSpPr>
-            <a:spLocks noGrp="1"/>
-          </p:cNvSpPr>
-          <p:nvPr>
-            <p:ph type="body" idx="1"/>
-          </p:nvPr>
-        </p:nvSpPr>
-        <p:spPr>
-          <a:xfrm>
-            <a:off x="457200" y="1357534"/>
-            <a:ext cx="8229600" cy="2071466"/>
-          </a:xfrm>
-        </p:spPr>
-        <p:txBody>
-          <a:bodyPr/>
-          <a:lstStyle/>
-          <a:p>
-            <a:pPr eaLnBrk="1" hangingPunct="1"/>
-            <a:r>
-              <a:rPr lang="en-US" altLang="en-US" sz="1800" dirty="0">
-                <a:latin typeface="+mn-lt"/>
+              <a:t>void</a:t>
+            </a:r>
+            <a:r>
+              <a:rPr lang="en-US" altLang="en-US" sz="2200" dirty="0">
+                <a:solidFill>
+                  <a:srgbClr val="000000"/>
+                </a:solidFill>
+                <a:latin typeface="Arial (Body)"/>
+                <a:ea typeface="+mn-ea"/>
               </a:rPr>
-              <a:t>To use an </a:t>
-            </a:r>
-            <a:r>
-              <a:rPr lang="en-US" altLang="en-US" sz="1800" b="1" dirty="0">
+              <a:t> return type, any lambda expression used with that delegate will also be </a:t>
+            </a:r>
+            <a:r>
+              <a:rPr lang="en-US" altLang="en-US" sz="2200" dirty="0">
+                <a:solidFill>
+                  <a:srgbClr val="000000"/>
+                </a:solidFill>
                 <a:latin typeface="Courier New" panose="02070309020205020404" pitchFamily="49" charset="0"/>
+                <a:ea typeface="+mn-ea"/>
                 <a:cs typeface="Courier New" panose="02070309020205020404" pitchFamily="49" charset="0"/>
               </a:rPr>
-              <a:t>Action</a:t>
-            </a:r>
-            <a:r>
-              <a:rPr lang="en-US" altLang="en-US" sz="1800" b="1" dirty="0">
-                <a:latin typeface="+mn-lt"/>
+              <a:t>void</a:t>
+            </a:r>
+          </a:p>
+          <a:p>
+            <a:pPr marL="255600" lvl="0" indent="-255600" fontAlgn="base">
+              <a:spcAft>
+                <a:spcPct val="0"/>
+              </a:spcAft>
+              <a:buFont typeface="Arial" panose="020B0604020202020204" pitchFamily="34" charset="0"/>
+              <a:buChar char="•"/>
+            </a:pPr>
+            <a:r>
+              <a:rPr lang="en-US" altLang="en-US" sz="2200" dirty="0">
+                <a:solidFill>
+                  <a:srgbClr val="000000"/>
+                </a:solidFill>
+                <a:latin typeface="Arial (Body)"/>
+                <a:ea typeface="+mn-ea"/>
               </a:rPr>
-              <a:t> delegate </a:t>
-            </a:r>
-            <a:r>
-              <a:rPr lang="en-US" altLang="en-US" sz="1800" dirty="0">
-                <a:latin typeface="+mn-lt"/>
+              <a:t>You don’t have to specify the data type of a lambda expression because the compiler will determine its type from the delegate type declaration</a:t>
+            </a:r>
+            <a:endParaRPr lang="en-US" altLang="en-US" dirty="0">
+              <a:solidFill>
+                <a:srgbClr val="000000"/>
+              </a:solidFill>
+              <a:latin typeface="Courier New" panose="02070309020205020404" pitchFamily="49" charset="0"/>
+              <a:ea typeface="+mn-ea"/>
+              <a:cs typeface="Courier New" panose="02070309020205020404" pitchFamily="49" charset="0"/>
+            </a:endParaRPr>
+          </a:p>
+          <a:p>
+            <a:pPr marL="255600" lvl="0" indent="-255600" fontAlgn="base">
+              <a:spcAft>
+                <a:spcPct val="0"/>
+              </a:spcAft>
+              <a:buFont typeface="Arial" panose="020B0604020202020204" pitchFamily="34" charset="0"/>
+              <a:buChar char="•"/>
+            </a:pPr>
+            <a:r>
+              <a:rPr lang="en-US" altLang="en-US" sz="2200" dirty="0">
+                <a:solidFill>
+                  <a:srgbClr val="000000"/>
+                </a:solidFill>
+                <a:latin typeface="Arial (Body)"/>
+                <a:ea typeface="+mn-ea"/>
               </a:rPr>
-              <a:t>it is not necessary to declare the delegate type because it is built into .NET.</a:t>
-            </a:r>
-          </a:p>
-          <a:p>
-            <a:pPr eaLnBrk="1" hangingPunct="1"/>
-            <a:r>
-              <a:rPr lang="en-US" altLang="en-US" sz="1800" dirty="0">
-                <a:latin typeface="+mn-lt"/>
-              </a:rPr>
-              <a:t>The following example uses a lambda expression to create an </a:t>
-            </a:r>
-            <a:r>
-              <a:rPr lang="en-US" altLang="en-US" sz="1800" dirty="0">
+              <a:t>You can write multiple statements in the body of a lambda expression as shown in this example:</a:t>
+            </a:r>
+          </a:p>
+          <a:p>
+            <a:pPr marL="887400" lvl="2" indent="0" fontAlgn="base">
+              <a:spcAft>
+                <a:spcPct val="0"/>
+              </a:spcAft>
+              <a:buNone/>
+            </a:pPr>
+            <a:r>
+              <a:rPr lang="en-US" altLang="en-US" sz="1800" dirty="0" err="1">
+                <a:solidFill>
+                  <a:srgbClr val="000000"/>
+                </a:solidFill>
                 <a:latin typeface="Courier New" panose="02070309020205020404" pitchFamily="49" charset="0"/>
+                <a:ea typeface="+mn-ea"/>
                 <a:cs typeface="Courier New" panose="02070309020205020404" pitchFamily="49" charset="0"/>
               </a:rPr>
-              <a:t>Action</a:t>
+              <a:t>IntOperation</a:t>
             </a:r>
             <a:r>
               <a:rPr lang="en-US" altLang="en-US" sz="1800" dirty="0">
-                <a:latin typeface="+mn-lt"/>
-              </a:rPr>
-              <a:t> delegate that accepts no arguments:</a:t>
-            </a:r>
-          </a:p>
-          <a:p>
-            <a:pPr marL="0" indent="0">
-              <a:buNone/>
-            </a:pPr>
-            <a:r>
-              <a:rPr lang="en-US" altLang="en-US" dirty="0">
+                <a:solidFill>
+                  <a:srgbClr val="000000"/>
+                </a:solidFill>
                 <a:latin typeface="Courier New" panose="02070309020205020404" pitchFamily="49" charset="0"/>
+                <a:ea typeface="+mn-ea"/>
                 <a:cs typeface="Courier New" panose="02070309020205020404" pitchFamily="49" charset="0"/>
               </a:rPr>
-              <a:t>Action </a:t>
-            </a:r>
-            <a:r>
-              <a:rPr lang="en-US" altLang="en-US" dirty="0" err="1">
+              <a:t> </a:t>
+            </a:r>
+            <a:r>
+              <a:rPr lang="en-US" altLang="en-US" sz="1800" dirty="0" err="1">
+                <a:solidFill>
+                  <a:srgbClr val="000000"/>
+                </a:solidFill>
                 <a:latin typeface="Courier New" panose="02070309020205020404" pitchFamily="49" charset="0"/>
+                <a:ea typeface="+mn-ea"/>
                 <a:cs typeface="Courier New" panose="02070309020205020404" pitchFamily="49" charset="0"/>
               </a:rPr>
-              <a:t>DisplayTest</a:t>
-            </a:r>
-            <a:r>
-              <a:rPr lang="en-US" altLang="en-US" dirty="0">
+              <a:t>TimesTwo</a:t>
+            </a:r>
+            <a:r>
+              <a:rPr lang="en-US" altLang="en-US" sz="1800" dirty="0">
+                <a:solidFill>
+                  <a:srgbClr val="000000"/>
+                </a:solidFill>
                 <a:latin typeface="Courier New" panose="02070309020205020404" pitchFamily="49" charset="0"/>
+                <a:ea typeface="+mn-ea"/>
                 <a:cs typeface="Courier New" panose="02070309020205020404" pitchFamily="49" charset="0"/>
               </a:rPr>
-              <a:t> = () =&gt; </a:t>
-            </a:r>
-            <a:r>
-              <a:rPr lang="en-US" altLang="en-US" dirty="0" err="1">
+              <a:t> = (x) =&gt; {</a:t>
+            </a:r>
+          </a:p>
+          <a:p>
+            <a:pPr marL="887400" lvl="2" indent="0" fontAlgn="base">
+              <a:spcBef>
+                <a:spcPts val="0"/>
+              </a:spcBef>
+              <a:spcAft>
+                <a:spcPct val="0"/>
+              </a:spcAft>
+              <a:buNone/>
+            </a:pPr>
+            <a:r>
+              <a:rPr lang="en-US" altLang="en-US" sz="1800" dirty="0">
+                <a:solidFill>
+                  <a:srgbClr val="000000"/>
+                </a:solidFill>
                 <a:latin typeface="Courier New" panose="02070309020205020404" pitchFamily="49" charset="0"/>
+                <a:ea typeface="+mn-ea"/>
                 <a:cs typeface="Courier New" panose="02070309020205020404" pitchFamily="49" charset="0"/>
               </a:rPr>
-              <a:t>MessageBox.Show</a:t>
-            </a:r>
-            <a:r>
-              <a:rPr lang="en-US" altLang="en-US" dirty="0">
+              <a:t>     int a = x * 2;</a:t>
+            </a:r>
+          </a:p>
+          <a:p>
+            <a:pPr marL="887400" lvl="2" indent="0" fontAlgn="base">
+              <a:spcBef>
+                <a:spcPts val="0"/>
+              </a:spcBef>
+              <a:spcAft>
+                <a:spcPct val="0"/>
+              </a:spcAft>
+              <a:buNone/>
+            </a:pPr>
+            <a:r>
+              <a:rPr lang="en-US" altLang="en-US" sz="1800" dirty="0">
+                <a:solidFill>
+                  <a:srgbClr val="000000"/>
+                </a:solidFill>
                 <a:latin typeface="Courier New" panose="02070309020205020404" pitchFamily="49" charset="0"/>
+                <a:ea typeface="+mn-ea"/>
                 <a:cs typeface="Courier New" panose="02070309020205020404" pitchFamily="49" charset="0"/>
               </a:rPr>
-              <a:t>("Testing…testing…");</a:t>
-            </a:r>
-          </a:p>
-        </p:txBody>
-      </p:sp>
-      <p:sp>
-        <p:nvSpPr>
-          <p:cNvPr id="4" name="Text Placeholder 3"/>
-          <p:cNvSpPr>
-            <a:spLocks noGrp="1"/>
-          </p:cNvSpPr>
-          <p:nvPr>
-            <p:ph type="body" idx="2"/>
-          </p:nvPr>
-        </p:nvSpPr>
-        <p:spPr>
-          <a:xfrm>
-            <a:off x="575035" y="3429000"/>
-            <a:ext cx="8229600" cy="2707849"/>
-          </a:xfrm>
-        </p:spPr>
-        <p:txBody>
-          <a:bodyPr/>
-          <a:lstStyle/>
-          <a:p>
-            <a:pPr eaLnBrk="1" hangingPunct="1"/>
-            <a:r>
-              <a:rPr lang="en-US" altLang="en-US" sz="1800" dirty="0"/>
-              <a:t>The following example creates an </a:t>
-            </a:r>
+              <a:t>     return a;</a:t>
+            </a:r>
+          </a:p>
+          <a:p>
+            <a:pPr marL="887400" lvl="2" indent="0" fontAlgn="base">
+              <a:spcBef>
+                <a:spcPts val="0"/>
+              </a:spcBef>
+              <a:spcAft>
+                <a:spcPct val="0"/>
+              </a:spcAft>
+              <a:buNone/>
+            </a:pPr>
             <a:r>
               <a:rPr lang="en-US" altLang="en-US" sz="1800" dirty="0">
+                <a:solidFill>
+                  <a:srgbClr val="000000"/>
+                </a:solidFill>
                 <a:latin typeface="Courier New" panose="02070309020205020404" pitchFamily="49" charset="0"/>
+                <a:ea typeface="+mn-ea"/>
                 <a:cs typeface="Courier New" panose="02070309020205020404" pitchFamily="49" charset="0"/>
               </a:rPr>
-              <a:t>Action</a:t>
-            </a:r>
-            <a:r>
-              <a:rPr lang="en-US" altLang="en-US" sz="1800" dirty="0"/>
-              <a:t> delegate that has one </a:t>
-            </a:r>
-            <a:r>
-              <a:rPr lang="en-US" altLang="en-US" sz="1800" dirty="0">
-                <a:latin typeface="Courier New" panose="02070309020205020404" pitchFamily="49" charset="0"/>
-                <a:cs typeface="Courier New" panose="02070309020205020404" pitchFamily="49" charset="0"/>
-              </a:rPr>
-              <a:t>string</a:t>
-            </a:r>
-            <a:r>
-              <a:rPr lang="en-US" altLang="en-US" sz="1800" dirty="0"/>
-              <a:t> parameter:</a:t>
-            </a:r>
-          </a:p>
-          <a:p>
-            <a:pPr marL="0" indent="0">
-              <a:buNone/>
-            </a:pPr>
-            <a:r>
-              <a:rPr lang="en-US" altLang="en-US" dirty="0">
-                <a:latin typeface="Courier New" panose="02070309020205020404" pitchFamily="49" charset="0"/>
-                <a:cs typeface="Courier New" panose="02070309020205020404" pitchFamily="49" charset="0"/>
-              </a:rPr>
-              <a:t>Action&lt;string&gt; </a:t>
-            </a:r>
-            <a:r>
-              <a:rPr lang="en-US" altLang="en-US" dirty="0" err="1">
-                <a:latin typeface="Courier New" panose="02070309020205020404" pitchFamily="49" charset="0"/>
-                <a:cs typeface="Courier New" panose="02070309020205020404" pitchFamily="49" charset="0"/>
-              </a:rPr>
-              <a:t>ShowString</a:t>
-            </a:r>
-            <a:r>
-              <a:rPr lang="en-US" altLang="en-US" dirty="0">
-                <a:latin typeface="Courier New" panose="02070309020205020404" pitchFamily="49" charset="0"/>
-                <a:cs typeface="Courier New" panose="02070309020205020404" pitchFamily="49" charset="0"/>
-              </a:rPr>
-              <a:t> = str =&gt; </a:t>
-            </a:r>
-            <a:r>
-              <a:rPr lang="en-US" altLang="en-US" dirty="0" err="1">
-                <a:latin typeface="Courier New" panose="02070309020205020404" pitchFamily="49" charset="0"/>
-                <a:cs typeface="Courier New" panose="02070309020205020404" pitchFamily="49" charset="0"/>
-              </a:rPr>
-              <a:t>MessageBox.Show</a:t>
-            </a:r>
-            <a:r>
-              <a:rPr lang="en-US" altLang="en-US" dirty="0">
-                <a:latin typeface="Courier New" panose="02070309020205020404" pitchFamily="49" charset="0"/>
-                <a:cs typeface="Courier New" panose="02070309020205020404" pitchFamily="49" charset="0"/>
-              </a:rPr>
-              <a:t>(str);</a:t>
-            </a:r>
-          </a:p>
-          <a:p>
-            <a:pPr eaLnBrk="1" hangingPunct="1"/>
-            <a:r>
-              <a:rPr lang="en-US" altLang="en-US" sz="1800" dirty="0"/>
-              <a:t>The following example creates an </a:t>
-            </a:r>
-            <a:r>
-              <a:rPr lang="en-US" altLang="en-US" sz="1800" dirty="0">
-                <a:latin typeface="Courier New" panose="02070309020205020404" pitchFamily="49" charset="0"/>
-                <a:cs typeface="Courier New" panose="02070309020205020404" pitchFamily="49" charset="0"/>
-              </a:rPr>
-              <a:t>Action</a:t>
-            </a:r>
-            <a:r>
-              <a:rPr lang="en-US" altLang="en-US" sz="1800" dirty="0"/>
-              <a:t> delegate with three parameters:</a:t>
-            </a:r>
-          </a:p>
-          <a:p>
-            <a:pPr marL="0" indent="0">
-              <a:buNone/>
-            </a:pPr>
-            <a:r>
-              <a:rPr lang="en-US" altLang="en-US" dirty="0">
-                <a:latin typeface="Courier New" panose="02070309020205020404" pitchFamily="49" charset="0"/>
-                <a:cs typeface="Courier New" panose="02070309020205020404" pitchFamily="49" charset="0"/>
-              </a:rPr>
-              <a:t>Action&lt;int, double, string&gt; </a:t>
-            </a:r>
-            <a:r>
-              <a:rPr lang="en-US" altLang="en-US" dirty="0" err="1">
-                <a:latin typeface="Courier New" panose="02070309020205020404" pitchFamily="49" charset="0"/>
-                <a:cs typeface="Courier New" panose="02070309020205020404" pitchFamily="49" charset="0"/>
-              </a:rPr>
-              <a:t>ShowValues</a:t>
-            </a:r>
-            <a:r>
-              <a:rPr lang="en-US" altLang="en-US" dirty="0">
-                <a:latin typeface="Courier New" panose="02070309020205020404" pitchFamily="49" charset="0"/>
-                <a:cs typeface="Courier New" panose="02070309020205020404" pitchFamily="49" charset="0"/>
-              </a:rPr>
-              <a:t> = (a, b, c) =&gt; {</a:t>
-            </a:r>
-          </a:p>
-          <a:p>
-            <a:pPr marL="0" indent="0">
-              <a:spcBef>
-                <a:spcPts val="0"/>
-              </a:spcBef>
-              <a:buNone/>
-            </a:pPr>
-            <a:r>
-              <a:rPr lang="en-US" altLang="en-US" dirty="0">
-                <a:latin typeface="Courier New" panose="02070309020205020404" pitchFamily="49" charset="0"/>
-                <a:cs typeface="Courier New" panose="02070309020205020404" pitchFamily="49" charset="0"/>
-              </a:rPr>
-              <a:t>     </a:t>
-            </a:r>
-            <a:r>
-              <a:rPr lang="en-US" altLang="en-US" dirty="0" err="1">
-                <a:latin typeface="Courier New" panose="02070309020205020404" pitchFamily="49" charset="0"/>
-                <a:cs typeface="Courier New" panose="02070309020205020404" pitchFamily="49" charset="0"/>
-              </a:rPr>
-              <a:t>MessageBox.Show</a:t>
-            </a:r>
-            <a:r>
-              <a:rPr lang="en-US" altLang="en-US" dirty="0">
-                <a:latin typeface="Courier New" panose="02070309020205020404" pitchFamily="49" charset="0"/>
-                <a:cs typeface="Courier New" panose="02070309020205020404" pitchFamily="49" charset="0"/>
-              </a:rPr>
-              <a:t>(</a:t>
-            </a:r>
-            <a:r>
-              <a:rPr lang="en-US" altLang="en-US" dirty="0" err="1">
-                <a:latin typeface="Courier New" panose="02070309020205020404" pitchFamily="49" charset="0"/>
-                <a:cs typeface="Courier New" panose="02070309020205020404" pitchFamily="49" charset="0"/>
-              </a:rPr>
-              <a:t>a.ToString</a:t>
-            </a:r>
-            <a:r>
-              <a:rPr lang="en-US" altLang="en-US" dirty="0">
-                <a:latin typeface="Courier New" panose="02070309020205020404" pitchFamily="49" charset="0"/>
-                <a:cs typeface="Courier New" panose="02070309020205020404" pitchFamily="49" charset="0"/>
-              </a:rPr>
-              <a:t>() + </a:t>
-            </a:r>
-            <a:r>
-              <a:rPr lang="en-US" altLang="en-US" dirty="0" err="1">
-                <a:latin typeface="Courier New" panose="02070309020205020404" pitchFamily="49" charset="0"/>
-                <a:cs typeface="Courier New" panose="02070309020205020404" pitchFamily="49" charset="0"/>
-              </a:rPr>
-              <a:t>b.ToString</a:t>
-            </a:r>
-            <a:r>
-              <a:rPr lang="en-US" altLang="en-US" dirty="0">
-                <a:latin typeface="Courier New" panose="02070309020205020404" pitchFamily="49" charset="0"/>
-                <a:cs typeface="Courier New" panose="02070309020205020404" pitchFamily="49" charset="0"/>
-              </a:rPr>
-              <a:t>() + c);</a:t>
-            </a:r>
-          </a:p>
-          <a:p>
-            <a:pPr marL="0" indent="0">
-              <a:spcBef>
-                <a:spcPts val="0"/>
-              </a:spcBef>
-              <a:buNone/>
-            </a:pPr>
-            <a:r>
-              <a:rPr lang="en-US" altLang="en-US" dirty="0">
-                <a:latin typeface="Courier New" panose="02070309020205020404" pitchFamily="49" charset="0"/>
-                <a:cs typeface="Courier New" panose="02070309020205020404" pitchFamily="49" charset="0"/>
-              </a:rPr>
-              <a:t>};</a:t>
-            </a:r>
-          </a:p>
-          <a:p>
-            <a:pPr marL="0" indent="0">
-              <a:buNone/>
-            </a:pPr>
-            <a:endParaRPr lang="en-US" altLang="en-US" dirty="0">
-              <a:latin typeface="Courier New" panose="02070309020205020404" pitchFamily="49" charset="0"/>
-              <a:cs typeface="Courier New" panose="02070309020205020404" pitchFamily="49" charset="0"/>
-            </a:endParaRPr>
+              <a:t>)</a:t>
+            </a:r>
           </a:p>
         </p:txBody>
       </p:sp>
     </p:spTree>
     <p:extLst>
       <p:ext uri="{BB962C8B-B14F-4D97-AF65-F5344CB8AC3E}">
-        <p14:creationId xmlns:p14="http://schemas.microsoft.com/office/powerpoint/2010/main" val="839036722"/>
+        <p14:creationId xmlns:p14="http://schemas.microsoft.com/office/powerpoint/2010/main" val="2036182386"/>
       </p:ext>
     </p:extLst>
   </p:cSld>
@@ -42847,23 +42903,43 @@
           <a:bodyPr/>
           <a:lstStyle/>
           <a:p>
-            <a:r>
-              <a:rPr lang="en-US" dirty="0" err="1">
-                <a:latin typeface="Courier New" panose="02070309020205020404" pitchFamily="49" charset="0"/>
-                <a:cs typeface="Courier New" panose="02070309020205020404" pitchFamily="49" charset="0"/>
+            <a:pPr lvl="0" fontAlgn="base">
+              <a:spcBef>
+                <a:spcPct val="0"/>
+              </a:spcBef>
+              <a:spcAft>
+                <a:spcPct val="0"/>
+              </a:spcAft>
+              <a:buClrTx/>
+            </a:pPr>
+            <a:r>
+              <a:rPr lang="en-US" altLang="en-US" sz="3200" dirty="0">
+                <a:solidFill>
+                  <a:schemeClr val="tx2"/>
+                </a:solidFill>
+                <a:latin typeface="Times New Roman" panose="02020603050405020304" pitchFamily="18" charset="0"/>
+                <a:ea typeface="+mj-ea"/>
+                <a:cs typeface="Times New Roman" panose="02020603050405020304" pitchFamily="18" charset="0"/>
               </a:rPr>
-              <a:t>Func</a:t>
-            </a:r>
-            <a:r>
-              <a:rPr lang="en-US" dirty="0"/>
-              <a:t> Delegates</a:t>
-            </a:r>
-          </a:p>
-        </p:txBody>
-      </p:sp>
-      <p:sp>
-        <p:nvSpPr>
-          <p:cNvPr id="3" name="Text Placeholder 2"/>
+              <a:t>Other Options for Lambda Expressions </a:t>
+            </a:r>
+            <a:r>
+              <a:rPr lang="en-US" altLang="en-US" sz="2000" b="0" dirty="0">
+                <a:solidFill>
+                  <a:schemeClr val="tx2"/>
+                </a:solidFill>
+                <a:latin typeface="Times New Roman" panose="02020603050405020304" pitchFamily="18" charset="0"/>
+                <a:ea typeface="+mj-ea"/>
+                <a:cs typeface="Times New Roman" panose="02020603050405020304" pitchFamily="18" charset="0"/>
+              </a:rPr>
+              <a:t>(2 of 2)</a:t>
+            </a:r>
+          </a:p>
+        </p:txBody>
+      </p:sp>
+      <p:sp>
+        <p:nvSpPr>
+          <p:cNvPr id="3" name="Content Placeholder 2"/>
           <p:cNvSpPr>
             <a:spLocks noGrp="1"/>
           </p:cNvSpPr>
@@ -42873,213 +42949,94 @@
         </p:nvSpPr>
         <p:spPr>
           <a:xfrm>
-            <a:off x="457200" y="1357534"/>
-            <a:ext cx="8229600" cy="2071466"/>
+            <a:off x="457199" y="1600200"/>
+            <a:ext cx="7612145" cy="3277790"/>
           </a:xfrm>
         </p:spPr>
         <p:txBody>
-          <a:bodyPr/>
+          <a:bodyPr wrap="square" lIns="91425" tIns="91425" rIns="91425" bIns="91425">
+            <a:spAutoFit/>
+          </a:bodyPr>
           <a:lstStyle/>
           <a:p>
-            <a:pPr eaLnBrk="1" hangingPunct="1"/>
-            <a:r>
-              <a:rPr lang="en-US" altLang="en-US" sz="2000" dirty="0">
-                <a:latin typeface="+mn-lt"/>
+            <a:pPr marL="255600" lvl="0" indent="-255600" fontAlgn="base">
+              <a:spcAft>
+                <a:spcPct val="0"/>
+              </a:spcAft>
+              <a:buFont typeface="Arial" panose="020B0604020202020204" pitchFamily="34" charset="0"/>
+              <a:buChar char="•"/>
+            </a:pPr>
+            <a:r>
+              <a:rPr lang="en-US" altLang="en-US" sz="2200" dirty="0">
+                <a:solidFill>
+                  <a:srgbClr val="000000"/>
+                </a:solidFill>
+                <a:latin typeface="Arial (Body)"/>
+                <a:ea typeface="+mn-ea"/>
               </a:rPr>
-              <a:t>You can use a </a:t>
-            </a:r>
-            <a:r>
-              <a:rPr lang="en-US" altLang="en-US" sz="2000" b="1" dirty="0" err="1">
-                <a:latin typeface="Courier New" panose="02070309020205020404" pitchFamily="49" charset="0"/>
-                <a:cs typeface="Courier New" panose="02070309020205020404" pitchFamily="49" charset="0"/>
+              <a:t>A lambda expression can access the local variables that are declared in the method that contains the lambda expression if those variables are in scope and have been assigned a value</a:t>
+            </a:r>
+            <a:endParaRPr lang="en-US" altLang="en-US" sz="2200" dirty="0">
+              <a:solidFill>
+                <a:srgbClr val="000000"/>
+              </a:solidFill>
+              <a:latin typeface="Courier New" panose="02070309020205020404" pitchFamily="49" charset="0"/>
+              <a:ea typeface="+mn-ea"/>
+              <a:cs typeface="Courier New" panose="02070309020205020404" pitchFamily="49" charset="0"/>
+            </a:endParaRPr>
+          </a:p>
+          <a:p>
+            <a:pPr marL="255600" lvl="0" indent="-255600" fontAlgn="base">
+              <a:spcAft>
+                <a:spcPct val="0"/>
+              </a:spcAft>
+              <a:buFont typeface="Arial" panose="020B0604020202020204" pitchFamily="34" charset="0"/>
+              <a:buChar char="•"/>
+            </a:pPr>
+            <a:r>
+              <a:rPr lang="en-US" altLang="en-US" sz="2200" dirty="0">
+                <a:solidFill>
+                  <a:srgbClr val="000000"/>
+                </a:solidFill>
+                <a:latin typeface="Arial (Body)"/>
+                <a:ea typeface="+mn-ea"/>
               </a:rPr>
-              <a:t>Func</a:t>
-            </a:r>
-            <a:r>
-              <a:rPr lang="en-US" altLang="en-US" sz="2000" b="1" dirty="0">
-                <a:latin typeface="+mn-lt"/>
+              <a:t>You can use a lambda expression anywhere that a compatible delegate is expected</a:t>
+            </a:r>
+          </a:p>
+          <a:p>
+            <a:pPr marL="255600" lvl="0" indent="-255600" fontAlgn="base">
+              <a:spcAft>
+                <a:spcPct val="0"/>
+              </a:spcAft>
+              <a:buFont typeface="Arial" panose="020B0604020202020204" pitchFamily="34" charset="0"/>
+              <a:buChar char="•"/>
+            </a:pPr>
+            <a:r>
+              <a:rPr lang="en-US" altLang="en-US" sz="2200" dirty="0">
+                <a:solidFill>
+                  <a:srgbClr val="000000"/>
+                </a:solidFill>
+                <a:latin typeface="Arial (Body)"/>
+                <a:ea typeface="+mn-ea"/>
               </a:rPr>
-              <a:t> delegate </a:t>
-            </a:r>
-            <a:r>
-              <a:rPr lang="en-US" altLang="en-US" sz="2000" dirty="0">
-                <a:latin typeface="+mn-lt"/>
-              </a:rPr>
-              <a:t>to invoke a value-returning method that takes 0 to 16 arguments. </a:t>
-            </a:r>
-          </a:p>
-          <a:p>
-            <a:pPr eaLnBrk="1" hangingPunct="1"/>
-            <a:r>
-              <a:rPr lang="en-US" altLang="en-US" sz="2000" dirty="0">
-                <a:latin typeface="+mn-lt"/>
-              </a:rPr>
-              <a:t>The following example uses a lambda expression to create a </a:t>
-            </a:r>
-            <a:r>
-              <a:rPr lang="en-US" altLang="en-US" sz="2000" dirty="0" err="1">
-                <a:latin typeface="Courier New" panose="02070309020205020404" pitchFamily="49" charset="0"/>
-                <a:cs typeface="Courier New" panose="02070309020205020404" pitchFamily="49" charset="0"/>
-              </a:rPr>
-              <a:t>Func</a:t>
-            </a:r>
-            <a:r>
-              <a:rPr lang="en-US" altLang="en-US" sz="2000" dirty="0">
-                <a:latin typeface="+mn-lt"/>
-              </a:rPr>
-              <a:t> delegate that accepts no arguments and returns a </a:t>
-            </a:r>
-            <a:r>
-              <a:rPr lang="en-US" altLang="en-US" sz="2000" dirty="0">
-                <a:latin typeface="Courier New" panose="02070309020205020404" pitchFamily="49" charset="0"/>
-                <a:cs typeface="Courier New" panose="02070309020205020404" pitchFamily="49" charset="0"/>
-              </a:rPr>
-              <a:t>string</a:t>
-            </a:r>
-            <a:r>
-              <a:rPr lang="en-US" altLang="en-US" sz="2000" dirty="0">
-                <a:latin typeface="+mn-lt"/>
-              </a:rPr>
-              <a:t>:</a:t>
-            </a:r>
-          </a:p>
-          <a:p>
-            <a:pPr marL="486918" lvl="1" indent="0">
-              <a:buNone/>
-            </a:pPr>
-            <a:r>
-              <a:rPr lang="en-US" altLang="en-US" sz="1800" dirty="0" err="1">
-                <a:latin typeface="Courier New" panose="02070309020205020404" pitchFamily="49" charset="0"/>
-                <a:cs typeface="Courier New" panose="02070309020205020404" pitchFamily="49" charset="0"/>
-              </a:rPr>
-              <a:t>Func</a:t>
-            </a:r>
-            <a:r>
-              <a:rPr lang="en-US" altLang="en-US" sz="1800" dirty="0">
-                <a:latin typeface="Courier New" panose="02070309020205020404" pitchFamily="49" charset="0"/>
-                <a:cs typeface="Courier New" panose="02070309020205020404" pitchFamily="49" charset="0"/>
-              </a:rPr>
-              <a:t>&lt;string&gt; </a:t>
-            </a:r>
-            <a:r>
-              <a:rPr lang="en-US" altLang="en-US" sz="1800" dirty="0" err="1">
-                <a:latin typeface="Courier New" panose="02070309020205020404" pitchFamily="49" charset="0"/>
-                <a:cs typeface="Courier New" panose="02070309020205020404" pitchFamily="49" charset="0"/>
-              </a:rPr>
-              <a:t>GetString</a:t>
-            </a:r>
-            <a:r>
-              <a:rPr lang="en-US" altLang="en-US" sz="1800" dirty="0">
-                <a:latin typeface="Courier New" panose="02070309020205020404" pitchFamily="49" charset="0"/>
-                <a:cs typeface="Courier New" panose="02070309020205020404" pitchFamily="49" charset="0"/>
-              </a:rPr>
-              <a:t> = () =&gt; "Testing…testing…";</a:t>
-            </a:r>
-          </a:p>
-        </p:txBody>
-      </p:sp>
-      <p:sp>
-        <p:nvSpPr>
-          <p:cNvPr id="4" name="Text Placeholder 3"/>
-          <p:cNvSpPr>
-            <a:spLocks noGrp="1"/>
-          </p:cNvSpPr>
-          <p:nvPr>
-            <p:ph type="body" idx="2"/>
-          </p:nvPr>
-        </p:nvSpPr>
-        <p:spPr>
-          <a:xfrm>
-            <a:off x="575035" y="3429000"/>
-            <a:ext cx="8229600" cy="2707849"/>
-          </a:xfrm>
-        </p:spPr>
-        <p:txBody>
-          <a:bodyPr/>
-          <a:lstStyle/>
-          <a:p>
-            <a:pPr eaLnBrk="1" hangingPunct="1"/>
-            <a:r>
-              <a:rPr lang="en-US" altLang="en-US" sz="2000" dirty="0"/>
-              <a:t>To pass arguments to a </a:t>
-            </a:r>
-            <a:r>
-              <a:rPr lang="en-US" altLang="en-US" sz="2000" dirty="0" err="1">
-                <a:latin typeface="Courier New" panose="02070309020205020404" pitchFamily="49" charset="0"/>
-                <a:cs typeface="Courier New" panose="02070309020205020404" pitchFamily="49" charset="0"/>
-              </a:rPr>
-              <a:t>Func</a:t>
-            </a:r>
-            <a:r>
-              <a:rPr lang="en-US" altLang="en-US" sz="2000" dirty="0"/>
-              <a:t> delegate you must specify the data type of each of the delegate’s parameters and the data type of the value being returned from the delegate</a:t>
-            </a:r>
-          </a:p>
-          <a:p>
-            <a:pPr eaLnBrk="1" hangingPunct="1"/>
-            <a:r>
-              <a:rPr lang="en-US" altLang="en-US" sz="2000" dirty="0"/>
-              <a:t>The following example creates a </a:t>
-            </a:r>
-            <a:r>
-              <a:rPr lang="en-US" altLang="en-US" sz="2000" dirty="0" err="1">
-                <a:latin typeface="Courier New" panose="02070309020205020404" pitchFamily="49" charset="0"/>
-                <a:cs typeface="Courier New" panose="02070309020205020404" pitchFamily="49" charset="0"/>
-              </a:rPr>
-              <a:t>Func</a:t>
-            </a:r>
-            <a:r>
-              <a:rPr lang="en-US" altLang="en-US" sz="2000" dirty="0"/>
-              <a:t> delegate that returns a </a:t>
-            </a:r>
-            <a:r>
-              <a:rPr lang="en-US" altLang="en-US" sz="2000" dirty="0">
-                <a:latin typeface="Courier New" panose="02070309020205020404" pitchFamily="49" charset="0"/>
-                <a:cs typeface="Courier New" panose="02070309020205020404" pitchFamily="49" charset="0"/>
-              </a:rPr>
-              <a:t>double</a:t>
-            </a:r>
-            <a:r>
-              <a:rPr lang="en-US" altLang="en-US" sz="2000" dirty="0"/>
-              <a:t> and has one </a:t>
-            </a:r>
-            <a:r>
-              <a:rPr lang="en-US" altLang="en-US" sz="2000" dirty="0">
-                <a:latin typeface="Courier New" panose="02070309020205020404" pitchFamily="49" charset="0"/>
-                <a:cs typeface="Courier New" panose="02070309020205020404" pitchFamily="49" charset="0"/>
-              </a:rPr>
-              <a:t>int</a:t>
-            </a:r>
-            <a:r>
-              <a:rPr lang="en-US" altLang="en-US" sz="2000" dirty="0"/>
-              <a:t> parameter:</a:t>
-            </a:r>
-          </a:p>
-          <a:p>
-            <a:pPr marL="486918" lvl="1" indent="0">
-              <a:buNone/>
-            </a:pPr>
-            <a:r>
-              <a:rPr lang="en-US" altLang="en-US" sz="1800" dirty="0" err="1">
-                <a:latin typeface="Courier New" panose="02070309020205020404" pitchFamily="49" charset="0"/>
-                <a:cs typeface="Courier New" panose="02070309020205020404" pitchFamily="49" charset="0"/>
-              </a:rPr>
-              <a:t>Func</a:t>
-            </a:r>
-            <a:r>
-              <a:rPr lang="en-US" altLang="en-US" sz="1800" dirty="0">
-                <a:latin typeface="Courier New" panose="02070309020205020404" pitchFamily="49" charset="0"/>
-                <a:cs typeface="Courier New" panose="02070309020205020404" pitchFamily="49" charset="0"/>
-              </a:rPr>
-              <a:t>&lt;int, double&gt; Half = x =&gt; x * 0.5;</a:t>
-            </a:r>
+              <a:t>Lambda expressions are a quick and concise way to define simple methods in a class declaration</a:t>
+            </a:r>
+            <a:endParaRPr lang="en-US" altLang="en-US" dirty="0">
+              <a:solidFill>
+                <a:srgbClr val="000000"/>
+              </a:solidFill>
+              <a:latin typeface="Courier New" panose="02070309020205020404" pitchFamily="49" charset="0"/>
+              <a:ea typeface="+mn-ea"/>
+              <a:cs typeface="Courier New" panose="02070309020205020404" pitchFamily="49" charset="0"/>
+            </a:endParaRPr>
           </a:p>
         </p:txBody>
       </p:sp>
     </p:spTree>
     <p:extLst>
       <p:ext uri="{BB962C8B-B14F-4D97-AF65-F5344CB8AC3E}">
-        <p14:creationId xmlns:p14="http://schemas.microsoft.com/office/powerpoint/2010/main" val="1802950599"/>
+        <p14:creationId xmlns:p14="http://schemas.microsoft.com/office/powerpoint/2010/main" val="2887517482"/>
       </p:ext>
     </p:extLst>
   </p:cSld>
@@ -43116,28 +43073,97 @@
             <p:ph type="title"/>
           </p:nvPr>
         </p:nvSpPr>
-        <p:spPr/>
+        <p:spPr>
+          <a:xfrm>
+            <a:off x="471340" y="502921"/>
+            <a:ext cx="8229600" cy="1097279"/>
+          </a:xfrm>
+        </p:spPr>
         <p:txBody>
           <a:bodyPr/>
           <a:lstStyle/>
           <a:p>
-            <a:r>
-              <a:rPr lang="en-US" dirty="0">
+            <a:pPr lvl="0" fontAlgn="base">
+              <a:spcBef>
+                <a:spcPct val="0"/>
+              </a:spcBef>
+              <a:spcAft>
+                <a:spcPct val="0"/>
+              </a:spcAft>
+              <a:buClrTx/>
+            </a:pPr>
+            <a:r>
+              <a:rPr lang="en-US" altLang="en-US" dirty="0">
+                <a:solidFill>
+                  <a:schemeClr val="tx2"/>
+                </a:solidFill>
+                <a:latin typeface="Times New Roman" panose="02020603050405020304" pitchFamily="18" charset="0"/>
+                <a:ea typeface="+mj-ea"/>
+                <a:cs typeface="Times New Roman" panose="02020603050405020304" pitchFamily="18" charset="0"/>
+              </a:rPr>
+              <a:t>Built-In Delegates: </a:t>
+            </a:r>
+            <a:r>
+              <a:rPr lang="en-US" altLang="en-US" dirty="0">
+                <a:solidFill>
+                  <a:schemeClr val="tx2"/>
+                </a:solidFill>
                 <a:latin typeface="Courier New" panose="02070309020205020404" pitchFamily="49" charset="0"/>
+                <a:ea typeface="+mj-ea"/>
+                <a:cs typeface="Courier New" panose="02070309020205020404" pitchFamily="49" charset="0"/>
+              </a:rPr>
+              <a:t>Action</a:t>
+            </a:r>
+            <a:r>
+              <a:rPr lang="en-US" altLang="en-US" dirty="0">
+                <a:solidFill>
+                  <a:schemeClr val="tx2"/>
+                </a:solidFill>
+                <a:latin typeface="Times New Roman" panose="02020603050405020304" pitchFamily="18" charset="0"/>
+                <a:ea typeface="+mj-ea"/>
+                <a:cs typeface="Times New Roman" panose="02020603050405020304" pitchFamily="18" charset="0"/>
+              </a:rPr>
+              <a:t>, </a:t>
+            </a:r>
+            <a:r>
+              <a:rPr lang="en-US" altLang="en-US" dirty="0" err="1">
+                <a:solidFill>
+                  <a:schemeClr val="tx2"/>
+                </a:solidFill>
+                <a:latin typeface="Courier New" panose="02070309020205020404" pitchFamily="49" charset="0"/>
+                <a:ea typeface="+mj-ea"/>
+                <a:cs typeface="Courier New" panose="02070309020205020404" pitchFamily="49" charset="0"/>
+              </a:rPr>
+              <a:t>Func</a:t>
+            </a:r>
+            <a:r>
+              <a:rPr lang="en-US" altLang="en-US" dirty="0">
+                <a:solidFill>
+                  <a:schemeClr val="tx2"/>
+                </a:solidFill>
+                <a:latin typeface="Times New Roman" panose="02020603050405020304" pitchFamily="18" charset="0"/>
+                <a:ea typeface="+mj-ea"/>
+                <a:cs typeface="Times New Roman" panose="02020603050405020304" pitchFamily="18" charset="0"/>
+              </a:rPr>
+              <a:t>, and </a:t>
+            </a:r>
+            <a:r>
+              <a:rPr lang="en-US" altLang="en-US" dirty="0">
+                <a:solidFill>
+                  <a:schemeClr val="tx2"/>
+                </a:solidFill>
+                <a:latin typeface="Courier New" panose="02070309020205020404" pitchFamily="49" charset="0"/>
+                <a:ea typeface="+mj-ea"/>
                 <a:cs typeface="Courier New" panose="02070309020205020404" pitchFamily="49" charset="0"/>
               </a:rPr>
               <a:t>Predicate</a:t>
             </a:r>
-            <a:r>
-              <a:rPr lang="en-US" dirty="0"/>
-              <a:t> Delegates</a:t>
-            </a:r>
-          </a:p>
-        </p:txBody>
-      </p:sp>
-      <p:sp>
-        <p:nvSpPr>
-          <p:cNvPr id="3" name="Text Placeholder 2"/>
+          </a:p>
+        </p:txBody>
+      </p:sp>
+      <p:sp>
+        <p:nvSpPr>
+          <p:cNvPr id="3" name="Content Placeholder 2"/>
           <p:cNvSpPr>
             <a:spLocks noGrp="1"/>
           </p:cNvSpPr>
@@ -43147,193 +43173,163 @@
         </p:nvSpPr>
         <p:spPr>
           <a:xfrm>
-            <a:off x="457200" y="1357534"/>
-            <a:ext cx="8229600" cy="2071466"/>
+            <a:off x="457200" y="1600200"/>
+            <a:ext cx="8229600" cy="3470150"/>
           </a:xfrm>
         </p:spPr>
         <p:txBody>
-          <a:bodyPr/>
+          <a:bodyPr wrap="square" lIns="91425" tIns="91425" rIns="91425" bIns="91425">
+            <a:spAutoFit/>
+          </a:bodyPr>
           <a:lstStyle/>
           <a:p>
-            <a:pPr eaLnBrk="1" hangingPunct="1"/>
-            <a:r>
-              <a:rPr lang="en-US" altLang="en-US" sz="2000" dirty="0">
-                <a:latin typeface="+mn-lt"/>
+            <a:pPr marL="0" lvl="0" indent="0" fontAlgn="base">
+              <a:spcAft>
+                <a:spcPct val="0"/>
+              </a:spcAft>
+              <a:buNone/>
+            </a:pPr>
+            <a:r>
+              <a:rPr lang="en-US" altLang="en-US" sz="2200" dirty="0">
+                <a:solidFill>
+                  <a:srgbClr val="000000"/>
+                </a:solidFill>
+                <a:latin typeface="Arial (Body)"/>
+                <a:ea typeface="+mn-ea"/>
               </a:rPr>
-              <a:t>You can use a </a:t>
-            </a:r>
-            <a:r>
-              <a:rPr lang="en-US" altLang="en-US" sz="2000" b="1" dirty="0">
+              <a:t>.NET provides delegate types that simplify the process of creating certain types of delegates. </a:t>
+            </a:r>
+          </a:p>
+          <a:p>
+            <a:pPr marL="255600" lvl="0" indent="-255600" fontAlgn="base">
+              <a:spcAft>
+                <a:spcPct val="0"/>
+              </a:spcAft>
+              <a:buFont typeface="Arial" panose="020B0604020202020204" pitchFamily="34" charset="0"/>
+              <a:buChar char="•"/>
+            </a:pPr>
+            <a:r>
+              <a:rPr lang="en-US" altLang="en-US" sz="2200" dirty="0">
+                <a:solidFill>
+                  <a:srgbClr val="000000"/>
+                </a:solidFill>
                 <a:latin typeface="Courier New" panose="02070309020205020404" pitchFamily="49" charset="0"/>
+                <a:ea typeface="+mn-ea"/>
+                <a:cs typeface="Courier New" panose="02070309020205020404" pitchFamily="49" charset="0"/>
+              </a:rPr>
+              <a:t>Action</a:t>
+            </a:r>
+            <a:r>
+              <a:rPr lang="en-US" altLang="en-US" sz="2200" dirty="0">
+                <a:solidFill>
+                  <a:srgbClr val="000000"/>
+                </a:solidFill>
+                <a:latin typeface="Arial (Body)"/>
+                <a:ea typeface="+mn-ea"/>
+              </a:rPr>
+              <a:t>: invokes a </a:t>
+            </a:r>
+            <a:r>
+              <a:rPr lang="en-US" altLang="en-US" sz="2200" dirty="0">
+                <a:solidFill>
+                  <a:srgbClr val="000000"/>
+                </a:solidFill>
+                <a:latin typeface="Courier New" panose="02070309020205020404" pitchFamily="49" charset="0"/>
+                <a:ea typeface="+mn-ea"/>
+                <a:cs typeface="Courier New" panose="02070309020205020404" pitchFamily="49" charset="0"/>
+              </a:rPr>
+              <a:t>void</a:t>
+            </a:r>
+            <a:r>
+              <a:rPr lang="en-US" altLang="en-US" sz="2200" dirty="0">
+                <a:solidFill>
+                  <a:srgbClr val="000000"/>
+                </a:solidFill>
+                <a:latin typeface="Arial (Body)"/>
+                <a:ea typeface="+mn-ea"/>
+              </a:rPr>
+              <a:t> method that accepts 0 to 16 arguments</a:t>
+            </a:r>
+          </a:p>
+          <a:p>
+            <a:pPr marL="255600" lvl="0" indent="-255600" fontAlgn="base">
+              <a:spcAft>
+                <a:spcPct val="0"/>
+              </a:spcAft>
+              <a:buFont typeface="Arial" panose="020B0604020202020204" pitchFamily="34" charset="0"/>
+              <a:buChar char="•"/>
+            </a:pPr>
+            <a:r>
+              <a:rPr lang="en-US" altLang="en-US" sz="2200" dirty="0" err="1">
+                <a:solidFill>
+                  <a:srgbClr val="000000"/>
+                </a:solidFill>
+                <a:latin typeface="Courier New" panose="02070309020205020404" pitchFamily="49" charset="0"/>
+                <a:ea typeface="+mn-ea"/>
+                <a:cs typeface="Courier New" panose="02070309020205020404" pitchFamily="49" charset="0"/>
+              </a:rPr>
+              <a:t>Func</a:t>
+            </a:r>
+            <a:r>
+              <a:rPr lang="en-US" altLang="en-US" sz="2200" dirty="0">
+                <a:solidFill>
+                  <a:srgbClr val="000000"/>
+                </a:solidFill>
+                <a:latin typeface="Arial (Body)"/>
+                <a:ea typeface="+mn-ea"/>
+              </a:rPr>
+              <a:t>: invokes a method that accepts 0 to 16 arguments and returns a value</a:t>
+            </a:r>
+          </a:p>
+          <a:p>
+            <a:pPr marL="255600" lvl="0" indent="-255600" fontAlgn="base">
+              <a:spcAft>
+                <a:spcPct val="0"/>
+              </a:spcAft>
+              <a:buFont typeface="Arial" panose="020B0604020202020204" pitchFamily="34" charset="0"/>
+              <a:buChar char="•"/>
+            </a:pPr>
+            <a:r>
+              <a:rPr lang="en-US" altLang="en-US" sz="2200" dirty="0">
+                <a:solidFill>
+                  <a:srgbClr val="000000"/>
+                </a:solidFill>
+                <a:latin typeface="Courier New" panose="02070309020205020404" pitchFamily="49" charset="0"/>
+                <a:ea typeface="+mn-ea"/>
                 <a:cs typeface="Courier New" panose="02070309020205020404" pitchFamily="49" charset="0"/>
               </a:rPr>
               <a:t>Predicate</a:t>
             </a:r>
             <a:r>
-              <a:rPr lang="en-US" altLang="en-US" sz="2000" b="1" dirty="0">
-                <a:latin typeface="+mn-lt"/>
+              <a:rPr lang="en-US" altLang="en-US" sz="2200" dirty="0">
+                <a:solidFill>
+                  <a:srgbClr val="000000"/>
+                </a:solidFill>
+                <a:latin typeface="Arial (Body)"/>
+                <a:ea typeface="+mn-ea"/>
               </a:rPr>
-              <a:t> delegate </a:t>
-            </a:r>
-            <a:r>
-              <a:rPr lang="en-US" altLang="en-US" sz="2000" dirty="0">
-                <a:latin typeface="+mn-lt"/>
-              </a:rPr>
-              <a:t>to invoke a method accepts one argument and returns a </a:t>
-            </a:r>
-            <a:r>
-              <a:rPr lang="en-US" altLang="en-US" sz="2000" dirty="0" err="1">
+              <a:t>: invokes a method that accepts one argument and returns a </a:t>
+            </a:r>
+            <a:r>
+              <a:rPr lang="en-US" altLang="en-US" sz="2200" dirty="0" err="1">
+                <a:solidFill>
+                  <a:srgbClr val="000000"/>
+                </a:solidFill>
                 <a:latin typeface="Courier New" panose="02070309020205020404" pitchFamily="49" charset="0"/>
+                <a:ea typeface="+mn-ea"/>
                 <a:cs typeface="Courier New" panose="02070309020205020404" pitchFamily="49" charset="0"/>
               </a:rPr>
               <a:t>boolean</a:t>
             </a:r>
             <a:r>
-              <a:rPr lang="en-US" altLang="en-US" sz="2000" dirty="0">
-                <a:latin typeface="+mn-lt"/>
+              <a:rPr lang="en-US" altLang="en-US" sz="2200" dirty="0">
+                <a:solidFill>
+                  <a:srgbClr val="000000"/>
+                </a:solidFill>
+                <a:latin typeface="Arial (Body)"/>
+                <a:ea typeface="+mn-ea"/>
               </a:rPr>
-              <a:t> value. </a:t>
-            </a:r>
-          </a:p>
-          <a:p>
-            <a:pPr eaLnBrk="1" hangingPunct="1"/>
-            <a:r>
-              <a:rPr lang="en-US" altLang="en-US" sz="2000" dirty="0">
-                <a:latin typeface="+mn-lt"/>
-              </a:rPr>
-              <a:t>The following example is a </a:t>
-            </a:r>
-            <a:r>
-              <a:rPr lang="en-US" altLang="en-US" sz="2000" dirty="0">
-                <a:latin typeface="Courier New" panose="02070309020205020404" pitchFamily="49" charset="0"/>
-                <a:cs typeface="Courier New" panose="02070309020205020404" pitchFamily="49" charset="0"/>
-              </a:rPr>
-              <a:t>Predicate</a:t>
-            </a:r>
-            <a:r>
-              <a:rPr lang="en-US" altLang="en-US" sz="2000" dirty="0">
-                <a:latin typeface="+mn-lt"/>
-              </a:rPr>
-              <a:t> delegate that has an </a:t>
-            </a:r>
-            <a:r>
-              <a:rPr lang="en-US" altLang="en-US" sz="2000" dirty="0">
-                <a:latin typeface="Courier New" panose="02070309020205020404" pitchFamily="49" charset="0"/>
-                <a:cs typeface="Courier New" panose="02070309020205020404" pitchFamily="49" charset="0"/>
-              </a:rPr>
-              <a:t>int</a:t>
-            </a:r>
-            <a:r>
-              <a:rPr lang="en-US" altLang="en-US" sz="2000" dirty="0">
-                <a:latin typeface="+mn-lt"/>
-              </a:rPr>
-              <a:t> parameter:</a:t>
-            </a:r>
-          </a:p>
-          <a:p>
-            <a:pPr marL="486918" lvl="1" indent="0">
-              <a:buNone/>
-            </a:pPr>
-            <a:r>
-              <a:rPr lang="en-US" altLang="en-US" sz="1800" dirty="0">
-                <a:latin typeface="Courier New" panose="02070309020205020404" pitchFamily="49" charset="0"/>
-                <a:cs typeface="Courier New" panose="02070309020205020404" pitchFamily="49" charset="0"/>
-              </a:rPr>
-              <a:t>Predicate&lt;int&gt; </a:t>
-            </a:r>
-            <a:r>
-              <a:rPr lang="en-US" altLang="en-US" sz="1800" dirty="0" err="1">
-                <a:latin typeface="Courier New" panose="02070309020205020404" pitchFamily="49" charset="0"/>
-                <a:cs typeface="Courier New" panose="02070309020205020404" pitchFamily="49" charset="0"/>
-              </a:rPr>
-              <a:t>IsEven</a:t>
-            </a:r>
-            <a:r>
-              <a:rPr lang="en-US" altLang="en-US" sz="1800" dirty="0">
-                <a:latin typeface="Courier New" panose="02070309020205020404" pitchFamily="49" charset="0"/>
-                <a:cs typeface="Courier New" panose="02070309020205020404" pitchFamily="49" charset="0"/>
-              </a:rPr>
-              <a:t> = x =&gt; x % 2 == 0;</a:t>
-            </a:r>
-          </a:p>
-        </p:txBody>
-      </p:sp>
-      <p:sp>
-        <p:nvSpPr>
-          <p:cNvPr id="4" name="Text Placeholder 3"/>
-          <p:cNvSpPr>
-            <a:spLocks noGrp="1"/>
-          </p:cNvSpPr>
-          <p:nvPr>
-            <p:ph type="body" idx="2"/>
-          </p:nvPr>
-        </p:nvSpPr>
-        <p:spPr>
-          <a:xfrm>
-            <a:off x="575035" y="3429000"/>
-            <a:ext cx="8229600" cy="2707849"/>
-          </a:xfrm>
-        </p:spPr>
-        <p:txBody>
-          <a:bodyPr/>
-          <a:lstStyle/>
-          <a:p>
-            <a:pPr eaLnBrk="1" hangingPunct="1"/>
-            <a:r>
-              <a:rPr lang="en-US" altLang="en-US" sz="2000" dirty="0"/>
-              <a:t>The following shows how to invoke the method:</a:t>
-            </a:r>
-          </a:p>
-          <a:p>
-            <a:pPr marL="486918" lvl="1" indent="0">
-              <a:buNone/>
-            </a:pPr>
-            <a:r>
-              <a:rPr lang="en-US" altLang="en-US" sz="1800" dirty="0">
-                <a:latin typeface="Courier New" panose="02070309020205020404" pitchFamily="49" charset="0"/>
-                <a:cs typeface="Courier New" panose="02070309020205020404" pitchFamily="49" charset="0"/>
-              </a:rPr>
-              <a:t>if (</a:t>
-            </a:r>
-            <a:r>
-              <a:rPr lang="en-US" altLang="en-US" sz="1800" dirty="0" err="1">
-                <a:latin typeface="Courier New" panose="02070309020205020404" pitchFamily="49" charset="0"/>
-                <a:cs typeface="Courier New" panose="02070309020205020404" pitchFamily="49" charset="0"/>
-              </a:rPr>
-              <a:t>IsEven</a:t>
-            </a:r>
-            <a:r>
-              <a:rPr lang="en-US" altLang="en-US" sz="1800" dirty="0">
-                <a:latin typeface="Courier New" panose="02070309020205020404" pitchFamily="49" charset="0"/>
-                <a:cs typeface="Courier New" panose="02070309020205020404" pitchFamily="49" charset="0"/>
-              </a:rPr>
-              <a:t>(num))</a:t>
-            </a:r>
-          </a:p>
-          <a:p>
-            <a:pPr marL="486918" lvl="1" indent="0">
-              <a:buNone/>
-            </a:pPr>
-            <a:r>
-              <a:rPr lang="en-US" altLang="en-US" sz="1800" dirty="0">
-                <a:latin typeface="Courier New" panose="02070309020205020404" pitchFamily="49" charset="0"/>
-                <a:cs typeface="Courier New" panose="02070309020205020404" pitchFamily="49" charset="0"/>
-              </a:rPr>
-              <a:t>     </a:t>
-            </a:r>
-            <a:r>
-              <a:rPr lang="en-US" altLang="en-US" sz="1800" dirty="0" err="1">
-                <a:latin typeface="Courier New" panose="02070309020205020404" pitchFamily="49" charset="0"/>
-                <a:cs typeface="Courier New" panose="02070309020205020404" pitchFamily="49" charset="0"/>
-              </a:rPr>
-              <a:t>MessageBox.Show</a:t>
-            </a:r>
-            <a:r>
-              <a:rPr lang="en-US" altLang="en-US" sz="1800" dirty="0">
-                <a:latin typeface="Courier New" panose="02070309020205020404" pitchFamily="49" charset="0"/>
-                <a:cs typeface="Courier New" panose="02070309020205020404" pitchFamily="49" charset="0"/>
-              </a:rPr>
-              <a:t>("The number is even.");</a:t>
+              <a:t> value</a:t>
             </a:r>
           </a:p>
         </p:txBody>
@@ -43341,7 +43337,7 @@
     </p:spTree>
     <p:extLst>
       <p:ext uri="{BB962C8B-B14F-4D97-AF65-F5344CB8AC3E}">
-        <p14:creationId xmlns:p14="http://schemas.microsoft.com/office/powerpoint/2010/main" val="546287496"/>
+        <p14:creationId xmlns:p14="http://schemas.microsoft.com/office/powerpoint/2010/main" val="3999200272"/>
       </p:ext>
     </p:extLst>
   </p:cSld>
@@ -43378,416 +43374,347 @@
             <p:ph type="title"/>
           </p:nvPr>
         </p:nvSpPr>
-        <p:spPr>
-          <a:xfrm>
-            <a:off x="551468" y="527901"/>
-            <a:ext cx="8229600" cy="718761"/>
-          </a:xfrm>
-        </p:spPr>
+        <p:spPr/>
         <p:txBody>
           <a:bodyPr/>
           <a:lstStyle/>
           <a:p>
-            <a:pPr lvl="0" fontAlgn="base">
-              <a:spcBef>
-                <a:spcPct val="0"/>
-              </a:spcBef>
-              <a:spcAft>
-                <a:spcPct val="0"/>
-              </a:spcAft>
-              <a:buClrTx/>
-            </a:pPr>
-            <a:r>
-              <a:rPr lang="en-US" altLang="en-US" dirty="0">
-                <a:solidFill>
-                  <a:schemeClr val="tx2"/>
-                </a:solidFill>
-                <a:latin typeface="Courier New" panose="02070309020205020404" pitchFamily="49" charset="0"/>
-                <a:ea typeface="+mj-ea"/>
-                <a:cs typeface="Courier New" panose="02070309020205020404" pitchFamily="49" charset="0"/>
-              </a:rPr>
-              <a:t>List</a:t>
-            </a:r>
-            <a:r>
-              <a:rPr lang="en-US" altLang="en-US" dirty="0">
-                <a:solidFill>
-                  <a:schemeClr val="tx2"/>
-                </a:solidFill>
-                <a:latin typeface="Times New Roman" panose="02020603050405020304" pitchFamily="18" charset="0"/>
-                <a:ea typeface="+mj-ea"/>
-                <a:cs typeface="Times New Roman" panose="02020603050405020304" pitchFamily="18" charset="0"/>
-              </a:rPr>
-              <a:t> Methods that Work with Delegates</a:t>
-            </a:r>
-          </a:p>
-        </p:txBody>
-      </p:sp>
-      <p:sp>
-        <p:nvSpPr>
-          <p:cNvPr id="3" name="Content Placeholder 2"/>
-          <p:cNvSpPr>
-            <a:spLocks noGrp="1"/>
-          </p:cNvSpPr>
-          <p:nvPr>
-            <p:ph type="body" idx="1"/>
-          </p:nvPr>
-        </p:nvSpPr>
-        <p:spPr>
-          <a:xfrm>
-            <a:off x="537328" y="1447546"/>
-            <a:ext cx="8229600" cy="2770631"/>
-          </a:xfrm>
-        </p:spPr>
-        <p:txBody>
-          <a:bodyPr/>
-          <a:lstStyle/>
-          <a:p>
-            <a:pPr fontAlgn="base">
-              <a:spcAft>
-                <a:spcPct val="0"/>
-              </a:spcAft>
-              <a:buClr>
-                <a:schemeClr val="tx2"/>
-              </a:buClr>
-              <a:buSzTx/>
-            </a:pPr>
-            <a:r>
-              <a:rPr lang="en-US" altLang="en-US" sz="2200" dirty="0">
-                <a:solidFill>
-                  <a:srgbClr val="000000"/>
-                </a:solidFill>
-                <a:latin typeface="+mn-lt"/>
-                <a:ea typeface="+mn-ea"/>
-              </a:rPr>
-              <a:t>The </a:t>
-            </a:r>
-            <a:r>
-              <a:rPr lang="en-US" altLang="en-US" sz="2200" dirty="0">
-                <a:solidFill>
-                  <a:srgbClr val="000000"/>
-                </a:solidFill>
-                <a:latin typeface="Courier New" panose="02070309020205020404" pitchFamily="49" charset="0"/>
-                <a:ea typeface="+mn-ea"/>
-                <a:cs typeface="Courier New" panose="02070309020205020404" pitchFamily="49" charset="0"/>
-              </a:rPr>
-              <a:t>List</a:t>
-            </a:r>
-            <a:r>
-              <a:rPr lang="en-US" altLang="en-US" sz="2200" dirty="0">
-                <a:solidFill>
-                  <a:srgbClr val="000000"/>
-                </a:solidFill>
-                <a:latin typeface="+mn-lt"/>
-                <a:ea typeface="+mn-ea"/>
-              </a:rPr>
-              <a:t> collection provides several methods that accept a delegate as an argument. </a:t>
-            </a:r>
-          </a:p>
-          <a:p>
-            <a:pPr fontAlgn="base">
-              <a:spcAft>
-                <a:spcPct val="0"/>
-              </a:spcAft>
-              <a:buClr>
-                <a:schemeClr val="tx2"/>
-              </a:buClr>
-              <a:buSzTx/>
-            </a:pPr>
-            <a:r>
-              <a:rPr lang="en-US" altLang="en-US" sz="2200" dirty="0">
-                <a:solidFill>
-                  <a:srgbClr val="000000"/>
-                </a:solidFill>
-                <a:latin typeface="+mn-lt"/>
-                <a:ea typeface="+mn-ea"/>
-              </a:rPr>
-              <a:t>Each of these methods uses the delegate to perform an operation on the elements of the list. </a:t>
-            </a:r>
-            <a:endParaRPr lang="en-US" altLang="en-US" sz="2200" dirty="0">
-              <a:solidFill>
-                <a:srgbClr val="000000"/>
-              </a:solidFill>
-              <a:latin typeface="+mn-lt"/>
-            </a:endParaRPr>
-          </a:p>
-          <a:p>
-            <a:pPr fontAlgn="base">
-              <a:spcAft>
-                <a:spcPct val="0"/>
-              </a:spcAft>
-              <a:buClr>
-                <a:schemeClr val="tx2"/>
-              </a:buClr>
-              <a:buSzTx/>
-            </a:pPr>
-            <a:r>
-              <a:rPr lang="en-US" altLang="en-US" sz="2200" dirty="0">
-                <a:solidFill>
-                  <a:srgbClr val="000000"/>
-                </a:solidFill>
-                <a:latin typeface="+mn-lt"/>
-                <a:ea typeface="+mn-ea"/>
-              </a:rPr>
-              <a:t>Here are a few of the methods that can be used. There are others shown in the textbook. </a:t>
-            </a:r>
-          </a:p>
-          <a:p>
-            <a:pPr lvl="1" fontAlgn="base">
-              <a:spcAft>
-                <a:spcPct val="0"/>
-              </a:spcAft>
-              <a:buClr>
-                <a:schemeClr val="tx2"/>
-              </a:buClr>
-              <a:buSzTx/>
-            </a:pPr>
-            <a:r>
-              <a:rPr lang="en-US" altLang="en-US" sz="1800" dirty="0">
-                <a:solidFill>
-                  <a:srgbClr val="000000"/>
-                </a:solidFill>
-                <a:latin typeface="Courier New" panose="02070309020205020404" pitchFamily="49" charset="0"/>
-                <a:ea typeface="+mn-ea"/>
-                <a:cs typeface="Courier New" panose="02070309020205020404" pitchFamily="49" charset="0"/>
-              </a:rPr>
-              <a:t>Exists</a:t>
-            </a:r>
-            <a:r>
-              <a:rPr lang="en-US" altLang="en-US" sz="1800" dirty="0">
-                <a:solidFill>
-                  <a:srgbClr val="000000"/>
-                </a:solidFill>
-                <a:latin typeface="+mn-lt"/>
-                <a:ea typeface="+mn-ea"/>
-              </a:rPr>
-              <a:t>: determines whether an element exists in the </a:t>
-            </a:r>
-            <a:r>
-              <a:rPr lang="en-US" altLang="en-US" sz="1800" dirty="0">
-                <a:solidFill>
-                  <a:srgbClr val="000000"/>
-                </a:solidFill>
-                <a:latin typeface="Courier New" panose="02070309020205020404" pitchFamily="49" charset="0"/>
-                <a:ea typeface="+mn-ea"/>
-                <a:cs typeface="Courier New" panose="02070309020205020404" pitchFamily="49" charset="0"/>
-              </a:rPr>
-              <a:t>List</a:t>
-            </a:r>
-          </a:p>
-          <a:p>
-            <a:pPr lvl="1" fontAlgn="base">
-              <a:spcAft>
-                <a:spcPct val="0"/>
-              </a:spcAft>
-              <a:buClr>
-                <a:schemeClr val="tx2"/>
-              </a:buClr>
-              <a:buSzTx/>
-            </a:pPr>
-            <a:r>
-              <a:rPr lang="en-US" altLang="en-US" sz="1800" dirty="0">
-                <a:solidFill>
-                  <a:srgbClr val="000000"/>
-                </a:solidFill>
-                <a:latin typeface="Courier New" panose="02070309020205020404" pitchFamily="49" charset="0"/>
-                <a:ea typeface="+mn-ea"/>
-                <a:cs typeface="Courier New" panose="02070309020205020404" pitchFamily="49" charset="0"/>
-              </a:rPr>
-              <a:t>Find: </a:t>
-            </a:r>
-            <a:r>
-              <a:rPr lang="en-US" altLang="en-US" sz="1800" dirty="0">
-                <a:solidFill>
-                  <a:srgbClr val="000000"/>
-                </a:solidFill>
-              </a:rPr>
-              <a:t>finds the first element for which a condition is true</a:t>
-            </a:r>
-            <a:r>
-              <a:rPr lang="en-US" altLang="en-US" sz="1800" dirty="0">
-                <a:solidFill>
-                  <a:srgbClr val="000000"/>
-                </a:solidFill>
+            <a:r>
+              <a:rPr lang="en-US" dirty="0">
                 <a:latin typeface="Courier New" panose="02070309020205020404" pitchFamily="49" charset="0"/>
                 <a:cs typeface="Courier New" panose="02070309020205020404" pitchFamily="49" charset="0"/>
               </a:rPr>
-              <a:t> </a:t>
-            </a:r>
-          </a:p>
-          <a:p>
-            <a:pPr lvl="1" fontAlgn="base">
-              <a:spcAft>
-                <a:spcPct val="0"/>
-              </a:spcAft>
-              <a:buClr>
-                <a:schemeClr val="tx2"/>
-              </a:buClr>
-              <a:buSzTx/>
-            </a:pPr>
-            <a:r>
-              <a:rPr lang="en-US" altLang="en-US" sz="1800" dirty="0" err="1">
-                <a:solidFill>
-                  <a:srgbClr val="000000"/>
-                </a:solidFill>
+              <a:t>Action</a:t>
+            </a:r>
+            <a:r>
+              <a:rPr lang="en-US" dirty="0"/>
+              <a:t> Delegates</a:t>
+            </a:r>
+          </a:p>
+        </p:txBody>
+      </p:sp>
+      <p:sp>
+        <p:nvSpPr>
+          <p:cNvPr id="3" name="Text Placeholder 2"/>
+          <p:cNvSpPr>
+            <a:spLocks noGrp="1"/>
+          </p:cNvSpPr>
+          <p:nvPr>
+            <p:ph type="body" idx="1"/>
+          </p:nvPr>
+        </p:nvSpPr>
+        <p:spPr>
+          <a:xfrm>
+            <a:off x="457200" y="1357534"/>
+            <a:ext cx="8229600" cy="2071466"/>
+          </a:xfrm>
+        </p:spPr>
+        <p:txBody>
+          <a:bodyPr/>
+          <a:lstStyle/>
+          <a:p>
+            <a:pPr eaLnBrk="1" hangingPunct="1"/>
+            <a:r>
+              <a:rPr lang="en-US" altLang="en-US" sz="1800" dirty="0">
+                <a:latin typeface="+mn-lt"/>
+              </a:rPr>
+              <a:t>To use an </a:t>
+            </a:r>
+            <a:r>
+              <a:rPr lang="en-US" altLang="en-US" sz="1800" b="1" dirty="0">
                 <a:latin typeface="Courier New" panose="02070309020205020404" pitchFamily="49" charset="0"/>
                 <a:cs typeface="Courier New" panose="02070309020205020404" pitchFamily="49" charset="0"/>
               </a:rPr>
-              <a:t>FindAll</a:t>
+              <a:t>Action</a:t>
+            </a:r>
+            <a:r>
+              <a:rPr lang="en-US" altLang="en-US" sz="1800" b="1" dirty="0">
+                <a:latin typeface="+mn-lt"/>
+              </a:rPr>
+              <a:t> delegate </a:t>
             </a:r>
             <a:r>
               <a:rPr lang="en-US" altLang="en-US" sz="1800" dirty="0">
-                <a:solidFill>
-                  <a:srgbClr val="000000"/>
-                </a:solidFill>
+                <a:latin typeface="+mn-lt"/>
+              </a:rPr>
+              <a:t>it is not necessary to declare the delegate type because it is built into .NET.</a:t>
+            </a:r>
+          </a:p>
+          <a:p>
+            <a:pPr eaLnBrk="1" hangingPunct="1"/>
+            <a:r>
+              <a:rPr lang="en-US" altLang="en-US" sz="1800" dirty="0">
+                <a:latin typeface="+mn-lt"/>
+              </a:rPr>
+              <a:t>The following example uses a lambda expression to create an </a:t>
+            </a:r>
+            <a:r>
+              <a:rPr lang="en-US" altLang="en-US" sz="1800" dirty="0">
                 <a:latin typeface="Courier New" panose="02070309020205020404" pitchFamily="49" charset="0"/>
                 <a:cs typeface="Courier New" panose="02070309020205020404" pitchFamily="49" charset="0"/>
               </a:rPr>
-              <a:t>: </a:t>
+              <a:t>Action</a:t>
             </a:r>
             <a:r>
               <a:rPr lang="en-US" altLang="en-US" sz="1800" dirty="0">
-                <a:solidFill>
-                  <a:srgbClr val="000000"/>
-                </a:solidFill>
+                <a:latin typeface="+mn-lt"/>
               </a:rPr>
-              <a:t>finds all the elements for which a condition is true</a:t>
-            </a:r>
-            <a:r>
-              <a:rPr lang="en-US" altLang="en-US" sz="1800" dirty="0">
-                <a:solidFill>
-                  <a:srgbClr val="000000"/>
-                </a:solidFill>
+              <a:t> delegate that accepts no arguments:</a:t>
+            </a:r>
+          </a:p>
+          <a:p>
+            <a:pPr marL="0" indent="0">
+              <a:buNone/>
+            </a:pPr>
+            <a:r>
+              <a:rPr lang="en-US" altLang="en-US" dirty="0">
                 <a:latin typeface="Courier New" panose="02070309020205020404" pitchFamily="49" charset="0"/>
                 <a:cs typeface="Courier New" panose="02070309020205020404" pitchFamily="49" charset="0"/>
               </a:rPr>
-              <a:t> </a:t>
-            </a:r>
-          </a:p>
-          <a:p>
-            <a:pPr lvl="1" fontAlgn="base">
-              <a:spcAft>
-                <a:spcPct val="0"/>
-              </a:spcAft>
-              <a:buClr>
-                <a:schemeClr val="tx2"/>
-              </a:buClr>
-              <a:buSzTx/>
-            </a:pPr>
-            <a:r>
-              <a:rPr lang="en-US" altLang="en-US" sz="1800" dirty="0" err="1">
-                <a:solidFill>
-                  <a:srgbClr val="000000"/>
-                </a:solidFill>
+              <a:t>Action </a:t>
+            </a:r>
+            <a:r>
+              <a:rPr lang="en-US" altLang="en-US" dirty="0" err="1">
                 <a:latin typeface="Courier New" panose="02070309020205020404" pitchFamily="49" charset="0"/>
                 <a:cs typeface="Courier New" panose="02070309020205020404" pitchFamily="49" charset="0"/>
               </a:rPr>
-              <a:t>ForEach</a:t>
-            </a:r>
-            <a:r>
-              <a:rPr lang="en-US" altLang="en-US" sz="1800" dirty="0">
-                <a:solidFill>
-                  <a:srgbClr val="000000"/>
-                </a:solidFill>
+              <a:t>DisplayTest</a:t>
+            </a:r>
+            <a:r>
+              <a:rPr lang="en-US" altLang="en-US" dirty="0">
                 <a:latin typeface="Courier New" panose="02070309020205020404" pitchFamily="49" charset="0"/>
                 <a:cs typeface="Courier New" panose="02070309020205020404" pitchFamily="49" charset="0"/>
               </a:rPr>
-              <a:t>: </a:t>
-            </a:r>
-            <a:r>
-              <a:rPr lang="en-US" altLang="en-US" sz="1800" dirty="0">
-                <a:solidFill>
-                  <a:srgbClr val="000000"/>
-                </a:solidFill>
-              </a:rPr>
-              <a:t>performs an action on each element in the </a:t>
-            </a:r>
-            <a:r>
-              <a:rPr lang="en-US" altLang="en-US" sz="1800" dirty="0">
-                <a:solidFill>
-                  <a:srgbClr val="000000"/>
-                </a:solidFill>
+              <a:t> = () =&gt; </a:t>
+            </a:r>
+            <a:r>
+              <a:rPr lang="en-US" altLang="en-US" dirty="0" err="1">
                 <a:latin typeface="Courier New" panose="02070309020205020404" pitchFamily="49" charset="0"/>
                 <a:cs typeface="Courier New" panose="02070309020205020404" pitchFamily="49" charset="0"/>
               </a:rPr>
-              <a:t>List</a:t>
-            </a:r>
-          </a:p>
-          <a:p>
-            <a:pPr lvl="1" fontAlgn="base">
-              <a:spcAft>
-                <a:spcPct val="0"/>
-              </a:spcAft>
-              <a:buClr>
-                <a:schemeClr val="tx2"/>
-              </a:buClr>
-              <a:buSzTx/>
-            </a:pPr>
-            <a:r>
-              <a:rPr lang="en-US" altLang="en-US" sz="1800" dirty="0" err="1">
-                <a:solidFill>
-                  <a:srgbClr val="000000"/>
-                </a:solidFill>
+              <a:t>MessageBox.Show</a:t>
+            </a:r>
+            <a:r>
+              <a:rPr lang="en-US" altLang="en-US" dirty="0">
                 <a:latin typeface="Courier New" panose="02070309020205020404" pitchFamily="49" charset="0"/>
                 <a:cs typeface="Courier New" panose="02070309020205020404" pitchFamily="49" charset="0"/>
               </a:rPr>
-              <a:t>RemoveAll</a:t>
+              <a:t>("Testing…testing…");</a:t>
+            </a:r>
+          </a:p>
+        </p:txBody>
+      </p:sp>
+      <p:sp>
+        <p:nvSpPr>
+          <p:cNvPr id="4" name="Text Placeholder 3"/>
+          <p:cNvSpPr>
+            <a:spLocks noGrp="1"/>
+          </p:cNvSpPr>
+          <p:nvPr>
+            <p:ph type="body" idx="2"/>
+          </p:nvPr>
+        </p:nvSpPr>
+        <p:spPr>
+          <a:xfrm>
+            <a:off x="575035" y="3429000"/>
+            <a:ext cx="8229600" cy="2707849"/>
+          </a:xfrm>
+        </p:spPr>
+        <p:txBody>
+          <a:bodyPr/>
+          <a:lstStyle/>
+          <a:p>
+            <a:pPr eaLnBrk="1" hangingPunct="1"/>
+            <a:r>
+              <a:rPr lang="en-US" altLang="en-US" sz="1800" dirty="0"/>
+              <a:t>The following example creates an </a:t>
             </a:r>
             <a:r>
               <a:rPr lang="en-US" altLang="en-US" sz="1800" dirty="0">
-                <a:solidFill>
-                  <a:srgbClr val="000000"/>
-                </a:solidFill>
                 <a:latin typeface="Courier New" panose="02070309020205020404" pitchFamily="49" charset="0"/>
                 <a:cs typeface="Courier New" panose="02070309020205020404" pitchFamily="49" charset="0"/>
               </a:rPr>
-              <a:t>: </a:t>
+              <a:t>Action</a:t>
+            </a:r>
+            <a:r>
+              <a:rPr lang="en-US" altLang="en-US" sz="1800" dirty="0"/>
+              <a:t> delegate that has one </a:t>
             </a:r>
             <a:r>
               <a:rPr lang="en-US" altLang="en-US" sz="1800" dirty="0">
-                <a:solidFill>
-                  <a:srgbClr val="000000"/>
-                </a:solidFill>
-              </a:rPr>
-              <a:t>removes all elements for which a condition is true</a:t>
-            </a:r>
-            <a:r>
-              <a:rPr lang="en-US" altLang="en-US" sz="1800" dirty="0">
-                <a:solidFill>
-                  <a:srgbClr val="000000"/>
-                </a:solidFill>
                 <a:latin typeface="Courier New" panose="02070309020205020404" pitchFamily="49" charset="0"/>
                 <a:cs typeface="Courier New" panose="02070309020205020404" pitchFamily="49" charset="0"/>
               </a:rPr>
-              <a:t> </a:t>
-            </a:r>
-            <a:r>
-              <a:rPr lang="en-US" altLang="en-US" sz="1800" dirty="0">
-                <a:solidFill>
-                  <a:srgbClr val="000000"/>
-                </a:solidFill>
+              <a:t>string</a:t>
+            </a:r>
+            <a:r>
+              <a:rPr lang="en-US" altLang="en-US" sz="1800" dirty="0"/>
+              <a:t> parameter:</a:t>
+            </a:r>
+          </a:p>
+          <a:p>
+            <a:pPr marL="0" indent="0">
+              <a:buNone/>
+            </a:pPr>
+            <a:r>
+              <a:rPr lang="en-US" altLang="en-US" dirty="0">
                 <a:latin typeface="Courier New" panose="02070309020205020404" pitchFamily="49" charset="0"/>
-                <a:ea typeface="+mn-ea"/>
                 <a:cs typeface="Courier New" panose="02070309020205020404" pitchFamily="49" charset="0"/>
               </a:rPr>
-              <a:t>	</a:t>
-            </a:r>
-          </a:p>
-          <a:p>
-            <a:pPr fontAlgn="base">
-              <a:spcAft>
-                <a:spcPct val="0"/>
-              </a:spcAft>
-              <a:buClr>
-                <a:schemeClr val="tx2"/>
-              </a:buClr>
-              <a:buSzTx/>
+              <a:t>Action&lt;string&gt; </a:t>
+            </a:r>
+            <a:r>
+              <a:rPr lang="en-US" altLang="en-US" dirty="0" err="1">
+                <a:latin typeface="Courier New" panose="02070309020205020404" pitchFamily="49" charset="0"/>
+                <a:cs typeface="Courier New" panose="02070309020205020404" pitchFamily="49" charset="0"/>
+              </a:rPr>
+              <a:t>ShowString</a:t>
+            </a:r>
+            <a:r>
+              <a:rPr lang="en-US" altLang="en-US" dirty="0">
+                <a:latin typeface="Courier New" panose="02070309020205020404" pitchFamily="49" charset="0"/>
+                <a:cs typeface="Courier New" panose="02070309020205020404" pitchFamily="49" charset="0"/>
+              </a:rPr>
+              <a:t> = str =&gt; </a:t>
+            </a:r>
+            <a:r>
+              <a:rPr lang="en-US" altLang="en-US" dirty="0" err="1">
+                <a:latin typeface="Courier New" panose="02070309020205020404" pitchFamily="49" charset="0"/>
+                <a:cs typeface="Courier New" panose="02070309020205020404" pitchFamily="49" charset="0"/>
+              </a:rPr>
+              <a:t>MessageBox.Show</a:t>
+            </a:r>
+            <a:r>
+              <a:rPr lang="en-US" altLang="en-US" dirty="0">
+                <a:latin typeface="Courier New" panose="02070309020205020404" pitchFamily="49" charset="0"/>
+                <a:cs typeface="Courier New" panose="02070309020205020404" pitchFamily="49" charset="0"/>
+              </a:rPr>
+              <a:t>(str);</a:t>
+            </a:r>
+          </a:p>
+          <a:p>
+            <a:pPr eaLnBrk="1" hangingPunct="1"/>
+            <a:r>
+              <a:rPr lang="en-US" altLang="en-US" sz="1800" dirty="0"/>
+              <a:t>The following example creates an </a:t>
+            </a:r>
+            <a:r>
+              <a:rPr lang="en-US" altLang="en-US" sz="1800" dirty="0">
+                <a:latin typeface="Courier New" panose="02070309020205020404" pitchFamily="49" charset="0"/>
+                <a:cs typeface="Courier New" panose="02070309020205020404" pitchFamily="49" charset="0"/>
+              </a:rPr>
+              <a:t>Action</a:t>
+            </a:r>
+            <a:r>
+              <a:rPr lang="en-US" altLang="en-US" sz="1800" dirty="0"/>
+              <a:t> delegate with three parameters:</a:t>
+            </a:r>
+          </a:p>
+          <a:p>
+            <a:pPr marL="0" indent="0">
+              <a:buNone/>
             </a:pPr>
-            <a:endParaRPr lang="en-US" altLang="en-US" sz="1800" dirty="0">
-              <a:solidFill>
-                <a:srgbClr val="000000"/>
-              </a:solidFill>
-              <a:latin typeface="+mn-lt"/>
-              <a:ea typeface="+mn-ea"/>
+            <a:r>
+              <a:rPr lang="en-US" altLang="en-US" dirty="0">
+                <a:latin typeface="Courier New" panose="02070309020205020404" pitchFamily="49" charset="0"/>
+                <a:cs typeface="Courier New" panose="02070309020205020404" pitchFamily="49" charset="0"/>
+              </a:rPr>
+              <a:t>Action&lt;int, double, string&gt; </a:t>
+            </a:r>
+            <a:r>
+              <a:rPr lang="en-US" altLang="en-US" dirty="0" err="1">
+                <a:latin typeface="Courier New" panose="02070309020205020404" pitchFamily="49" charset="0"/>
+                <a:cs typeface="Courier New" panose="02070309020205020404" pitchFamily="49" charset="0"/>
+              </a:rPr>
+              <a:t>ShowValues</a:t>
+            </a:r>
+            <a:r>
+              <a:rPr lang="en-US" altLang="en-US" dirty="0">
+                <a:latin typeface="Courier New" panose="02070309020205020404" pitchFamily="49" charset="0"/>
+                <a:cs typeface="Courier New" panose="02070309020205020404" pitchFamily="49" charset="0"/>
+              </a:rPr>
+              <a:t> = (a, b, c) =&gt; {</a:t>
+            </a:r>
+          </a:p>
+          <a:p>
+            <a:pPr marL="0" indent="0">
+              <a:spcBef>
+                <a:spcPts val="0"/>
+              </a:spcBef>
+              <a:buNone/>
+            </a:pPr>
+            <a:r>
+              <a:rPr lang="en-US" altLang="en-US" dirty="0">
+                <a:latin typeface="Courier New" panose="02070309020205020404" pitchFamily="49" charset="0"/>
+                <a:cs typeface="Courier New" panose="02070309020205020404" pitchFamily="49" charset="0"/>
+              </a:rPr>
+              <a:t>     </a:t>
+            </a:r>
+            <a:r>
+              <a:rPr lang="en-US" altLang="en-US" dirty="0" err="1">
+                <a:latin typeface="Courier New" panose="02070309020205020404" pitchFamily="49" charset="0"/>
+                <a:cs typeface="Courier New" panose="02070309020205020404" pitchFamily="49" charset="0"/>
+              </a:rPr>
+              <a:t>MessageBox.Show</a:t>
+            </a:r>
+            <a:r>
+              <a:rPr lang="en-US" altLang="en-US" dirty="0">
+                <a:latin typeface="Courier New" panose="02070309020205020404" pitchFamily="49" charset="0"/>
+                <a:cs typeface="Courier New" panose="02070309020205020404" pitchFamily="49" charset="0"/>
+              </a:rPr>
+              <a:t>(</a:t>
+            </a:r>
+            <a:r>
+              <a:rPr lang="en-US" altLang="en-US" dirty="0" err="1">
+                <a:latin typeface="Courier New" panose="02070309020205020404" pitchFamily="49" charset="0"/>
+                <a:cs typeface="Courier New" panose="02070309020205020404" pitchFamily="49" charset="0"/>
+              </a:rPr>
+              <a:t>a.ToString</a:t>
+            </a:r>
+            <a:r>
+              <a:rPr lang="en-US" altLang="en-US" dirty="0">
+                <a:latin typeface="Courier New" panose="02070309020205020404" pitchFamily="49" charset="0"/>
+                <a:cs typeface="Courier New" panose="02070309020205020404" pitchFamily="49" charset="0"/>
+              </a:rPr>
+              <a:t>() + </a:t>
+            </a:r>
+            <a:r>
+              <a:rPr lang="en-US" altLang="en-US" dirty="0" err="1">
+                <a:latin typeface="Courier New" panose="02070309020205020404" pitchFamily="49" charset="0"/>
+                <a:cs typeface="Courier New" panose="02070309020205020404" pitchFamily="49" charset="0"/>
+              </a:rPr>
+              <a:t>b.ToString</a:t>
+            </a:r>
+            <a:r>
+              <a:rPr lang="en-US" altLang="en-US" dirty="0">
+                <a:latin typeface="Courier New" panose="02070309020205020404" pitchFamily="49" charset="0"/>
+                <a:cs typeface="Courier New" panose="02070309020205020404" pitchFamily="49" charset="0"/>
+              </a:rPr>
+              <a:t>() + c);</a:t>
+            </a:r>
+          </a:p>
+          <a:p>
+            <a:pPr marL="0" indent="0">
+              <a:spcBef>
+                <a:spcPts val="0"/>
+              </a:spcBef>
+              <a:buNone/>
+            </a:pPr>
+            <a:r>
+              <a:rPr lang="en-US" altLang="en-US" dirty="0">
+                <a:latin typeface="Courier New" panose="02070309020205020404" pitchFamily="49" charset="0"/>
+                <a:cs typeface="Courier New" panose="02070309020205020404" pitchFamily="49" charset="0"/>
+              </a:rPr>
+              <a:t>};</a:t>
+            </a:r>
+          </a:p>
+          <a:p>
+            <a:pPr marL="0" indent="0">
+              <a:buNone/>
+            </a:pPr>
+            <a:endParaRPr lang="en-US" altLang="en-US" dirty="0">
+              <a:latin typeface="Courier New" panose="02070309020205020404" pitchFamily="49" charset="0"/>
+              <a:cs typeface="Courier New" panose="02070309020205020404" pitchFamily="49" charset="0"/>
             </a:endParaRPr>
           </a:p>
         </p:txBody>
@@ -43795,7 +43722,543 @@
     </p:spTree>
     <p:extLst>
       <p:ext uri="{BB962C8B-B14F-4D97-AF65-F5344CB8AC3E}">
-        <p14:creationId xmlns:p14="http://schemas.microsoft.com/office/powerpoint/2010/main" val="3757574141"/>
+        <p14:creationId xmlns:p14="http://schemas.microsoft.com/office/powerpoint/2010/main" val="839036722"/>
+      </p:ext>
+    </p:extLst>
+  </p:cSld>
+  <p:clrMapOvr>
+    <a:masterClrMapping/>
+  </p:clrMapOvr>
+</p:sld>
+</file>
+
+<file path=ppt/slides/slide18.xml><?xml version="1.0" encoding="utf-8"?>
+<p:sld xmlns:a="http://schemas.openxmlformats.org/drawingml/2006/main" xmlns:r="http://schemas.openxmlformats.org/officeDocument/2006/relationships" xmlns:p="http://schemas.openxmlformats.org/presentationml/2006/main">
+  <p:cSld>
+    <p:spTree>
+      <p:nvGrpSpPr>
+        <p:cNvPr id="1" name=""/>
+        <p:cNvGrpSpPr/>
+        <p:nvPr/>
+      </p:nvGrpSpPr>
+      <p:grpSpPr>
+        <a:xfrm>
+          <a:off x="0" y="0"/>
+          <a:ext cx="0" cy="0"/>
+          <a:chOff x="0" y="0"/>
+          <a:chExt cx="0" cy="0"/>
+        </a:xfrm>
+      </p:grpSpPr>
+      <p:sp>
+        <p:nvSpPr>
+          <p:cNvPr id="2" name="Title 1"/>
+          <p:cNvSpPr>
+            <a:spLocks noGrp="1"/>
+          </p:cNvSpPr>
+          <p:nvPr>
+            <p:ph type="title"/>
+          </p:nvPr>
+        </p:nvSpPr>
+        <p:spPr/>
+        <p:txBody>
+          <a:bodyPr/>
+          <a:lstStyle/>
+          <a:p>
+            <a:r>
+              <a:rPr lang="en-US" dirty="0" err="1">
+                <a:latin typeface="Courier New" panose="02070309020205020404" pitchFamily="49" charset="0"/>
+                <a:cs typeface="Courier New" panose="02070309020205020404" pitchFamily="49" charset="0"/>
+              </a:rPr>
+              <a:t>Func</a:t>
+            </a:r>
+            <a:r>
+              <a:rPr lang="en-US" dirty="0"/>
+              <a:t> Delegates</a:t>
+            </a:r>
+          </a:p>
+        </p:txBody>
+      </p:sp>
+      <p:sp>
+        <p:nvSpPr>
+          <p:cNvPr id="3" name="Text Placeholder 2"/>
+          <p:cNvSpPr>
+            <a:spLocks noGrp="1"/>
+          </p:cNvSpPr>
+          <p:nvPr>
+            <p:ph type="body" idx="1"/>
+          </p:nvPr>
+        </p:nvSpPr>
+        <p:spPr>
+          <a:xfrm>
+            <a:off x="457200" y="1357534"/>
+            <a:ext cx="8229600" cy="2071466"/>
+          </a:xfrm>
+        </p:spPr>
+        <p:txBody>
+          <a:bodyPr/>
+          <a:lstStyle/>
+          <a:p>
+            <a:pPr eaLnBrk="1" hangingPunct="1"/>
+            <a:r>
+              <a:rPr lang="en-US" altLang="en-US" sz="2000" dirty="0">
+                <a:latin typeface="+mn-lt"/>
+              </a:rPr>
+              <a:t>You can use a </a:t>
+            </a:r>
+            <a:r>
+              <a:rPr lang="en-US" altLang="en-US" sz="2000" b="1" dirty="0" err="1">
+                <a:latin typeface="Courier New" panose="02070309020205020404" pitchFamily="49" charset="0"/>
+                <a:cs typeface="Courier New" panose="02070309020205020404" pitchFamily="49" charset="0"/>
+              </a:rPr>
+              <a:t>Func</a:t>
+            </a:r>
+            <a:r>
+              <a:rPr lang="en-US" altLang="en-US" sz="2000" b="1" dirty="0">
+                <a:latin typeface="+mn-lt"/>
+              </a:rPr>
+              <a:t> delegate </a:t>
+            </a:r>
+            <a:r>
+              <a:rPr lang="en-US" altLang="en-US" sz="2000" dirty="0">
+                <a:latin typeface="+mn-lt"/>
+              </a:rPr>
+              <a:t>to invoke a value-returning method that takes 0 to 16 arguments. </a:t>
+            </a:r>
+          </a:p>
+          <a:p>
+            <a:pPr eaLnBrk="1" hangingPunct="1"/>
+            <a:r>
+              <a:rPr lang="en-US" altLang="en-US" sz="2000" dirty="0">
+                <a:latin typeface="+mn-lt"/>
+              </a:rPr>
+              <a:t>The following example uses a lambda expression to create a </a:t>
+            </a:r>
+            <a:r>
+              <a:rPr lang="en-US" altLang="en-US" sz="2000" dirty="0" err="1">
+                <a:latin typeface="Courier New" panose="02070309020205020404" pitchFamily="49" charset="0"/>
+                <a:cs typeface="Courier New" panose="02070309020205020404" pitchFamily="49" charset="0"/>
+              </a:rPr>
+              <a:t>Func</a:t>
+            </a:r>
+            <a:r>
+              <a:rPr lang="en-US" altLang="en-US" sz="2000" dirty="0">
+                <a:latin typeface="+mn-lt"/>
+              </a:rPr>
+              <a:t> delegate that accepts no arguments and returns a </a:t>
+            </a:r>
+            <a:r>
+              <a:rPr lang="en-US" altLang="en-US" sz="2000" dirty="0">
+                <a:latin typeface="Courier New" panose="02070309020205020404" pitchFamily="49" charset="0"/>
+                <a:cs typeface="Courier New" panose="02070309020205020404" pitchFamily="49" charset="0"/>
+              </a:rPr>
+              <a:t>string</a:t>
+            </a:r>
+            <a:r>
+              <a:rPr lang="en-US" altLang="en-US" sz="2000" dirty="0">
+                <a:latin typeface="+mn-lt"/>
+              </a:rPr>
+              <a:t>:</a:t>
+            </a:r>
+          </a:p>
+          <a:p>
+            <a:pPr marL="486918" lvl="1" indent="0">
+              <a:buNone/>
+            </a:pPr>
+            <a:r>
+              <a:rPr lang="en-US" altLang="en-US" sz="1800" dirty="0" err="1">
+                <a:latin typeface="Courier New" panose="02070309020205020404" pitchFamily="49" charset="0"/>
+                <a:cs typeface="Courier New" panose="02070309020205020404" pitchFamily="49" charset="0"/>
+              </a:rPr>
+              <a:t>Func</a:t>
+            </a:r>
+            <a:r>
+              <a:rPr lang="en-US" altLang="en-US" sz="1800" dirty="0">
+                <a:latin typeface="Courier New" panose="02070309020205020404" pitchFamily="49" charset="0"/>
+                <a:cs typeface="Courier New" panose="02070309020205020404" pitchFamily="49" charset="0"/>
+              </a:rPr>
+              <a:t>&lt;string&gt; </a:t>
+            </a:r>
+            <a:r>
+              <a:rPr lang="en-US" altLang="en-US" sz="1800" dirty="0" err="1">
+                <a:latin typeface="Courier New" panose="02070309020205020404" pitchFamily="49" charset="0"/>
+                <a:cs typeface="Courier New" panose="02070309020205020404" pitchFamily="49" charset="0"/>
+              </a:rPr>
+              <a:t>GetString</a:t>
+            </a:r>
+            <a:r>
+              <a:rPr lang="en-US" altLang="en-US" sz="1800" dirty="0">
+                <a:latin typeface="Courier New" panose="02070309020205020404" pitchFamily="49" charset="0"/>
+                <a:cs typeface="Courier New" panose="02070309020205020404" pitchFamily="49" charset="0"/>
+              </a:rPr>
+              <a:t> = () =&gt; "Testing…testing…";</a:t>
+            </a:r>
+          </a:p>
+        </p:txBody>
+      </p:sp>
+      <p:sp>
+        <p:nvSpPr>
+          <p:cNvPr id="4" name="Text Placeholder 3"/>
+          <p:cNvSpPr>
+            <a:spLocks noGrp="1"/>
+          </p:cNvSpPr>
+          <p:nvPr>
+            <p:ph type="body" idx="2"/>
+          </p:nvPr>
+        </p:nvSpPr>
+        <p:spPr>
+          <a:xfrm>
+            <a:off x="575035" y="3429000"/>
+            <a:ext cx="8229600" cy="2707849"/>
+          </a:xfrm>
+        </p:spPr>
+        <p:txBody>
+          <a:bodyPr/>
+          <a:lstStyle/>
+          <a:p>
+            <a:pPr eaLnBrk="1" hangingPunct="1"/>
+            <a:r>
+              <a:rPr lang="en-US" altLang="en-US" sz="2000" dirty="0"/>
+              <a:t>To pass arguments to a </a:t>
+            </a:r>
+            <a:r>
+              <a:rPr lang="en-US" altLang="en-US" sz="2000" dirty="0" err="1">
+                <a:latin typeface="Courier New" panose="02070309020205020404" pitchFamily="49" charset="0"/>
+                <a:cs typeface="Courier New" panose="02070309020205020404" pitchFamily="49" charset="0"/>
+              </a:rPr>
+              <a:t>Func</a:t>
+            </a:r>
+            <a:r>
+              <a:rPr lang="en-US" altLang="en-US" sz="2000" dirty="0"/>
+              <a:t> delegate you must specify the data type of each of the delegate’s parameters and the data type of the value being returned from the delegate</a:t>
+            </a:r>
+          </a:p>
+          <a:p>
+            <a:pPr eaLnBrk="1" hangingPunct="1"/>
+            <a:r>
+              <a:rPr lang="en-US" altLang="en-US" sz="2000" dirty="0"/>
+              <a:t>The following example creates a </a:t>
+            </a:r>
+            <a:r>
+              <a:rPr lang="en-US" altLang="en-US" sz="2000" dirty="0" err="1">
+                <a:latin typeface="Courier New" panose="02070309020205020404" pitchFamily="49" charset="0"/>
+                <a:cs typeface="Courier New" panose="02070309020205020404" pitchFamily="49" charset="0"/>
+              </a:rPr>
+              <a:t>Func</a:t>
+            </a:r>
+            <a:r>
+              <a:rPr lang="en-US" altLang="en-US" sz="2000" dirty="0"/>
+              <a:t> delegate that returns a </a:t>
+            </a:r>
+            <a:r>
+              <a:rPr lang="en-US" altLang="en-US" sz="2000" dirty="0">
+                <a:latin typeface="Courier New" panose="02070309020205020404" pitchFamily="49" charset="0"/>
+                <a:cs typeface="Courier New" panose="02070309020205020404" pitchFamily="49" charset="0"/>
+              </a:rPr>
+              <a:t>double</a:t>
+            </a:r>
+            <a:r>
+              <a:rPr lang="en-US" altLang="en-US" sz="2000" dirty="0"/>
+              <a:t> and has one </a:t>
+            </a:r>
+            <a:r>
+              <a:rPr lang="en-US" altLang="en-US" sz="2000" dirty="0">
+                <a:latin typeface="Courier New" panose="02070309020205020404" pitchFamily="49" charset="0"/>
+                <a:cs typeface="Courier New" panose="02070309020205020404" pitchFamily="49" charset="0"/>
+              </a:rPr>
+              <a:t>int</a:t>
+            </a:r>
+            <a:r>
+              <a:rPr lang="en-US" altLang="en-US" sz="2000" dirty="0"/>
+              <a:t> parameter:</a:t>
+            </a:r>
+          </a:p>
+          <a:p>
+            <a:pPr marL="486918" lvl="1" indent="0">
+              <a:buNone/>
+            </a:pPr>
+            <a:r>
+              <a:rPr lang="en-US" altLang="en-US" sz="1800" dirty="0" err="1">
+                <a:latin typeface="Courier New" panose="02070309020205020404" pitchFamily="49" charset="0"/>
+                <a:cs typeface="Courier New" panose="02070309020205020404" pitchFamily="49" charset="0"/>
+              </a:rPr>
+              <a:t>Func</a:t>
+            </a:r>
+            <a:r>
+              <a:rPr lang="en-US" altLang="en-US" sz="1800" dirty="0">
+                <a:latin typeface="Courier New" panose="02070309020205020404" pitchFamily="49" charset="0"/>
+                <a:cs typeface="Courier New" panose="02070309020205020404" pitchFamily="49" charset="0"/>
+              </a:rPr>
+              <a:t>&lt;int, double&gt; Half = x =&gt; x * 0.5;</a:t>
+            </a:r>
+          </a:p>
+        </p:txBody>
+      </p:sp>
+    </p:spTree>
+    <p:extLst>
+      <p:ext uri="{BB962C8B-B14F-4D97-AF65-F5344CB8AC3E}">
+        <p14:creationId xmlns:p14="http://schemas.microsoft.com/office/powerpoint/2010/main" val="1802950599"/>
+      </p:ext>
+    </p:extLst>
+  </p:cSld>
+  <p:clrMapOvr>
+    <a:masterClrMapping/>
+  </p:clrMapOvr>
+</p:sld>
+</file>
+
+<file path=ppt/slides/slide19.xml><?xml version="1.0" encoding="utf-8"?>
+<p:sld xmlns:a="http://schemas.openxmlformats.org/drawingml/2006/main" xmlns:r="http://schemas.openxmlformats.org/officeDocument/2006/relationships" xmlns:p="http://schemas.openxmlformats.org/presentationml/2006/main">
+  <p:cSld>
+    <p:spTree>
+      <p:nvGrpSpPr>
+        <p:cNvPr id="1" name=""/>
+        <p:cNvGrpSpPr/>
+        <p:nvPr/>
+      </p:nvGrpSpPr>
+      <p:grpSpPr>
+        <a:xfrm>
+          <a:off x="0" y="0"/>
+          <a:ext cx="0" cy="0"/>
+          <a:chOff x="0" y="0"/>
+          <a:chExt cx="0" cy="0"/>
+        </a:xfrm>
+      </p:grpSpPr>
+      <p:sp>
+        <p:nvSpPr>
+          <p:cNvPr id="2" name="Title 1"/>
+          <p:cNvSpPr>
+            <a:spLocks noGrp="1"/>
+          </p:cNvSpPr>
+          <p:nvPr>
+            <p:ph type="title"/>
+          </p:nvPr>
+        </p:nvSpPr>
+        <p:spPr/>
+        <p:txBody>
+          <a:bodyPr/>
+          <a:lstStyle/>
+          <a:p>
+            <a:r>
+              <a:rPr lang="en-US" dirty="0">
+                <a:latin typeface="Courier New" panose="02070309020205020404" pitchFamily="49" charset="0"/>
+                <a:cs typeface="Courier New" panose="02070309020205020404" pitchFamily="49" charset="0"/>
+              </a:rPr>
+              <a:t>Predicate</a:t>
+            </a:r>
+            <a:r>
+              <a:rPr lang="en-US" dirty="0"/>
+              <a:t> Delegates</a:t>
+            </a:r>
+          </a:p>
+        </p:txBody>
+      </p:sp>
+      <p:sp>
+        <p:nvSpPr>
+          <p:cNvPr id="3" name="Text Placeholder 2"/>
+          <p:cNvSpPr>
+            <a:spLocks noGrp="1"/>
+          </p:cNvSpPr>
+          <p:nvPr>
+            <p:ph type="body" idx="1"/>
+          </p:nvPr>
+        </p:nvSpPr>
+        <p:spPr>
+          <a:xfrm>
+            <a:off x="457200" y="1357534"/>
+            <a:ext cx="8229600" cy="2071466"/>
+          </a:xfrm>
+        </p:spPr>
+        <p:txBody>
+          <a:bodyPr/>
+          <a:lstStyle/>
+          <a:p>
+            <a:pPr eaLnBrk="1" hangingPunct="1"/>
+            <a:r>
+              <a:rPr lang="en-US" altLang="en-US" sz="2000" dirty="0">
+                <a:latin typeface="+mn-lt"/>
+              </a:rPr>
+              <a:t>You can use a </a:t>
+            </a:r>
+            <a:r>
+              <a:rPr lang="en-US" altLang="en-US" sz="2000" b="1" dirty="0">
+                <a:latin typeface="Courier New" panose="02070309020205020404" pitchFamily="49" charset="0"/>
+                <a:cs typeface="Courier New" panose="02070309020205020404" pitchFamily="49" charset="0"/>
+              </a:rPr>
+              <a:t>Predicate</a:t>
+            </a:r>
+            <a:r>
+              <a:rPr lang="en-US" altLang="en-US" sz="2000" b="1" dirty="0">
+                <a:latin typeface="+mn-lt"/>
+              </a:rPr>
+              <a:t> delegate </a:t>
+            </a:r>
+            <a:r>
+              <a:rPr lang="en-US" altLang="en-US" sz="2000" dirty="0">
+                <a:latin typeface="+mn-lt"/>
+              </a:rPr>
+              <a:t>to invoke a method accepts one argument and returns a </a:t>
+            </a:r>
+            <a:r>
+              <a:rPr lang="en-US" altLang="en-US" sz="2000" dirty="0" err="1">
+                <a:latin typeface="Courier New" panose="02070309020205020404" pitchFamily="49" charset="0"/>
+                <a:cs typeface="Courier New" panose="02070309020205020404" pitchFamily="49" charset="0"/>
+              </a:rPr>
+              <a:t>boolean</a:t>
+            </a:r>
+            <a:r>
+              <a:rPr lang="en-US" altLang="en-US" sz="2000" dirty="0">
+                <a:latin typeface="+mn-lt"/>
+              </a:rPr>
+              <a:t> value. </a:t>
+            </a:r>
+          </a:p>
+          <a:p>
+            <a:pPr eaLnBrk="1" hangingPunct="1"/>
+            <a:r>
+              <a:rPr lang="en-US" altLang="en-US" sz="2000" dirty="0">
+                <a:latin typeface="+mn-lt"/>
+              </a:rPr>
+              <a:t>The following example is a </a:t>
+            </a:r>
+            <a:r>
+              <a:rPr lang="en-US" altLang="en-US" sz="2000" dirty="0">
+                <a:latin typeface="Courier New" panose="02070309020205020404" pitchFamily="49" charset="0"/>
+                <a:cs typeface="Courier New" panose="02070309020205020404" pitchFamily="49" charset="0"/>
+              </a:rPr>
+              <a:t>Predicate</a:t>
+            </a:r>
+            <a:r>
+              <a:rPr lang="en-US" altLang="en-US" sz="2000" dirty="0">
+                <a:latin typeface="+mn-lt"/>
+              </a:rPr>
+              <a:t> delegate that has an </a:t>
+            </a:r>
+            <a:r>
+              <a:rPr lang="en-US" altLang="en-US" sz="2000" dirty="0">
+                <a:latin typeface="Courier New" panose="02070309020205020404" pitchFamily="49" charset="0"/>
+                <a:cs typeface="Courier New" panose="02070309020205020404" pitchFamily="49" charset="0"/>
+              </a:rPr>
+              <a:t>int</a:t>
+            </a:r>
+            <a:r>
+              <a:rPr lang="en-US" altLang="en-US" sz="2000" dirty="0">
+                <a:latin typeface="+mn-lt"/>
+              </a:rPr>
+              <a:t> parameter:</a:t>
+            </a:r>
+          </a:p>
+          <a:p>
+            <a:pPr marL="486918" lvl="1" indent="0">
+              <a:buNone/>
+            </a:pPr>
+            <a:r>
+              <a:rPr lang="en-US" altLang="en-US" sz="1800" dirty="0">
+                <a:latin typeface="Courier New" panose="02070309020205020404" pitchFamily="49" charset="0"/>
+                <a:cs typeface="Courier New" panose="02070309020205020404" pitchFamily="49" charset="0"/>
+              </a:rPr>
+              <a:t>Predicate&lt;int&gt; </a:t>
+            </a:r>
+            <a:r>
+              <a:rPr lang="en-US" altLang="en-US" sz="1800" dirty="0" err="1">
+                <a:latin typeface="Courier New" panose="02070309020205020404" pitchFamily="49" charset="0"/>
+                <a:cs typeface="Courier New" panose="02070309020205020404" pitchFamily="49" charset="0"/>
+              </a:rPr>
+              <a:t>IsEven</a:t>
+            </a:r>
+            <a:r>
+              <a:rPr lang="en-US" altLang="en-US" sz="1800" dirty="0">
+                <a:latin typeface="Courier New" panose="02070309020205020404" pitchFamily="49" charset="0"/>
+                <a:cs typeface="Courier New" panose="02070309020205020404" pitchFamily="49" charset="0"/>
+              </a:rPr>
+              <a:t> = x =&gt; x % 2 == 0;</a:t>
+            </a:r>
+          </a:p>
+        </p:txBody>
+      </p:sp>
+      <p:sp>
+        <p:nvSpPr>
+          <p:cNvPr id="4" name="Text Placeholder 3"/>
+          <p:cNvSpPr>
+            <a:spLocks noGrp="1"/>
+          </p:cNvSpPr>
+          <p:nvPr>
+            <p:ph type="body" idx="2"/>
+          </p:nvPr>
+        </p:nvSpPr>
+        <p:spPr>
+          <a:xfrm>
+            <a:off x="575035" y="3429000"/>
+            <a:ext cx="8229600" cy="2707849"/>
+          </a:xfrm>
+        </p:spPr>
+        <p:txBody>
+          <a:bodyPr/>
+          <a:lstStyle/>
+          <a:p>
+            <a:pPr eaLnBrk="1" hangingPunct="1"/>
+            <a:r>
+              <a:rPr lang="en-US" altLang="en-US" sz="2000" dirty="0"/>
+              <a:t>The following shows how to invoke the method:</a:t>
+            </a:r>
+          </a:p>
+          <a:p>
+            <a:pPr marL="486918" lvl="1" indent="0">
+              <a:buNone/>
+            </a:pPr>
+            <a:r>
+              <a:rPr lang="en-US" altLang="en-US" sz="1800" dirty="0">
+                <a:latin typeface="Courier New" panose="02070309020205020404" pitchFamily="49" charset="0"/>
+                <a:cs typeface="Courier New" panose="02070309020205020404" pitchFamily="49" charset="0"/>
+              </a:rPr>
+              <a:t>if (</a:t>
+            </a:r>
+            <a:r>
+              <a:rPr lang="en-US" altLang="en-US" sz="1800" dirty="0" err="1">
+                <a:latin typeface="Courier New" panose="02070309020205020404" pitchFamily="49" charset="0"/>
+                <a:cs typeface="Courier New" panose="02070309020205020404" pitchFamily="49" charset="0"/>
+              </a:rPr>
+              <a:t>IsEven</a:t>
+            </a:r>
+            <a:r>
+              <a:rPr lang="en-US" altLang="en-US" sz="1800" dirty="0">
+                <a:latin typeface="Courier New" panose="02070309020205020404" pitchFamily="49" charset="0"/>
+                <a:cs typeface="Courier New" panose="02070309020205020404" pitchFamily="49" charset="0"/>
+              </a:rPr>
+              <a:t>(num))</a:t>
+            </a:r>
+          </a:p>
+          <a:p>
+            <a:pPr marL="486918" lvl="1" indent="0">
+              <a:buNone/>
+            </a:pPr>
+            <a:r>
+              <a:rPr lang="en-US" altLang="en-US" sz="1800" dirty="0">
+                <a:latin typeface="Courier New" panose="02070309020205020404" pitchFamily="49" charset="0"/>
+                <a:cs typeface="Courier New" panose="02070309020205020404" pitchFamily="49" charset="0"/>
+              </a:rPr>
+              <a:t>     </a:t>
+            </a:r>
+            <a:r>
+              <a:rPr lang="en-US" altLang="en-US" sz="1800" dirty="0" err="1">
+                <a:latin typeface="Courier New" panose="02070309020205020404" pitchFamily="49" charset="0"/>
+                <a:cs typeface="Courier New" panose="02070309020205020404" pitchFamily="49" charset="0"/>
+              </a:rPr>
+              <a:t>MessageBox.Show</a:t>
+            </a:r>
+            <a:r>
+              <a:rPr lang="en-US" altLang="en-US" sz="1800" dirty="0">
+                <a:latin typeface="Courier New" panose="02070309020205020404" pitchFamily="49" charset="0"/>
+                <a:cs typeface="Courier New" panose="02070309020205020404" pitchFamily="49" charset="0"/>
+              </a:rPr>
+              <a:t>("The number is even.");</a:t>
+            </a:r>
+          </a:p>
+        </p:txBody>
+      </p:sp>
+    </p:spTree>
+    <p:extLst>
+      <p:ext uri="{BB962C8B-B14F-4D97-AF65-F5344CB8AC3E}">
+        <p14:creationId xmlns:p14="http://schemas.microsoft.com/office/powerpoint/2010/main" val="546287496"/>
       </p:ext>
     </p:extLst>
   </p:cSld>
@@ -44009,7 +44472,7 @@
                 <a:latin typeface="Courier New" panose="02070309020205020404" pitchFamily="49" charset="0"/>
                 <a:cs typeface="Courier New" panose="02070309020205020404" pitchFamily="49" charset="0"/>
               </a:rPr>
-              <a:t>Private void </a:t>
+              <a:t>private void </a:t>
             </a:r>
             <a:r>
               <a:rPr lang="en-US" altLang="en-US" sz="1800" dirty="0" err="1">
@@ -44121,6 +44584,460 @@
     <p:extLst>
       <p:ext uri="{BB962C8B-B14F-4D97-AF65-F5344CB8AC3E}">
         <p14:creationId xmlns:p14="http://schemas.microsoft.com/office/powerpoint/2010/main" val="3440468036"/>
+      </p:ext>
+    </p:extLst>
+  </p:cSld>
+  <p:clrMapOvr>
+    <a:masterClrMapping/>
+  </p:clrMapOvr>
+</p:sld>
+</file>
+
+<file path=ppt/slides/slide20.xml><?xml version="1.0" encoding="utf-8"?>
+<p:sld xmlns:a="http://schemas.openxmlformats.org/drawingml/2006/main" xmlns:r="http://schemas.openxmlformats.org/officeDocument/2006/relationships" xmlns:p="http://schemas.openxmlformats.org/presentationml/2006/main">
+  <p:cSld>
+    <p:spTree>
+      <p:nvGrpSpPr>
+        <p:cNvPr id="1" name=""/>
+        <p:cNvGrpSpPr/>
+        <p:nvPr/>
+      </p:nvGrpSpPr>
+      <p:grpSpPr>
+        <a:xfrm>
+          <a:off x="0" y="0"/>
+          <a:ext cx="0" cy="0"/>
+          <a:chOff x="0" y="0"/>
+          <a:chExt cx="0" cy="0"/>
+        </a:xfrm>
+      </p:grpSpPr>
+      <p:sp>
+        <p:nvSpPr>
+          <p:cNvPr id="2" name="Title 1"/>
+          <p:cNvSpPr>
+            <a:spLocks noGrp="1"/>
+          </p:cNvSpPr>
+          <p:nvPr>
+            <p:ph type="title"/>
+          </p:nvPr>
+        </p:nvSpPr>
+        <p:spPr>
+          <a:xfrm>
+            <a:off x="551468" y="527901"/>
+            <a:ext cx="8229600" cy="718761"/>
+          </a:xfrm>
+        </p:spPr>
+        <p:txBody>
+          <a:bodyPr/>
+          <a:lstStyle/>
+          <a:p>
+            <a:pPr lvl="0" fontAlgn="base">
+              <a:spcBef>
+                <a:spcPct val="0"/>
+              </a:spcBef>
+              <a:spcAft>
+                <a:spcPct val="0"/>
+              </a:spcAft>
+              <a:buClrTx/>
+            </a:pPr>
+            <a:r>
+              <a:rPr lang="en-US" altLang="en-US" dirty="0">
+                <a:solidFill>
+                  <a:schemeClr val="tx2"/>
+                </a:solidFill>
+                <a:latin typeface="Courier New" panose="02070309020205020404" pitchFamily="49" charset="0"/>
+                <a:ea typeface="+mj-ea"/>
+                <a:cs typeface="Courier New" panose="02070309020205020404" pitchFamily="49" charset="0"/>
+              </a:rPr>
+              <a:t>List</a:t>
+            </a:r>
+            <a:r>
+              <a:rPr lang="en-US" altLang="en-US" dirty="0">
+                <a:solidFill>
+                  <a:schemeClr val="tx2"/>
+                </a:solidFill>
+                <a:latin typeface="Times New Roman" panose="02020603050405020304" pitchFamily="18" charset="0"/>
+                <a:ea typeface="+mj-ea"/>
+                <a:cs typeface="Times New Roman" panose="02020603050405020304" pitchFamily="18" charset="0"/>
+              </a:rPr>
+              <a:t> Methods that Work with Delegates</a:t>
+            </a:r>
+          </a:p>
+        </p:txBody>
+      </p:sp>
+      <p:sp>
+        <p:nvSpPr>
+          <p:cNvPr id="3" name="Content Placeholder 2"/>
+          <p:cNvSpPr>
+            <a:spLocks noGrp="1"/>
+          </p:cNvSpPr>
+          <p:nvPr>
+            <p:ph type="body" idx="1"/>
+          </p:nvPr>
+        </p:nvSpPr>
+        <p:spPr>
+          <a:xfrm>
+            <a:off x="537328" y="1447546"/>
+            <a:ext cx="8229600" cy="2770631"/>
+          </a:xfrm>
+        </p:spPr>
+        <p:txBody>
+          <a:bodyPr/>
+          <a:lstStyle/>
+          <a:p>
+            <a:pPr fontAlgn="base">
+              <a:spcAft>
+                <a:spcPct val="0"/>
+              </a:spcAft>
+              <a:buClr>
+                <a:schemeClr val="tx2"/>
+              </a:buClr>
+              <a:buSzTx/>
+            </a:pPr>
+            <a:r>
+              <a:rPr lang="en-US" altLang="en-US" sz="2200" dirty="0">
+                <a:solidFill>
+                  <a:srgbClr val="000000"/>
+                </a:solidFill>
+                <a:latin typeface="+mn-lt"/>
+                <a:ea typeface="+mn-ea"/>
+              </a:rPr>
+              <a:t>The </a:t>
+            </a:r>
+            <a:r>
+              <a:rPr lang="en-US" altLang="en-US" sz="2200" dirty="0">
+                <a:solidFill>
+                  <a:srgbClr val="000000"/>
+                </a:solidFill>
+                <a:latin typeface="Courier New" panose="02070309020205020404" pitchFamily="49" charset="0"/>
+                <a:ea typeface="+mn-ea"/>
+                <a:cs typeface="Courier New" panose="02070309020205020404" pitchFamily="49" charset="0"/>
+              </a:rPr>
+              <a:t>List</a:t>
+            </a:r>
+            <a:r>
+              <a:rPr lang="en-US" altLang="en-US" sz="2200" dirty="0">
+                <a:solidFill>
+                  <a:srgbClr val="000000"/>
+                </a:solidFill>
+                <a:latin typeface="+mn-lt"/>
+                <a:ea typeface="+mn-ea"/>
+              </a:rPr>
+              <a:t> collection provides several methods that accept a delegate as an argument. </a:t>
+            </a:r>
+          </a:p>
+          <a:p>
+            <a:pPr fontAlgn="base">
+              <a:spcAft>
+                <a:spcPct val="0"/>
+              </a:spcAft>
+              <a:buClr>
+                <a:schemeClr val="tx2"/>
+              </a:buClr>
+              <a:buSzTx/>
+            </a:pPr>
+            <a:r>
+              <a:rPr lang="en-US" altLang="en-US" sz="2200" dirty="0">
+                <a:solidFill>
+                  <a:srgbClr val="000000"/>
+                </a:solidFill>
+                <a:latin typeface="+mn-lt"/>
+                <a:ea typeface="+mn-ea"/>
+              </a:rPr>
+              <a:t>Each of these methods uses the delegate to perform an operation on the elements of the list. </a:t>
+            </a:r>
+            <a:endParaRPr lang="en-US" altLang="en-US" sz="2200" dirty="0">
+              <a:solidFill>
+                <a:srgbClr val="000000"/>
+              </a:solidFill>
+              <a:latin typeface="+mn-lt"/>
+            </a:endParaRPr>
+          </a:p>
+          <a:p>
+            <a:pPr fontAlgn="base">
+              <a:spcAft>
+                <a:spcPct val="0"/>
+              </a:spcAft>
+              <a:buClr>
+                <a:schemeClr val="tx2"/>
+              </a:buClr>
+              <a:buSzTx/>
+            </a:pPr>
+            <a:r>
+              <a:rPr lang="en-US" altLang="en-US" sz="2200" dirty="0">
+                <a:solidFill>
+                  <a:srgbClr val="000000"/>
+                </a:solidFill>
+                <a:latin typeface="+mn-lt"/>
+                <a:ea typeface="+mn-ea"/>
+              </a:rPr>
+              <a:t>Here are a few of the methods that can be used. There are others shown in the textbook. </a:t>
+            </a:r>
+          </a:p>
+          <a:p>
+            <a:pPr lvl="1" fontAlgn="base">
+              <a:spcAft>
+                <a:spcPct val="0"/>
+              </a:spcAft>
+              <a:buClr>
+                <a:schemeClr val="tx2"/>
+              </a:buClr>
+              <a:buSzTx/>
+            </a:pPr>
+            <a:r>
+              <a:rPr lang="en-US" altLang="en-US" sz="1800" dirty="0">
+                <a:solidFill>
+                  <a:srgbClr val="000000"/>
+                </a:solidFill>
+                <a:latin typeface="Courier New" panose="02070309020205020404" pitchFamily="49" charset="0"/>
+                <a:ea typeface="+mn-ea"/>
+                <a:cs typeface="Courier New" panose="02070309020205020404" pitchFamily="49" charset="0"/>
+              </a:rPr>
+              <a:t>Exists</a:t>
+            </a:r>
+            <a:r>
+              <a:rPr lang="en-US" altLang="en-US" sz="1800" dirty="0">
+                <a:solidFill>
+                  <a:srgbClr val="000000"/>
+                </a:solidFill>
+                <a:latin typeface="+mn-lt"/>
+                <a:ea typeface="+mn-ea"/>
+              </a:rPr>
+              <a:t>: determines whether an element exists in the </a:t>
+            </a:r>
+            <a:r>
+              <a:rPr lang="en-US" altLang="en-US" sz="1800" dirty="0">
+                <a:solidFill>
+                  <a:srgbClr val="000000"/>
+                </a:solidFill>
+                <a:latin typeface="Courier New" panose="02070309020205020404" pitchFamily="49" charset="0"/>
+                <a:ea typeface="+mn-ea"/>
+                <a:cs typeface="Courier New" panose="02070309020205020404" pitchFamily="49" charset="0"/>
+              </a:rPr>
+              <a:t>List</a:t>
+            </a:r>
+          </a:p>
+          <a:p>
+            <a:pPr lvl="1" fontAlgn="base">
+              <a:spcAft>
+                <a:spcPct val="0"/>
+              </a:spcAft>
+              <a:buClr>
+                <a:schemeClr val="tx2"/>
+              </a:buClr>
+              <a:buSzTx/>
+            </a:pPr>
+            <a:r>
+              <a:rPr lang="en-US" altLang="en-US" sz="1800" dirty="0">
+                <a:solidFill>
+                  <a:srgbClr val="000000"/>
+                </a:solidFill>
+                <a:latin typeface="Courier New" panose="02070309020205020404" pitchFamily="49" charset="0"/>
+                <a:ea typeface="+mn-ea"/>
+                <a:cs typeface="Courier New" panose="02070309020205020404" pitchFamily="49" charset="0"/>
+              </a:rPr>
+              <a:t>Find: </a:t>
+            </a:r>
+            <a:r>
+              <a:rPr lang="en-US" altLang="en-US" sz="1800" dirty="0">
+                <a:solidFill>
+                  <a:srgbClr val="000000"/>
+                </a:solidFill>
+              </a:rPr>
+              <a:t>finds the first element for which a condition is true</a:t>
+            </a:r>
+            <a:r>
+              <a:rPr lang="en-US" altLang="en-US" sz="1800" dirty="0">
+                <a:solidFill>
+                  <a:srgbClr val="000000"/>
+                </a:solidFill>
+                <a:latin typeface="Courier New" panose="02070309020205020404" pitchFamily="49" charset="0"/>
+                <a:cs typeface="Courier New" panose="02070309020205020404" pitchFamily="49" charset="0"/>
+              </a:rPr>
+              <a:t> </a:t>
+            </a:r>
+          </a:p>
+          <a:p>
+            <a:pPr lvl="1" fontAlgn="base">
+              <a:spcAft>
+                <a:spcPct val="0"/>
+              </a:spcAft>
+              <a:buClr>
+                <a:schemeClr val="tx2"/>
+              </a:buClr>
+              <a:buSzTx/>
+            </a:pPr>
+            <a:r>
+              <a:rPr lang="en-US" altLang="en-US" sz="1800" dirty="0" err="1">
+                <a:solidFill>
+                  <a:srgbClr val="000000"/>
+                </a:solidFill>
+                <a:latin typeface="Courier New" panose="02070309020205020404" pitchFamily="49" charset="0"/>
+                <a:cs typeface="Courier New" panose="02070309020205020404" pitchFamily="49" charset="0"/>
+              </a:rPr>
+              <a:t>FindAll</a:t>
+            </a:r>
+            <a:r>
+              <a:rPr lang="en-US" altLang="en-US" sz="1800" dirty="0">
+                <a:solidFill>
+                  <a:srgbClr val="000000"/>
+                </a:solidFill>
+                <a:latin typeface="Courier New" panose="02070309020205020404" pitchFamily="49" charset="0"/>
+                <a:cs typeface="Courier New" panose="02070309020205020404" pitchFamily="49" charset="0"/>
+              </a:rPr>
+              <a:t>: </a:t>
+            </a:r>
+            <a:r>
+              <a:rPr lang="en-US" altLang="en-US" sz="1800" dirty="0">
+                <a:solidFill>
+                  <a:srgbClr val="000000"/>
+                </a:solidFill>
+              </a:rPr>
+              <a:t>finds all the elements for which a condition is true</a:t>
+            </a:r>
+            <a:r>
+              <a:rPr lang="en-US" altLang="en-US" sz="1800" dirty="0">
+                <a:solidFill>
+                  <a:srgbClr val="000000"/>
+                </a:solidFill>
+                <a:latin typeface="Courier New" panose="02070309020205020404" pitchFamily="49" charset="0"/>
+                <a:cs typeface="Courier New" panose="02070309020205020404" pitchFamily="49" charset="0"/>
+              </a:rPr>
+              <a:t> </a:t>
+            </a:r>
+          </a:p>
+          <a:p>
+            <a:pPr lvl="1" fontAlgn="base">
+              <a:spcAft>
+                <a:spcPct val="0"/>
+              </a:spcAft>
+              <a:buClr>
+                <a:schemeClr val="tx2"/>
+              </a:buClr>
+              <a:buSzTx/>
+            </a:pPr>
+            <a:r>
+              <a:rPr lang="en-US" altLang="en-US" sz="1800" dirty="0" err="1">
+                <a:solidFill>
+                  <a:srgbClr val="000000"/>
+                </a:solidFill>
+                <a:latin typeface="Courier New" panose="02070309020205020404" pitchFamily="49" charset="0"/>
+                <a:cs typeface="Courier New" panose="02070309020205020404" pitchFamily="49" charset="0"/>
+              </a:rPr>
+              <a:t>ForEach</a:t>
+            </a:r>
+            <a:r>
+              <a:rPr lang="en-US" altLang="en-US" sz="1800" dirty="0">
+                <a:solidFill>
+                  <a:srgbClr val="000000"/>
+                </a:solidFill>
+                <a:latin typeface="Courier New" panose="02070309020205020404" pitchFamily="49" charset="0"/>
+                <a:cs typeface="Courier New" panose="02070309020205020404" pitchFamily="49" charset="0"/>
+              </a:rPr>
+              <a:t>: </a:t>
+            </a:r>
+            <a:r>
+              <a:rPr lang="en-US" altLang="en-US" sz="1800" dirty="0">
+                <a:solidFill>
+                  <a:srgbClr val="000000"/>
+                </a:solidFill>
+              </a:rPr>
+              <a:t>performs an action on each element in the </a:t>
+            </a:r>
+            <a:r>
+              <a:rPr lang="en-US" altLang="en-US" sz="1800" dirty="0">
+                <a:solidFill>
+                  <a:srgbClr val="000000"/>
+                </a:solidFill>
+                <a:latin typeface="Courier New" panose="02070309020205020404" pitchFamily="49" charset="0"/>
+                <a:cs typeface="Courier New" panose="02070309020205020404" pitchFamily="49" charset="0"/>
+              </a:rPr>
+              <a:t>List</a:t>
+            </a:r>
+          </a:p>
+          <a:p>
+            <a:pPr lvl="1" fontAlgn="base">
+              <a:spcAft>
+                <a:spcPct val="0"/>
+              </a:spcAft>
+              <a:buClr>
+                <a:schemeClr val="tx2"/>
+              </a:buClr>
+              <a:buSzTx/>
+            </a:pPr>
+            <a:r>
+              <a:rPr lang="en-US" altLang="en-US" sz="1800" dirty="0" err="1">
+                <a:solidFill>
+                  <a:srgbClr val="000000"/>
+                </a:solidFill>
+                <a:latin typeface="Courier New" panose="02070309020205020404" pitchFamily="49" charset="0"/>
+                <a:cs typeface="Courier New" panose="02070309020205020404" pitchFamily="49" charset="0"/>
+              </a:rPr>
+              <a:t>RemoveAll</a:t>
+            </a:r>
+            <a:r>
+              <a:rPr lang="en-US" altLang="en-US" sz="1800" dirty="0">
+                <a:solidFill>
+                  <a:srgbClr val="000000"/>
+                </a:solidFill>
+                <a:latin typeface="Courier New" panose="02070309020205020404" pitchFamily="49" charset="0"/>
+                <a:cs typeface="Courier New" panose="02070309020205020404" pitchFamily="49" charset="0"/>
+              </a:rPr>
+              <a:t>: </a:t>
+            </a:r>
+            <a:r>
+              <a:rPr lang="en-US" altLang="en-US" sz="1800" dirty="0">
+                <a:solidFill>
+                  <a:srgbClr val="000000"/>
+                </a:solidFill>
+              </a:rPr>
+              <a:t>removes all elements for which a condition is true</a:t>
+            </a:r>
+            <a:r>
+              <a:rPr lang="en-US" altLang="en-US" sz="1800" dirty="0">
+                <a:solidFill>
+                  <a:srgbClr val="000000"/>
+                </a:solidFill>
+                <a:latin typeface="Courier New" panose="02070309020205020404" pitchFamily="49" charset="0"/>
+                <a:cs typeface="Courier New" panose="02070309020205020404" pitchFamily="49" charset="0"/>
+              </a:rPr>
+              <a:t> </a:t>
+            </a:r>
+            <a:r>
+              <a:rPr lang="en-US" altLang="en-US" sz="1800" dirty="0">
+                <a:solidFill>
+                  <a:srgbClr val="000000"/>
+                </a:solidFill>
+                <a:latin typeface="Courier New" panose="02070309020205020404" pitchFamily="49" charset="0"/>
+                <a:ea typeface="+mn-ea"/>
+                <a:cs typeface="Courier New" panose="02070309020205020404" pitchFamily="49" charset="0"/>
+              </a:rPr>
+              <a:t>	</a:t>
+            </a:r>
+          </a:p>
+          <a:p>
+            <a:pPr fontAlgn="base">
+              <a:spcAft>
+                <a:spcPct val="0"/>
+              </a:spcAft>
+              <a:buClr>
+                <a:schemeClr val="tx2"/>
+              </a:buClr>
+              <a:buSzTx/>
+            </a:pPr>
+            <a:endParaRPr lang="en-US" altLang="en-US" sz="1800" dirty="0">
+              <a:solidFill>
+                <a:srgbClr val="000000"/>
+              </a:solidFill>
+              <a:latin typeface="+mn-lt"/>
+              <a:ea typeface="+mn-ea"/>
+            </a:endParaRPr>
+          </a:p>
+        </p:txBody>
+      </p:sp>
+    </p:spTree>
+    <p:extLst>
+      <p:ext uri="{BB962C8B-B14F-4D97-AF65-F5344CB8AC3E}">
+        <p14:creationId xmlns:p14="http://schemas.microsoft.com/office/powerpoint/2010/main" val="3757574141"/>
       </p:ext>
     </p:extLst>
   </p:cSld>
@@ -44370,7 +45287,27 @@
                 <a:latin typeface="Courier New" panose="02070309020205020404" pitchFamily="49" charset="0"/>
                 <a:cs typeface="Courier New" panose="02070309020205020404" pitchFamily="49" charset="0"/>
               </a:rPr>
-              <a:t> Display = Display(Message);</a:t>
+              <a:t> Display = </a:t>
+            </a:r>
+            <a:r>
+              <a:rPr lang="en-US" altLang="en-US" sz="1800" dirty="0" err="1">
+                <a:solidFill>
+                  <a:srgbClr val="000000"/>
+                </a:solidFill>
+                <a:latin typeface="Courier New" panose="02070309020205020404" pitchFamily="49" charset="0"/>
+                <a:cs typeface="Courier New" panose="02070309020205020404" pitchFamily="49" charset="0"/>
+              </a:rPr>
+              <a:t>DisplayMessage</a:t>
+            </a:r>
+            <a:r>
+              <a:rPr lang="en-US" altLang="en-US" sz="1800" dirty="0">
+                <a:solidFill>
+                  <a:srgbClr val="000000"/>
+                </a:solidFill>
+                <a:latin typeface="Courier New" panose="02070309020205020404" pitchFamily="49" charset="0"/>
+                <a:cs typeface="Courier New" panose="02070309020205020404" pitchFamily="49" charset="0"/>
+              </a:rPr>
+              <a:t>;</a:t>
             </a:r>
           </a:p>
           <a:p>
@@ -44679,251 +45616,318 @@
       </p:grpSpPr>
       <p:sp>
         <p:nvSpPr>
-          <p:cNvPr id="2" name="Title 1"/>
-          <p:cNvSpPr>
-            <a:spLocks noGrp="1"/>
-          </p:cNvSpPr>
-          <p:nvPr>
-            <p:ph type="title"/>
-          </p:nvPr>
-        </p:nvSpPr>
-        <p:spPr/>
-        <p:txBody>
-          <a:bodyPr/>
-          <a:lstStyle/>
-          <a:p>
-            <a:r>
-              <a:rPr lang="en-US" altLang="en-US" dirty="0">
-                <a:solidFill>
-                  <a:schemeClr val="tx2"/>
-                </a:solidFill>
-                <a:latin typeface="Times New Roman" panose="02020603050405020304" pitchFamily="18" charset="0"/>
-                <a:cs typeface="Times New Roman" panose="02020603050405020304" pitchFamily="18" charset="0"/>
-              </a:rPr>
-              <a:t>Working with Delegates</a:t>
-            </a:r>
-            <a:endParaRPr lang="en-US" dirty="0"/>
-          </a:p>
-        </p:txBody>
-      </p:sp>
-      <p:sp>
-        <p:nvSpPr>
-          <p:cNvPr id="3" name="Text Placeholder 2"/>
-          <p:cNvSpPr>
-            <a:spLocks noGrp="1"/>
-          </p:cNvSpPr>
-          <p:nvPr>
-            <p:ph idx="1"/>
-          </p:nvPr>
+          <p:cNvPr id="2" name="TextBox 1">
+            <a:extLst>
+              <a:ext uri="{FF2B5EF4-FFF2-40B4-BE49-F238E27FC236}">
+                <a16:creationId xmlns:a16="http://schemas.microsoft.com/office/drawing/2014/main" id="{53D81286-CC0B-CAF4-32EA-6D5E0CB81445}"/>
+              </a:ext>
+            </a:extLst>
+          </p:cNvPr>
+          <p:cNvSpPr txBox="1"/>
+          <p:nvPr/>
         </p:nvSpPr>
         <p:spPr>
           <a:xfrm>
-            <a:off x="457200" y="1600198"/>
-            <a:ext cx="8229600" cy="4169005"/>
+            <a:off x="1321904" y="1228397"/>
+            <a:ext cx="6500192" cy="4401205"/>
           </a:xfrm>
+          <a:prstGeom prst="rect">
+            <a:avLst/>
+          </a:prstGeom>
+          <a:noFill/>
         </p:spPr>
         <p:txBody>
-          <a:bodyPr/>
+          <a:bodyPr wrap="square" rtlCol="0">
+            <a:spAutoFit/>
+          </a:bodyPr>
           <a:lstStyle/>
           <a:p>
-            <a:pPr marL="432" lvl="0" indent="0" fontAlgn="base">
-              <a:spcBef>
-                <a:spcPts val="600"/>
-              </a:spcBef>
-              <a:spcAft>
-                <a:spcPct val="0"/>
-              </a:spcAft>
-              <a:buNone/>
-            </a:pPr>
-            <a:r>
-              <a:rPr lang="en-US" altLang="en-US" sz="2400" dirty="0">
+            <a:r>
+              <a:rPr lang="en-US" dirty="0">
                 <a:solidFill>
                   <a:srgbClr val="000000"/>
                 </a:solidFill>
-                <a:latin typeface="Arial (Body)"/>
+                <a:latin typeface="Cascadia Mono" panose="020B0609020000020004" pitchFamily="49" charset="0"/>
               </a:rPr>
-              <a:t>Reassigning delegates:</a:t>
-            </a:r>
-          </a:p>
-          <a:p>
-            <a:pPr marL="457632" lvl="0" indent="-457200" fontAlgn="base">
-              <a:spcBef>
-                <a:spcPts val="600"/>
-              </a:spcBef>
-              <a:spcAft>
-                <a:spcPct val="0"/>
-              </a:spcAft>
-              <a:buFont typeface="Arial" panose="020B0604020202020204" pitchFamily="34" charset="0"/>
-              <a:buChar char="•"/>
-            </a:pPr>
-            <a:r>
-              <a:rPr lang="en-US" altLang="en-US" sz="1800" dirty="0">
+              <a:t>    internal class Program</a:t>
+            </a:r>
+          </a:p>
+          <a:p>
+            <a:r>
+              <a:rPr lang="en-US" dirty="0">
                 <a:solidFill>
                   <a:srgbClr val="000000"/>
                 </a:solidFill>
-                <a:latin typeface="Arial (Body)"/>
+                <a:latin typeface="Cascadia Mono" panose="020B0609020000020004" pitchFamily="49" charset="0"/>
               </a:rPr>
-              <a:t>A delegate can be reassigned to another method so long as the method’s return type and parameter list match that of the delegate type.</a:t>
-            </a:r>
-          </a:p>
-          <a:p>
-            <a:pPr marL="432" lvl="0" indent="0" fontAlgn="base">
-              <a:spcBef>
-                <a:spcPts val="600"/>
-              </a:spcBef>
-              <a:spcAft>
-                <a:spcPct val="0"/>
-              </a:spcAft>
-              <a:buNone/>
-            </a:pPr>
-            <a:r>
-              <a:rPr lang="en-US" altLang="en-US" sz="2400" dirty="0">
+              <a:t>    {</a:t>
+            </a:r>
+          </a:p>
+          <a:p>
+            <a:endParaRPr lang="en-US" dirty="0">
+              <a:solidFill>
+                <a:srgbClr val="000000"/>
+              </a:solidFill>
+              <a:latin typeface="Cascadia Mono" panose="020B0609020000020004" pitchFamily="49" charset="0"/>
+            </a:endParaRPr>
+          </a:p>
+          <a:p>
+            <a:r>
+              <a:rPr lang="en-US" dirty="0">
                 <a:solidFill>
                   <a:srgbClr val="000000"/>
                 </a:solidFill>
-                <a:latin typeface="Arial (Body)"/>
+                <a:latin typeface="Cascadia Mono" panose="020B0609020000020004" pitchFamily="49" charset="0"/>
               </a:rPr>
-              <a:t>Passing a delegate to a method:</a:t>
-            </a:r>
-          </a:p>
-          <a:p>
-            <a:pPr marL="457632" lvl="0" indent="-457200" fontAlgn="base">
-              <a:spcBef>
-                <a:spcPts val="600"/>
-              </a:spcBef>
-              <a:spcAft>
-                <a:spcPct val="0"/>
-              </a:spcAft>
-              <a:buFont typeface="Arial" panose="020B0604020202020204" pitchFamily="34" charset="0"/>
-              <a:buChar char="•"/>
-            </a:pPr>
-            <a:r>
-              <a:rPr lang="en-US" altLang="en-US" sz="1800" dirty="0">
+              <a:t>        public delegate void Callback(string message);        </a:t>
+            </a:r>
+          </a:p>
+          <a:p>
+            <a:endParaRPr lang="en-US" dirty="0">
+              <a:solidFill>
+                <a:srgbClr val="000000"/>
+              </a:solidFill>
+              <a:latin typeface="Cascadia Mono" panose="020B0609020000020004" pitchFamily="49" charset="0"/>
+            </a:endParaRPr>
+          </a:p>
+          <a:p>
+            <a:r>
+              <a:rPr lang="en-US" dirty="0">
                 <a:solidFill>
                   <a:srgbClr val="000000"/>
                 </a:solidFill>
-                <a:latin typeface="Arial (Body)"/>
+                <a:latin typeface="Cascadia Mono" panose="020B0609020000020004" pitchFamily="49" charset="0"/>
               </a:rPr>
-              <a:t>Delegates can be passed as arguments to methods</a:t>
-            </a:r>
-          </a:p>
-          <a:p>
-            <a:pPr marL="432" lvl="0" indent="0" fontAlgn="base">
-              <a:spcBef>
-                <a:spcPts val="600"/>
-              </a:spcBef>
-              <a:spcAft>
-                <a:spcPct val="0"/>
-              </a:spcAft>
-              <a:buNone/>
-            </a:pPr>
-            <a:r>
-              <a:rPr lang="en-US" altLang="en-US" sz="2400" dirty="0">
+              <a:t>        static void Main(string[] </a:t>
+            </a:r>
+            <a:r>
+              <a:rPr lang="en-US" dirty="0" err="1">
                 <a:solidFill>
                   <a:srgbClr val="000000"/>
                 </a:solidFill>
-                <a:latin typeface="Arial (Body)"/>
+                <a:latin typeface="Cascadia Mono" panose="020B0609020000020004" pitchFamily="49" charset="0"/>
               </a:rPr>
-              <a:t>Multicast delegates:</a:t>
-            </a:r>
-          </a:p>
-          <a:p>
-            <a:pPr marL="457632" lvl="0" indent="-457200" fontAlgn="base">
-              <a:spcBef>
-                <a:spcPts val="600"/>
-              </a:spcBef>
-              <a:spcAft>
-                <a:spcPct val="0"/>
-              </a:spcAft>
-              <a:buFont typeface="Arial" panose="020B0604020202020204" pitchFamily="34" charset="0"/>
-              <a:buChar char="•"/>
-            </a:pPr>
-            <a:r>
-              <a:rPr lang="en-US" altLang="en-US" sz="1800" dirty="0">
+              <a:t>args</a:t>
+            </a:r>
+            <a:r>
+              <a:rPr lang="en-US" dirty="0">
                 <a:solidFill>
                   <a:srgbClr val="000000"/>
                 </a:solidFill>
-                <a:latin typeface="Arial (Body)"/>
+                <a:latin typeface="Cascadia Mono" panose="020B0609020000020004" pitchFamily="49" charset="0"/>
               </a:rPr>
-              <a:t>A delegate that references multiple methods is known as a </a:t>
-            </a:r>
-            <a:r>
-              <a:rPr lang="en-US" altLang="en-US" sz="1800" b="1" dirty="0">
+              <a:t>)</a:t>
+            </a:r>
+          </a:p>
+          <a:p>
+            <a:r>
+              <a:rPr lang="en-US" dirty="0">
                 <a:solidFill>
                   <a:srgbClr val="000000"/>
                 </a:solidFill>
-                <a:latin typeface="Arial (Body)"/>
+                <a:latin typeface="Cascadia Mono" panose="020B0609020000020004" pitchFamily="49" charset="0"/>
               </a:rPr>
-              <a:t>multicast delegate</a:t>
-            </a:r>
-          </a:p>
-          <a:p>
-            <a:pPr marL="457632" lvl="0" indent="-457200" fontAlgn="base">
-              <a:spcBef>
-                <a:spcPts val="600"/>
-              </a:spcBef>
-              <a:spcAft>
-                <a:spcPct val="0"/>
-              </a:spcAft>
-              <a:buFont typeface="Arial" panose="020B0604020202020204" pitchFamily="34" charset="0"/>
-              <a:buChar char="•"/>
-            </a:pPr>
-            <a:r>
-              <a:rPr lang="en-US" altLang="en-US" sz="1800" dirty="0">
+              <a:t>        {</a:t>
+            </a:r>
+          </a:p>
+          <a:p>
+            <a:r>
+              <a:rPr lang="en-US" dirty="0">
                 <a:solidFill>
                   <a:srgbClr val="000000"/>
                 </a:solidFill>
-                <a:latin typeface="Arial (Body)"/>
+                <a:latin typeface="Cascadia Mono" panose="020B0609020000020004" pitchFamily="49" charset="0"/>
               </a:rPr>
-              <a:t>When a delegate is invoked, each method referenced by the delegate will be executed in the order in which they were added to the delegate</a:t>
-            </a:r>
-          </a:p>
-          <a:p>
-            <a:pPr marL="457632" lvl="0" indent="-457200" fontAlgn="base">
-              <a:spcBef>
-                <a:spcPts val="600"/>
-              </a:spcBef>
-              <a:spcAft>
-                <a:spcPct val="0"/>
-              </a:spcAft>
-              <a:buFont typeface="Arial" panose="020B0604020202020204" pitchFamily="34" charset="0"/>
-              <a:buChar char="•"/>
-            </a:pPr>
-            <a:r>
-              <a:rPr lang="en-US" altLang="en-US" sz="1800" dirty="0">
+              <a:t>            // Instantiate the delegate.</a:t>
+            </a:r>
+          </a:p>
+          <a:p>
+            <a:r>
+              <a:rPr lang="en-US" dirty="0">
                 <a:solidFill>
                   <a:srgbClr val="000000"/>
                 </a:solidFill>
-                <a:latin typeface="Arial (Body)"/>
+                <a:latin typeface="Cascadia Mono" panose="020B0609020000020004" pitchFamily="49" charset="0"/>
               </a:rPr>
-              <a:t>The </a:t>
-            </a:r>
-            <a:r>
-              <a:rPr lang="en-US" altLang="en-US" sz="1800" dirty="0">
+              <a:t>            Callback handler = </a:t>
+            </a:r>
+            <a:r>
+              <a:rPr lang="en-US" dirty="0" err="1">
                 <a:solidFill>
                   <a:srgbClr val="000000"/>
                 </a:solidFill>
-                <a:latin typeface="Courier New" panose="02070309020205020404" pitchFamily="49" charset="0"/>
-                <a:cs typeface="Courier New" panose="02070309020205020404" pitchFamily="49" charset="0"/>
+                <a:latin typeface="Cascadia Mono" panose="020B0609020000020004" pitchFamily="49" charset="0"/>
               </a:rPr>
-              <a:t>+=</a:t>
-            </a:r>
-            <a:r>
-              <a:rPr lang="en-US" altLang="en-US" sz="1800" dirty="0">
+              <a:t>DelegateMethod</a:t>
+            </a:r>
+            <a:r>
+              <a:rPr lang="en-US" dirty="0">
                 <a:solidFill>
                   <a:srgbClr val="000000"/>
                 </a:solidFill>
-                <a:latin typeface="Arial (Body)"/>
+                <a:latin typeface="Cascadia Mono" panose="020B0609020000020004" pitchFamily="49" charset="0"/>
               </a:rPr>
-              <a:t> operator is used to add a method to a delegate</a:t>
-            </a:r>
+              <a:t>;</a:t>
+            </a:r>
+          </a:p>
+          <a:p>
+            <a:endParaRPr lang="en-US" dirty="0">
+              <a:solidFill>
+                <a:srgbClr val="000000"/>
+              </a:solidFill>
+              <a:latin typeface="Cascadia Mono" panose="020B0609020000020004" pitchFamily="49" charset="0"/>
+            </a:endParaRPr>
+          </a:p>
+          <a:p>
+            <a:r>
+              <a:rPr lang="en-US" dirty="0">
+                <a:solidFill>
+                  <a:srgbClr val="000000"/>
+                </a:solidFill>
+                <a:latin typeface="Cascadia Mono" panose="020B0609020000020004" pitchFamily="49" charset="0"/>
+              </a:rPr>
+              <a:t>            // Call the delegate.</a:t>
+            </a:r>
+          </a:p>
+          <a:p>
+            <a:r>
+              <a:rPr lang="en-US" dirty="0">
+                <a:solidFill>
+                  <a:srgbClr val="000000"/>
+                </a:solidFill>
+                <a:latin typeface="Cascadia Mono" panose="020B0609020000020004" pitchFamily="49" charset="0"/>
+              </a:rPr>
+              <a:t>            handler("Hello World");</a:t>
+            </a:r>
+          </a:p>
+          <a:p>
+            <a:r>
+              <a:rPr lang="en-US" dirty="0">
+                <a:solidFill>
+                  <a:srgbClr val="000000"/>
+                </a:solidFill>
+                <a:latin typeface="Cascadia Mono" panose="020B0609020000020004" pitchFamily="49" charset="0"/>
+              </a:rPr>
+              <a:t>        }</a:t>
+            </a:r>
+          </a:p>
+          <a:p>
+            <a:endParaRPr lang="en-US" dirty="0">
+              <a:solidFill>
+                <a:srgbClr val="000000"/>
+              </a:solidFill>
+              <a:latin typeface="Cascadia Mono" panose="020B0609020000020004" pitchFamily="49" charset="0"/>
+            </a:endParaRPr>
+          </a:p>
+          <a:p>
+            <a:r>
+              <a:rPr lang="en-US" dirty="0">
+                <a:solidFill>
+                  <a:srgbClr val="000000"/>
+                </a:solidFill>
+                <a:latin typeface="Cascadia Mono" panose="020B0609020000020004" pitchFamily="49" charset="0"/>
+              </a:rPr>
+              <a:t>        // Create a method for a delegate.</a:t>
+            </a:r>
+          </a:p>
+          <a:p>
+            <a:r>
+              <a:rPr lang="en-US" dirty="0">
+                <a:solidFill>
+                  <a:srgbClr val="000000"/>
+                </a:solidFill>
+                <a:latin typeface="Cascadia Mono" panose="020B0609020000020004" pitchFamily="49" charset="0"/>
+              </a:rPr>
+              <a:t>        public static void </a:t>
+            </a:r>
+            <a:r>
+              <a:rPr lang="en-US" dirty="0" err="1">
+                <a:solidFill>
+                  <a:srgbClr val="000000"/>
+                </a:solidFill>
+                <a:latin typeface="Cascadia Mono" panose="020B0609020000020004" pitchFamily="49" charset="0"/>
+              </a:rPr>
+              <a:t>DelegateMethod</a:t>
+            </a:r>
+            <a:r>
+              <a:rPr lang="en-US" dirty="0">
+                <a:solidFill>
+                  <a:srgbClr val="000000"/>
+                </a:solidFill>
+                <a:latin typeface="Cascadia Mono" panose="020B0609020000020004" pitchFamily="49" charset="0"/>
+              </a:rPr>
+              <a:t>(string message)</a:t>
+            </a:r>
+          </a:p>
+          <a:p>
+            <a:r>
+              <a:rPr lang="en-US" dirty="0">
+                <a:solidFill>
+                  <a:srgbClr val="000000"/>
+                </a:solidFill>
+                <a:latin typeface="Cascadia Mono" panose="020B0609020000020004" pitchFamily="49" charset="0"/>
+              </a:rPr>
+              <a:t>        {</a:t>
+            </a:r>
+          </a:p>
+          <a:p>
+            <a:r>
+              <a:rPr lang="en-US" dirty="0">
+                <a:solidFill>
+                  <a:srgbClr val="000000"/>
+                </a:solidFill>
+                <a:latin typeface="Cascadia Mono" panose="020B0609020000020004" pitchFamily="49" charset="0"/>
+              </a:rPr>
+              <a:t>            </a:t>
+            </a:r>
+            <a:r>
+              <a:rPr lang="en-US" dirty="0" err="1">
+                <a:solidFill>
+                  <a:srgbClr val="000000"/>
+                </a:solidFill>
+                <a:latin typeface="Cascadia Mono" panose="020B0609020000020004" pitchFamily="49" charset="0"/>
+              </a:rPr>
+              <a:t>Console.WriteLine</a:t>
+            </a:r>
+            <a:r>
+              <a:rPr lang="en-US" dirty="0">
+                <a:solidFill>
+                  <a:srgbClr val="000000"/>
+                </a:solidFill>
+                <a:latin typeface="Cascadia Mono" panose="020B0609020000020004" pitchFamily="49" charset="0"/>
+              </a:rPr>
+              <a:t>(message);</a:t>
+            </a:r>
+          </a:p>
+          <a:p>
+            <a:r>
+              <a:rPr lang="en-US" dirty="0">
+                <a:solidFill>
+                  <a:srgbClr val="000000"/>
+                </a:solidFill>
+                <a:latin typeface="Cascadia Mono" panose="020B0609020000020004" pitchFamily="49" charset="0"/>
+              </a:rPr>
+              <a:t>        }</a:t>
+            </a:r>
+          </a:p>
+          <a:p>
+            <a:r>
+              <a:rPr lang="en-US" dirty="0">
+                <a:solidFill>
+                  <a:srgbClr val="000000"/>
+                </a:solidFill>
+                <a:latin typeface="Cascadia Mono" panose="020B0609020000020004" pitchFamily="49" charset="0"/>
+              </a:rPr>
+              <a:t>    }</a:t>
+            </a:r>
+            <a:endParaRPr lang="en-US" sz="1100" dirty="0"/>
           </a:p>
         </p:txBody>
       </p:sp>
     </p:spTree>
     <p:extLst>
       <p:ext uri="{BB962C8B-B14F-4D97-AF65-F5344CB8AC3E}">
-        <p14:creationId xmlns:p14="http://schemas.microsoft.com/office/powerpoint/2010/main" val="638209756"/>
+        <p14:creationId xmlns:p14="http://schemas.microsoft.com/office/powerpoint/2010/main" val="2784508237"/>
       </p:ext>
     </p:extLst>
   </p:cSld>
@@ -44966,9 +45970,16 @@
           <a:lstStyle/>
           <a:p>
             <a:r>
-              <a:rPr lang="en-US" dirty="0"/>
-              <a:t>Anonymous Methods</a:t>
-            </a:r>
+              <a:rPr lang="en-US" altLang="en-US" dirty="0">
+                <a:solidFill>
+                  <a:schemeClr val="tx2"/>
+                </a:solidFill>
+                <a:latin typeface="Times New Roman" panose="02020603050405020304" pitchFamily="18" charset="0"/>
+                <a:cs typeface="Times New Roman" panose="02020603050405020304" pitchFamily="18" charset="0"/>
+              </a:rPr>
+              <a:t>Working with Delegates</a:t>
+            </a:r>
+            <a:endParaRPr lang="en-US" dirty="0"/>
           </a:p>
         </p:txBody>
       </p:sp>
@@ -44979,327 +45990,209 @@
             <a:spLocks noGrp="1"/>
           </p:cNvSpPr>
           <p:nvPr>
-            <p:ph type="body" idx="1"/>
+            <p:ph idx="1"/>
           </p:nvPr>
         </p:nvSpPr>
         <p:spPr>
           <a:xfrm>
-            <a:off x="457200" y="1600200"/>
-            <a:ext cx="8229600" cy="4498942"/>
+            <a:off x="675860" y="1600198"/>
+            <a:ext cx="8010939" cy="4169005"/>
           </a:xfrm>
         </p:spPr>
         <p:txBody>
           <a:bodyPr/>
           <a:lstStyle/>
           <a:p>
-            <a:pPr lvl="0" fontAlgn="base">
+            <a:pPr marL="432" lvl="0" indent="0" fontAlgn="base">
+              <a:spcBef>
+                <a:spcPts val="600"/>
+              </a:spcBef>
               <a:spcAft>
                 <a:spcPct val="0"/>
               </a:spcAft>
+              <a:buNone/>
             </a:pPr>
             <a:r>
-              <a:rPr lang="en-US" altLang="en-US" sz="2000" dirty="0">
+              <a:rPr lang="en-US" altLang="en-US" sz="2400" dirty="0">
                 <a:solidFill>
                   <a:srgbClr val="000000"/>
                 </a:solidFill>
                 <a:latin typeface="Arial (Body)"/>
               </a:rPr>
-              <a:t>An </a:t>
-            </a:r>
-            <a:r>
-              <a:rPr lang="en-US" altLang="en-US" sz="2000" b="1" dirty="0">
-                <a:solidFill>
-                  <a:srgbClr val="000000"/>
-                </a:solidFill>
-                <a:latin typeface="Arial (Body)"/>
-              </a:rPr>
-              <a:t>anonymous method</a:t>
-            </a:r>
-            <a:r>
-              <a:rPr lang="en-US" altLang="en-US" sz="2000" dirty="0">
-                <a:solidFill>
-                  <a:srgbClr val="000000"/>
-                </a:solidFill>
-                <a:latin typeface="Arial (Body)"/>
-              </a:rPr>
-              <a:t> is a method that has no name</a:t>
-            </a:r>
-          </a:p>
-          <a:p>
-            <a:pPr lvl="0" fontAlgn="base">
+              <a:t>Reassigning delegates:</a:t>
+            </a:r>
+          </a:p>
+          <a:p>
+            <a:pPr marL="457632" lvl="0" indent="-457200" fontAlgn="base">
+              <a:spcBef>
+                <a:spcPts val="600"/>
+              </a:spcBef>
               <a:spcAft>
                 <a:spcPct val="0"/>
               </a:spcAft>
+              <a:buFont typeface="Arial" panose="020B0604020202020204" pitchFamily="34" charset="0"/>
+              <a:buChar char="•"/>
             </a:pPr>
             <a:r>
-              <a:rPr lang="en-US" altLang="en-US" sz="2000" dirty="0">
+              <a:rPr lang="en-US" altLang="en-US" sz="1800" dirty="0">
                 <a:solidFill>
                   <a:srgbClr val="000000"/>
                 </a:solidFill>
                 <a:latin typeface="Arial (Body)"/>
               </a:rPr>
-              <a:t>A delegate can refer to an anonymous method</a:t>
-            </a:r>
-          </a:p>
-          <a:p>
-            <a:pPr lvl="0" fontAlgn="base">
+              <a:t>A delegate can be reassigned to another method so long as the method’s return type and parameter list match that of the delegate type.</a:t>
+            </a:r>
+          </a:p>
+          <a:p>
+            <a:pPr marL="432" lvl="0" indent="0" fontAlgn="base">
+              <a:spcBef>
+                <a:spcPts val="600"/>
+              </a:spcBef>
               <a:spcAft>
                 <a:spcPct val="0"/>
               </a:spcAft>
+              <a:buNone/>
             </a:pPr>
             <a:r>
-              <a:rPr lang="en-US" altLang="en-US" sz="2000" dirty="0">
+              <a:rPr lang="en-US" altLang="en-US" sz="2400" dirty="0">
                 <a:solidFill>
                   <a:srgbClr val="000000"/>
                 </a:solidFill>
                 <a:latin typeface="Arial (Body)"/>
               </a:rPr>
-              <a:t>Given the following delegate type declaration:</a:t>
-            </a:r>
-          </a:p>
-          <a:p>
-            <a:pPr marL="886968" lvl="2" indent="0" fontAlgn="base">
+              <a:t>Passing a delegate to a method:</a:t>
+            </a:r>
+          </a:p>
+          <a:p>
+            <a:pPr marL="457632" lvl="0" indent="-457200" fontAlgn="base">
+              <a:spcBef>
+                <a:spcPts val="600"/>
+              </a:spcBef>
               <a:spcAft>
                 <a:spcPct val="0"/>
               </a:spcAft>
-              <a:buNone/>
+              <a:buFont typeface="Arial" panose="020B0604020202020204" pitchFamily="34" charset="0"/>
+              <a:buChar char="•"/>
             </a:pPr>
             <a:r>
-              <a:rPr lang="en-US" altLang="en-US" dirty="0">
+              <a:rPr lang="en-US" altLang="en-US" sz="1800" dirty="0">
+                <a:solidFill>
+                  <a:srgbClr val="000000"/>
+                </a:solidFill>
+                <a:latin typeface="Arial (Body)"/>
+              </a:rPr>
+              <a:t>Delegates can be passed as arguments to methods</a:t>
+            </a:r>
+          </a:p>
+          <a:p>
+            <a:pPr marL="432" lvl="0" indent="0" fontAlgn="base">
+              <a:spcBef>
+                <a:spcPts val="600"/>
+              </a:spcBef>
+              <a:spcAft>
+                <a:spcPct val="0"/>
+              </a:spcAft>
+              <a:buNone/>
+            </a:pPr>
+            <a:r>
+              <a:rPr lang="en-US" altLang="en-US" sz="2400" dirty="0">
+                <a:solidFill>
+                  <a:srgbClr val="000000"/>
+                </a:solidFill>
+                <a:latin typeface="Arial (Body)"/>
+              </a:rPr>
+              <a:t>Multicast delegates:</a:t>
+            </a:r>
+          </a:p>
+          <a:p>
+            <a:pPr marL="457632" lvl="0" indent="-457200" fontAlgn="base">
+              <a:spcBef>
+                <a:spcPts val="600"/>
+              </a:spcBef>
+              <a:spcAft>
+                <a:spcPct val="0"/>
+              </a:spcAft>
+              <a:buFont typeface="Arial" panose="020B0604020202020204" pitchFamily="34" charset="0"/>
+              <a:buChar char="•"/>
+            </a:pPr>
+            <a:r>
+              <a:rPr lang="en-US" altLang="en-US" sz="1800" dirty="0">
+                <a:solidFill>
+                  <a:srgbClr val="000000"/>
+                </a:solidFill>
+                <a:latin typeface="Arial (Body)"/>
+              </a:rPr>
+              <a:t>A delegate that references multiple methods is known as a </a:t>
+            </a:r>
+            <a:r>
+              <a:rPr lang="en-US" altLang="en-US" sz="1800" b="1" dirty="0">
+                <a:solidFill>
+                  <a:srgbClr val="000000"/>
+                </a:solidFill>
+                <a:latin typeface="Arial (Body)"/>
+              </a:rPr>
+              <a:t>multicast delegate</a:t>
+            </a:r>
+          </a:p>
+          <a:p>
+            <a:pPr marL="457632" lvl="0" indent="-457200" fontAlgn="base">
+              <a:spcBef>
+                <a:spcPts val="600"/>
+              </a:spcBef>
+              <a:spcAft>
+                <a:spcPct val="0"/>
+              </a:spcAft>
+              <a:buFont typeface="Arial" panose="020B0604020202020204" pitchFamily="34" charset="0"/>
+              <a:buChar char="•"/>
+            </a:pPr>
+            <a:r>
+              <a:rPr lang="en-US" altLang="en-US" sz="1800" dirty="0">
+                <a:solidFill>
+                  <a:srgbClr val="000000"/>
+                </a:solidFill>
+                <a:latin typeface="Arial (Body)"/>
+              </a:rPr>
+              <a:t>When a delegate is invoked, each method referenced by the delegate will be executed in the order in which they were added to the delegate</a:t>
+            </a:r>
+          </a:p>
+          <a:p>
+            <a:pPr marL="457632" lvl="0" indent="-457200" fontAlgn="base">
+              <a:spcBef>
+                <a:spcPts val="600"/>
+              </a:spcBef>
+              <a:spcAft>
+                <a:spcPct val="0"/>
+              </a:spcAft>
+              <a:buFont typeface="Arial" panose="020B0604020202020204" pitchFamily="34" charset="0"/>
+              <a:buChar char="•"/>
+            </a:pPr>
+            <a:r>
+              <a:rPr lang="en-US" altLang="en-US" sz="1800" dirty="0">
+                <a:solidFill>
+                  <a:srgbClr val="000000"/>
+                </a:solidFill>
+                <a:latin typeface="Arial (Body)"/>
+              </a:rPr>
+              <a:t>The </a:t>
+            </a:r>
+            <a:r>
+              <a:rPr lang="en-US" altLang="en-US" sz="1800" dirty="0">
                 <a:solidFill>
                   <a:srgbClr val="000000"/>
                 </a:solidFill>
                 <a:latin typeface="Courier New" panose="02070309020205020404" pitchFamily="49" charset="0"/>
                 <a:cs typeface="Courier New" panose="02070309020205020404" pitchFamily="49" charset="0"/>
               </a:rPr>
-              <a:t>delegate void </a:t>
-            </a:r>
-            <a:r>
-              <a:rPr lang="en-US" altLang="en-US" dirty="0" err="1">
-                <a:solidFill>
-                  <a:srgbClr val="000000"/>
-                </a:solidFill>
-                <a:latin typeface="Courier New" panose="02070309020205020404" pitchFamily="49" charset="0"/>
-                <a:cs typeface="Courier New" panose="02070309020205020404" pitchFamily="49" charset="0"/>
-              </a:rPr>
-              <a:t>WorksWithAString</a:t>
-            </a:r>
-            <a:r>
-              <a:rPr lang="en-US" altLang="en-US" dirty="0">
-                <a:solidFill>
-                  <a:srgbClr val="000000"/>
-                </a:solidFill>
-                <a:latin typeface="Courier New" panose="02070309020205020404" pitchFamily="49" charset="0"/>
-                <a:cs typeface="Courier New" panose="02070309020205020404" pitchFamily="49" charset="0"/>
-              </a:rPr>
-              <a:t>(string str);</a:t>
-            </a:r>
-          </a:p>
-          <a:p>
-            <a:pPr marL="0" lvl="0" indent="0" fontAlgn="base">
-              <a:spcAft>
-                <a:spcPct val="0"/>
-              </a:spcAft>
-              <a:buNone/>
-            </a:pPr>
-            <a:r>
-              <a:rPr lang="en-US" altLang="en-US" sz="2000" dirty="0">
+              <a:t>+=</a:t>
+            </a:r>
+            <a:r>
+              <a:rPr lang="en-US" altLang="en-US" sz="1800" dirty="0">
                 <a:solidFill>
                   <a:srgbClr val="000000"/>
                 </a:solidFill>
                 <a:latin typeface="Arial (Body)"/>
               </a:rPr>
-              <a:t>This code creates a delegate that references an anonymous method:</a:t>
-            </a:r>
-          </a:p>
-          <a:p>
-            <a:pPr marL="886968" lvl="2" indent="0" fontAlgn="base">
-              <a:spcAft>
-                <a:spcPct val="0"/>
-              </a:spcAft>
-              <a:buNone/>
-            </a:pPr>
-            <a:r>
-              <a:rPr lang="en-US" altLang="en-US" dirty="0" err="1">
-                <a:solidFill>
-                  <a:srgbClr val="000000"/>
-                </a:solidFill>
-                <a:latin typeface="Courier New" panose="02070309020205020404" pitchFamily="49" charset="0"/>
-                <a:cs typeface="Courier New" panose="02070309020205020404" pitchFamily="49" charset="0"/>
-              </a:rPr>
-              <a:t>WorksWithAString</a:t>
-            </a:r>
-            <a:r>
-              <a:rPr lang="en-US" altLang="en-US" dirty="0">
-                <a:solidFill>
-                  <a:srgbClr val="000000"/>
-                </a:solidFill>
-                <a:latin typeface="Courier New" panose="02070309020205020404" pitchFamily="49" charset="0"/>
-                <a:cs typeface="Courier New" panose="02070309020205020404" pitchFamily="49" charset="0"/>
-              </a:rPr>
-              <a:t> Display = delegate(string str)</a:t>
-            </a:r>
-          </a:p>
-          <a:p>
-            <a:pPr marL="886968" lvl="2" indent="0" fontAlgn="base">
-              <a:spcBef>
-                <a:spcPts val="0"/>
-              </a:spcBef>
-              <a:spcAft>
-                <a:spcPct val="0"/>
-              </a:spcAft>
-              <a:buNone/>
-            </a:pPr>
-            <a:r>
-              <a:rPr lang="en-US" altLang="en-US" dirty="0">
-                <a:solidFill>
-                  <a:srgbClr val="000000"/>
-                </a:solidFill>
-                <a:latin typeface="Courier New" panose="02070309020205020404" pitchFamily="49" charset="0"/>
-                <a:cs typeface="Courier New" panose="02070309020205020404" pitchFamily="49" charset="0"/>
-              </a:rPr>
-              <a:t>{</a:t>
-            </a:r>
-          </a:p>
-          <a:p>
-            <a:pPr marL="886968" lvl="2" indent="0" fontAlgn="base">
-              <a:spcBef>
-                <a:spcPts val="0"/>
-              </a:spcBef>
-              <a:spcAft>
-                <a:spcPct val="0"/>
-              </a:spcAft>
-              <a:buNone/>
-            </a:pPr>
-            <a:r>
-              <a:rPr lang="en-US" altLang="en-US" dirty="0">
-                <a:solidFill>
-                  <a:srgbClr val="000000"/>
-                </a:solidFill>
-                <a:latin typeface="Courier New" panose="02070309020205020404" pitchFamily="49" charset="0"/>
-                <a:cs typeface="Courier New" panose="02070309020205020404" pitchFamily="49" charset="0"/>
-              </a:rPr>
-              <a:t>    </a:t>
-            </a:r>
-            <a:r>
-              <a:rPr lang="en-US" altLang="en-US" dirty="0" err="1">
-                <a:solidFill>
-                  <a:srgbClr val="000000"/>
-                </a:solidFill>
-                <a:latin typeface="Courier New" panose="02070309020205020404" pitchFamily="49" charset="0"/>
-                <a:cs typeface="Courier New" panose="02070309020205020404" pitchFamily="49" charset="0"/>
-              </a:rPr>
-              <a:t>MessageBox.Show</a:t>
-            </a:r>
-            <a:r>
-              <a:rPr lang="en-US" altLang="en-US" dirty="0">
-                <a:solidFill>
-                  <a:srgbClr val="000000"/>
-                </a:solidFill>
-                <a:latin typeface="Courier New" panose="02070309020205020404" pitchFamily="49" charset="0"/>
-                <a:cs typeface="Courier New" panose="02070309020205020404" pitchFamily="49" charset="0"/>
-              </a:rPr>
-              <a:t>(str);</a:t>
-            </a:r>
-          </a:p>
-          <a:p>
-            <a:pPr marL="886968" lvl="2" indent="0" fontAlgn="base">
-              <a:spcBef>
-                <a:spcPts val="0"/>
-              </a:spcBef>
-              <a:spcAft>
-                <a:spcPct val="0"/>
-              </a:spcAft>
-              <a:buNone/>
-            </a:pPr>
-            <a:r>
-              <a:rPr lang="en-US" altLang="en-US" dirty="0">
-                <a:solidFill>
-                  <a:srgbClr val="000000"/>
-                </a:solidFill>
-                <a:latin typeface="Courier New" panose="02070309020205020404" pitchFamily="49" charset="0"/>
-                <a:cs typeface="Courier New" panose="02070309020205020404" pitchFamily="49" charset="0"/>
-              </a:rPr>
-              <a:t>}</a:t>
-            </a:r>
-          </a:p>
-          <a:p>
-            <a:pPr marL="0" indent="0" fontAlgn="base">
-              <a:spcBef>
-                <a:spcPts val="0"/>
-              </a:spcBef>
-              <a:spcAft>
-                <a:spcPct val="0"/>
-              </a:spcAft>
-              <a:buNone/>
-            </a:pPr>
-            <a:r>
-              <a:rPr lang="en-US" altLang="en-US" sz="2000" dirty="0">
-                <a:solidFill>
-                  <a:srgbClr val="000000"/>
-                </a:solidFill>
-                <a:latin typeface="Arial (Body)"/>
-              </a:rPr>
-              <a:t>This statement uses the</a:t>
-            </a:r>
-            <a:r>
-              <a:rPr lang="en-US" altLang="en-US" sz="2000" dirty="0">
-                <a:solidFill>
-                  <a:srgbClr val="000000"/>
-                </a:solidFill>
-                <a:latin typeface="Courier New" panose="02070309020205020404" pitchFamily="49" charset="0"/>
-                <a:cs typeface="Courier New" panose="02070309020205020404" pitchFamily="49" charset="0"/>
-              </a:rPr>
-              <a:t> Display </a:t>
-            </a:r>
-            <a:r>
-              <a:rPr lang="en-US" altLang="en-US" sz="2000" dirty="0">
-                <a:solidFill>
-                  <a:srgbClr val="000000"/>
-                </a:solidFill>
-                <a:latin typeface="Arial (Body)"/>
-              </a:rPr>
-              <a:t>delegate to call the anonymous method, passing in a </a:t>
-            </a:r>
-            <a:r>
-              <a:rPr lang="en-US" altLang="en-US" sz="2000" dirty="0">
-                <a:solidFill>
-                  <a:srgbClr val="000000"/>
-                </a:solidFill>
-                <a:latin typeface="Courier New" panose="02070309020205020404" pitchFamily="49" charset="0"/>
-                <a:cs typeface="Courier New" panose="02070309020205020404" pitchFamily="49" charset="0"/>
-              </a:rPr>
-              <a:t>string</a:t>
-            </a:r>
-            <a:r>
-              <a:rPr lang="en-US" altLang="en-US" sz="2000" dirty="0">
-                <a:solidFill>
-                  <a:srgbClr val="000000"/>
-                </a:solidFill>
-                <a:latin typeface="Arial (Body)"/>
-              </a:rPr>
-              <a:t>. The anonymous method displays that string in a message box.</a:t>
-            </a:r>
-          </a:p>
-          <a:p>
-            <a:pPr marL="886968" lvl="2" indent="0" fontAlgn="base">
-              <a:spcBef>
-                <a:spcPts val="1200"/>
-              </a:spcBef>
-              <a:spcAft>
-                <a:spcPct val="0"/>
-              </a:spcAft>
-              <a:buNone/>
-            </a:pPr>
-            <a:r>
-              <a:rPr lang="en-US" altLang="en-US" dirty="0">
-                <a:solidFill>
-                  <a:srgbClr val="000000"/>
-                </a:solidFill>
-                <a:latin typeface="Courier New" panose="02070309020205020404" pitchFamily="49" charset="0"/>
-                <a:cs typeface="Courier New" panose="02070309020205020404" pitchFamily="49" charset="0"/>
-              </a:rPr>
-              <a:t>Display("Calling all anonymous methods!");</a:t>
+              <a:t> operator is used to add a method to a delegate</a:t>
             </a:r>
           </a:p>
         </p:txBody>
@@ -45307,7 +46200,7 @@
     </p:spTree>
     <p:extLst>
       <p:ext uri="{BB962C8B-B14F-4D97-AF65-F5344CB8AC3E}">
-        <p14:creationId xmlns:p14="http://schemas.microsoft.com/office/powerpoint/2010/main" val="1567995128"/>
+        <p14:creationId xmlns:p14="http://schemas.microsoft.com/office/powerpoint/2010/main" val="638209756"/>
       </p:ext>
     </p:extLst>
   </p:cSld>
@@ -45336,317 +46229,397 @@
       </p:grpSpPr>
       <p:sp>
         <p:nvSpPr>
-          <p:cNvPr id="2" name="Title 1"/>
-          <p:cNvSpPr>
-            <a:spLocks noGrp="1"/>
-          </p:cNvSpPr>
-          <p:nvPr>
-            <p:ph type="title"/>
-          </p:nvPr>
-        </p:nvSpPr>
-        <p:spPr/>
-        <p:txBody>
-          <a:bodyPr/>
-          <a:lstStyle/>
-          <a:p>
-            <a:r>
-              <a:rPr lang="en-US" dirty="0">
-                <a:solidFill>
-                  <a:schemeClr val="tx2"/>
-                </a:solidFill>
-                <a:latin typeface="Times New Roman" panose="02020603050405020304" pitchFamily="18" charset="0"/>
-                <a:cs typeface="Times New Roman" panose="02020603050405020304" pitchFamily="18" charset="0"/>
-              </a:rPr>
-              <a:t>Lambda Expressions </a:t>
-            </a:r>
-            <a:r>
-              <a:rPr lang="en-US" sz="2000" b="0" dirty="0">
-                <a:solidFill>
-                  <a:schemeClr val="tx2"/>
-                </a:solidFill>
-                <a:latin typeface="Times New Roman" panose="02020603050405020304" pitchFamily="18" charset="0"/>
-                <a:cs typeface="Times New Roman" panose="02020603050405020304" pitchFamily="18" charset="0"/>
-              </a:rPr>
-              <a:t>(1 of 2)</a:t>
-            </a:r>
-          </a:p>
-        </p:txBody>
-      </p:sp>
-      <p:sp>
-        <p:nvSpPr>
-          <p:cNvPr id="3" name="Content Placeholder 2"/>
-          <p:cNvSpPr>
-            <a:spLocks noGrp="1"/>
-          </p:cNvSpPr>
-          <p:nvPr>
-            <p:ph idx="1"/>
-          </p:nvPr>
+          <p:cNvPr id="2" name="TextBox 1">
+            <a:extLst>
+              <a:ext uri="{FF2B5EF4-FFF2-40B4-BE49-F238E27FC236}">
+                <a16:creationId xmlns:a16="http://schemas.microsoft.com/office/drawing/2014/main" id="{9A69F23D-F08F-43DF-DA06-22FF9B2BAB30}"/>
+              </a:ext>
+            </a:extLst>
+          </p:cNvPr>
+          <p:cNvSpPr txBox="1"/>
+          <p:nvPr/>
         </p:nvSpPr>
         <p:spPr>
           <a:xfrm>
-            <a:off x="457200" y="1600201"/>
-            <a:ext cx="8026924" cy="4454236"/>
+            <a:off x="382657" y="1033671"/>
+            <a:ext cx="8492986" cy="5047536"/>
           </a:xfrm>
+          <a:prstGeom prst="rect">
+            <a:avLst/>
+          </a:prstGeom>
+          <a:noFill/>
         </p:spPr>
         <p:txBody>
-          <a:bodyPr/>
+          <a:bodyPr wrap="square" rtlCol="0">
+            <a:spAutoFit/>
+          </a:bodyPr>
           <a:lstStyle/>
           <a:p>
-            <a:pPr marL="255600" lvl="0" indent="-255600" fontAlgn="base">
-              <a:spcAft>
-                <a:spcPct val="0"/>
-              </a:spcAft>
-              <a:buClr>
-                <a:schemeClr val="tx2"/>
-              </a:buClr>
-              <a:buFont typeface="Arial" panose="020B0604020202020204" pitchFamily="34" charset="0"/>
-              <a:buChar char="•"/>
-            </a:pPr>
-            <a:r>
-              <a:rPr lang="en-US" altLang="en-US" sz="2000" dirty="0">
+            <a:r>
+              <a:rPr lang="en-US" dirty="0">
                 <a:solidFill>
                   <a:srgbClr val="000000"/>
                 </a:solidFill>
-                <a:latin typeface="Arial (Body)"/>
+                <a:latin typeface="Cascadia Mono" panose="020B0609020000020004" pitchFamily="49" charset="0"/>
               </a:rPr>
-              <a:t>A </a:t>
-            </a:r>
-            <a:r>
-              <a:rPr lang="en-US" altLang="en-US" sz="2000" b="1" dirty="0">
+              <a:t>public delegate void Callback(string message); </a:t>
+            </a:r>
+          </a:p>
+          <a:p>
+            <a:endParaRPr lang="en-US" dirty="0">
+              <a:solidFill>
+                <a:srgbClr val="000000"/>
+              </a:solidFill>
+              <a:latin typeface="Cascadia Mono" panose="020B0609020000020004" pitchFamily="49" charset="0"/>
+            </a:endParaRPr>
+          </a:p>
+          <a:p>
+            <a:r>
+              <a:rPr lang="en-US" dirty="0">
                 <a:solidFill>
                   <a:srgbClr val="000000"/>
                 </a:solidFill>
-                <a:latin typeface="Arial (Body)"/>
+                <a:latin typeface="Cascadia Mono" panose="020B0609020000020004" pitchFamily="49" charset="0"/>
               </a:rPr>
-              <a:t>lambda expression </a:t>
-            </a:r>
-            <a:r>
-              <a:rPr lang="en-US" altLang="en-US" sz="2000" dirty="0">
+              <a:t>static void Main(string[] </a:t>
+            </a:r>
+            <a:r>
+              <a:rPr lang="en-US" dirty="0" err="1">
                 <a:solidFill>
                   <a:srgbClr val="000000"/>
                 </a:solidFill>
-                <a:latin typeface="Arial (Body)"/>
+                <a:latin typeface="Cascadia Mono" panose="020B0609020000020004" pitchFamily="49" charset="0"/>
               </a:rPr>
-              <a:t>is a shortcut technique for writing an anonymous method</a:t>
-            </a:r>
-          </a:p>
-          <a:p>
-            <a:pPr marL="255600" lvl="0" indent="-255600" fontAlgn="base">
-              <a:spcAft>
-                <a:spcPct val="0"/>
-              </a:spcAft>
-              <a:buClr>
-                <a:schemeClr val="tx2"/>
-              </a:buClr>
-              <a:buFont typeface="Arial" panose="020B0604020202020204" pitchFamily="34" charset="0"/>
-              <a:buChar char="•"/>
-            </a:pPr>
-            <a:r>
-              <a:rPr lang="en-US" altLang="en-US" sz="2000" dirty="0">
+              <a:t>args</a:t>
+            </a:r>
+            <a:r>
+              <a:rPr lang="en-US" dirty="0">
                 <a:solidFill>
                   <a:srgbClr val="000000"/>
                 </a:solidFill>
-                <a:latin typeface="Arial (Body)"/>
+                <a:latin typeface="Cascadia Mono" panose="020B0609020000020004" pitchFamily="49" charset="0"/>
               </a:rPr>
-              <a:t>The general format is:</a:t>
-            </a:r>
-          </a:p>
-          <a:p>
-            <a:pPr marL="886968" lvl="2" indent="0" fontAlgn="base">
-              <a:spcAft>
-                <a:spcPct val="0"/>
-              </a:spcAft>
-              <a:buClr>
-                <a:schemeClr val="tx2"/>
-              </a:buClr>
-              <a:buNone/>
-            </a:pPr>
-            <a:r>
-              <a:rPr lang="en-US" altLang="en-US" sz="1800" i="1" dirty="0">
+              <a:t>)</a:t>
+            </a:r>
+          </a:p>
+          <a:p>
+            <a:r>
+              <a:rPr lang="en-US" dirty="0">
                 <a:solidFill>
                   <a:srgbClr val="000000"/>
                 </a:solidFill>
-                <a:latin typeface="Courier New" panose="02070309020205020404" pitchFamily="49" charset="0"/>
-                <a:cs typeface="Courier New" panose="02070309020205020404" pitchFamily="49" charset="0"/>
+                <a:latin typeface="Cascadia Mono" panose="020B0609020000020004" pitchFamily="49" charset="0"/>
               </a:rPr>
-              <a:t>parameter</a:t>
-            </a:r>
-            <a:r>
-              <a:rPr lang="en-US" altLang="en-US" sz="1800" dirty="0">
+              <a:t>{</a:t>
+            </a:r>
+          </a:p>
+          <a:p>
+            <a:r>
+              <a:rPr lang="en-US" dirty="0">
                 <a:solidFill>
                   <a:srgbClr val="000000"/>
                 </a:solidFill>
-                <a:latin typeface="Courier New" panose="02070309020205020404" pitchFamily="49" charset="0"/>
-                <a:cs typeface="Courier New" panose="02070309020205020404" pitchFamily="49" charset="0"/>
+                <a:latin typeface="Cascadia Mono" panose="020B0609020000020004" pitchFamily="49" charset="0"/>
               </a:rPr>
-              <a:t> =&gt; </a:t>
-            </a:r>
-            <a:r>
-              <a:rPr lang="en-US" altLang="en-US" sz="1800" i="1" dirty="0">
+              <a:t>    // Instantiate the delegate.</a:t>
+            </a:r>
+          </a:p>
+          <a:p>
+            <a:r>
+              <a:rPr lang="en-US" dirty="0">
                 <a:solidFill>
                   <a:srgbClr val="000000"/>
                 </a:solidFill>
-                <a:latin typeface="Courier New" panose="02070309020205020404" pitchFamily="49" charset="0"/>
-                <a:cs typeface="Courier New" panose="02070309020205020404" pitchFamily="49" charset="0"/>
+                <a:latin typeface="Cascadia Mono" panose="020B0609020000020004" pitchFamily="49" charset="0"/>
               </a:rPr>
-              <a:t>expression</a:t>
-            </a:r>
-          </a:p>
-          <a:p>
-            <a:pPr marL="313182" indent="-342900" fontAlgn="base">
-              <a:spcAft>
-                <a:spcPct val="0"/>
-              </a:spcAft>
-              <a:buClr>
-                <a:schemeClr val="tx2"/>
-              </a:buClr>
-              <a:buFont typeface="Arial" panose="020B0604020202020204" pitchFamily="34" charset="0"/>
-              <a:buChar char="•"/>
-            </a:pPr>
-            <a:r>
-              <a:rPr lang="en-US" altLang="en-US" sz="2000" dirty="0">
+              <a:t>    Callback handler = </a:t>
+            </a:r>
+            <a:r>
+              <a:rPr lang="en-US" dirty="0" err="1">
                 <a:solidFill>
                   <a:srgbClr val="000000"/>
                 </a:solidFill>
-                <a:latin typeface="Arial (Body)"/>
+                <a:latin typeface="Cascadia Mono" panose="020B0609020000020004" pitchFamily="49" charset="0"/>
               </a:rPr>
-              <a:t>The </a:t>
-            </a:r>
-            <a:r>
-              <a:rPr lang="en-US" altLang="en-US" sz="2000" b="1" dirty="0">
+              <a:t>DelegateMethod</a:t>
+            </a:r>
+            <a:r>
+              <a:rPr lang="en-US" dirty="0">
                 <a:solidFill>
                   <a:srgbClr val="000000"/>
                 </a:solidFill>
-                <a:latin typeface="Arial (Body)"/>
+                <a:latin typeface="Cascadia Mono" panose="020B0609020000020004" pitchFamily="49" charset="0"/>
               </a:rPr>
-              <a:t>lambda operator </a:t>
-            </a:r>
-            <a:r>
-              <a:rPr lang="en-US" altLang="en-US" sz="2000" dirty="0">
+              <a:t>;</a:t>
+            </a:r>
+          </a:p>
+          <a:p>
+            <a:r>
+              <a:rPr lang="en-US" dirty="0">
                 <a:solidFill>
                   <a:srgbClr val="000000"/>
                 </a:solidFill>
-                <a:latin typeface="Arial (Body)"/>
+                <a:latin typeface="Cascadia Mono" panose="020B0609020000020004" pitchFamily="49" charset="0"/>
               </a:rPr>
-              <a:t>is </a:t>
-            </a:r>
-            <a:r>
-              <a:rPr lang="en-US" altLang="en-US" sz="2000" dirty="0">
+              <a:t>    // Call the delegate.</a:t>
+            </a:r>
+          </a:p>
+          <a:p>
+            <a:r>
+              <a:rPr lang="en-US" dirty="0">
                 <a:solidFill>
                   <a:srgbClr val="000000"/>
                 </a:solidFill>
-                <a:latin typeface="Courier New" panose="02070309020205020404" pitchFamily="49" charset="0"/>
-                <a:cs typeface="Courier New" panose="02070309020205020404" pitchFamily="49" charset="0"/>
+                <a:latin typeface="Cascadia Mono" panose="020B0609020000020004" pitchFamily="49" charset="0"/>
               </a:rPr>
-              <a:t>=&gt;</a:t>
-            </a:r>
-          </a:p>
-          <a:p>
-            <a:pPr marL="313182" indent="-342900" fontAlgn="base">
-              <a:spcAft>
-                <a:spcPct val="0"/>
-              </a:spcAft>
-              <a:buClr>
-                <a:schemeClr val="tx2"/>
-              </a:buClr>
-              <a:buFont typeface="Arial" panose="020B0604020202020204" pitchFamily="34" charset="0"/>
-              <a:buChar char="•"/>
-            </a:pPr>
-            <a:r>
-              <a:rPr lang="en-US" altLang="en-US" sz="2000" dirty="0">
+              <a:t>    handler("Hello World");</a:t>
+            </a:r>
+          </a:p>
+          <a:p>
+            <a:r>
+              <a:rPr lang="en-US" dirty="0">
                 <a:solidFill>
                   <a:srgbClr val="000000"/>
                 </a:solidFill>
-                <a:latin typeface="Arial (Body)"/>
+                <a:latin typeface="Cascadia Mono" panose="020B0609020000020004" pitchFamily="49" charset="0"/>
               </a:rPr>
-              <a:t>Example: </a:t>
-            </a:r>
-          </a:p>
-          <a:p>
-            <a:pPr marL="886968" lvl="2" indent="0" fontAlgn="base">
-              <a:spcAft>
-                <a:spcPct val="0"/>
-              </a:spcAft>
-              <a:buClr>
-                <a:schemeClr val="tx2"/>
-              </a:buClr>
-              <a:buNone/>
-            </a:pPr>
-            <a:r>
-              <a:rPr lang="en-US" altLang="en-US" sz="1800" dirty="0">
+              <a:t>    // Call a function by passing a delegate</a:t>
+            </a:r>
+          </a:p>
+          <a:p>
+            <a:r>
+              <a:rPr lang="en-US" dirty="0">
                 <a:solidFill>
                   <a:srgbClr val="000000"/>
                 </a:solidFill>
-                <a:latin typeface="Courier New" panose="02070309020205020404" pitchFamily="49" charset="0"/>
-                <a:cs typeface="Courier New" panose="02070309020205020404" pitchFamily="49" charset="0"/>
+                <a:latin typeface="Cascadia Mono" panose="020B0609020000020004" pitchFamily="49" charset="0"/>
               </a:rPr>
-              <a:t>x =&gt; x * x</a:t>
-            </a:r>
-          </a:p>
-          <a:p>
-            <a:pPr marL="0" indent="0" fontAlgn="base">
-              <a:spcAft>
-                <a:spcPct val="0"/>
-              </a:spcAft>
-              <a:buClr>
-                <a:schemeClr val="tx2"/>
-              </a:buClr>
-              <a:buNone/>
-            </a:pPr>
-            <a:r>
-              <a:rPr lang="en-US" altLang="en-US" sz="2000" dirty="0">
+              <a:t>    </a:t>
+            </a:r>
+            <a:r>
+              <a:rPr lang="en-US" dirty="0" err="1">
                 <a:solidFill>
                   <a:srgbClr val="000000"/>
                 </a:solidFill>
-                <a:latin typeface="Arial (Body)"/>
+                <a:latin typeface="Cascadia Mono" panose="020B0609020000020004" pitchFamily="49" charset="0"/>
               </a:rPr>
-              <a:t>Where the </a:t>
-            </a:r>
-            <a:r>
-              <a:rPr lang="en-US" altLang="en-US" sz="2000" dirty="0">
+              <a:t>MethodWithCallback</a:t>
+            </a:r>
+            <a:r>
+              <a:rPr lang="en-US" dirty="0">
                 <a:solidFill>
                   <a:srgbClr val="000000"/>
                 </a:solidFill>
-                <a:latin typeface="Courier New" panose="02070309020205020404" pitchFamily="49" charset="0"/>
-                <a:cs typeface="Courier New" panose="02070309020205020404" pitchFamily="49" charset="0"/>
+                <a:latin typeface="Cascadia Mono" panose="020B0609020000020004" pitchFamily="49" charset="0"/>
               </a:rPr>
-              <a:t>x</a:t>
-            </a:r>
-            <a:r>
-              <a:rPr lang="en-US" altLang="en-US" sz="2000" dirty="0">
+              <a:t>(1, 2, handler);</a:t>
+            </a:r>
+          </a:p>
+          <a:p>
+            <a:r>
+              <a:rPr lang="en-US" dirty="0">
                 <a:solidFill>
                   <a:srgbClr val="000000"/>
                 </a:solidFill>
-                <a:latin typeface="Arial (Body)"/>
+                <a:latin typeface="Cascadia Mono" panose="020B0609020000020004" pitchFamily="49" charset="0"/>
               </a:rPr>
-              <a:t> to the left of the lambda operator is the name of a parameter variable and the expression to the right of the lambda operator, </a:t>
-            </a:r>
-            <a:r>
-              <a:rPr lang="en-US" altLang="en-US" sz="2000" dirty="0">
+              <a:t>}</a:t>
+            </a:r>
+          </a:p>
+          <a:p>
+            <a:endParaRPr lang="en-US" dirty="0">
+              <a:solidFill>
+                <a:srgbClr val="000000"/>
+              </a:solidFill>
+              <a:latin typeface="Cascadia Mono" panose="020B0609020000020004" pitchFamily="49" charset="0"/>
+            </a:endParaRPr>
+          </a:p>
+          <a:p>
+            <a:r>
+              <a:rPr lang="en-US" dirty="0">
                 <a:solidFill>
                   <a:srgbClr val="000000"/>
                 </a:solidFill>
-                <a:latin typeface="Courier New" panose="02070309020205020404" pitchFamily="49" charset="0"/>
-                <a:cs typeface="Courier New" panose="02070309020205020404" pitchFamily="49" charset="0"/>
+                <a:latin typeface="Cascadia Mono" panose="020B0609020000020004" pitchFamily="49" charset="0"/>
               </a:rPr>
-              <a:t>x * x</a:t>
-            </a:r>
-            <a:r>
-              <a:rPr lang="en-US" altLang="en-US" sz="2000" dirty="0">
+              <a:t>// Create a method for a delegate.</a:t>
+            </a:r>
+          </a:p>
+          <a:p>
+            <a:r>
+              <a:rPr lang="en-US" dirty="0">
                 <a:solidFill>
                   <a:srgbClr val="000000"/>
                 </a:solidFill>
-                <a:latin typeface="Arial (Body)"/>
+                <a:latin typeface="Cascadia Mono" panose="020B0609020000020004" pitchFamily="49" charset="0"/>
               </a:rPr>
-              <a:t>, is the value to be returned</a:t>
-            </a:r>
+              <a:t>public static void </a:t>
+            </a:r>
+            <a:r>
+              <a:rPr lang="en-US" dirty="0" err="1">
+                <a:solidFill>
+                  <a:srgbClr val="000000"/>
+                </a:solidFill>
+                <a:latin typeface="Cascadia Mono" panose="020B0609020000020004" pitchFamily="49" charset="0"/>
+              </a:rPr>
+              <a:t>DelegateMethod</a:t>
+            </a:r>
+            <a:r>
+              <a:rPr lang="en-US" dirty="0">
+                <a:solidFill>
+                  <a:srgbClr val="000000"/>
+                </a:solidFill>
+                <a:latin typeface="Cascadia Mono" panose="020B0609020000020004" pitchFamily="49" charset="0"/>
+              </a:rPr>
+              <a:t>(string message)</a:t>
+            </a:r>
+          </a:p>
+          <a:p>
+            <a:r>
+              <a:rPr lang="en-US" dirty="0">
+                <a:solidFill>
+                  <a:srgbClr val="000000"/>
+                </a:solidFill>
+                <a:latin typeface="Cascadia Mono" panose="020B0609020000020004" pitchFamily="49" charset="0"/>
+              </a:rPr>
+              <a:t>{</a:t>
+            </a:r>
+          </a:p>
+          <a:p>
+            <a:r>
+              <a:rPr lang="en-US" dirty="0">
+                <a:solidFill>
+                  <a:srgbClr val="000000"/>
+                </a:solidFill>
+                <a:latin typeface="Cascadia Mono" panose="020B0609020000020004" pitchFamily="49" charset="0"/>
+              </a:rPr>
+              <a:t>    </a:t>
+            </a:r>
+            <a:r>
+              <a:rPr lang="en-US" dirty="0" err="1">
+                <a:solidFill>
+                  <a:srgbClr val="000000"/>
+                </a:solidFill>
+                <a:latin typeface="Cascadia Mono" panose="020B0609020000020004" pitchFamily="49" charset="0"/>
+              </a:rPr>
+              <a:t>Console.WriteLine</a:t>
+            </a:r>
+            <a:r>
+              <a:rPr lang="en-US" dirty="0">
+                <a:solidFill>
+                  <a:srgbClr val="000000"/>
+                </a:solidFill>
+                <a:latin typeface="Cascadia Mono" panose="020B0609020000020004" pitchFamily="49" charset="0"/>
+              </a:rPr>
+              <a:t>(message);</a:t>
+            </a:r>
+          </a:p>
+          <a:p>
+            <a:r>
+              <a:rPr lang="en-US" dirty="0">
+                <a:solidFill>
+                  <a:srgbClr val="000000"/>
+                </a:solidFill>
+                <a:latin typeface="Cascadia Mono" panose="020B0609020000020004" pitchFamily="49" charset="0"/>
+              </a:rPr>
+              <a:t>}</a:t>
+            </a:r>
+          </a:p>
+          <a:p>
+            <a:endParaRPr lang="en-US" dirty="0">
+              <a:solidFill>
+                <a:srgbClr val="000000"/>
+              </a:solidFill>
+              <a:latin typeface="Cascadia Mono" panose="020B0609020000020004" pitchFamily="49" charset="0"/>
+            </a:endParaRPr>
+          </a:p>
+          <a:p>
+            <a:r>
+              <a:rPr lang="en-US" dirty="0">
+                <a:solidFill>
+                  <a:srgbClr val="000000"/>
+                </a:solidFill>
+                <a:latin typeface="Cascadia Mono" panose="020B0609020000020004" pitchFamily="49" charset="0"/>
+              </a:rPr>
+              <a:t>public static void </a:t>
+            </a:r>
+            <a:r>
+              <a:rPr lang="en-US" dirty="0" err="1">
+                <a:solidFill>
+                  <a:srgbClr val="000000"/>
+                </a:solidFill>
+                <a:latin typeface="Cascadia Mono" panose="020B0609020000020004" pitchFamily="49" charset="0"/>
+              </a:rPr>
+              <a:t>MethodWithCallback</a:t>
+            </a:r>
+            <a:r>
+              <a:rPr lang="en-US" dirty="0">
+                <a:solidFill>
+                  <a:srgbClr val="000000"/>
+                </a:solidFill>
+                <a:latin typeface="Cascadia Mono" panose="020B0609020000020004" pitchFamily="49" charset="0"/>
+              </a:rPr>
+              <a:t>(int param1, int param2, Callback callback)</a:t>
+            </a:r>
+          </a:p>
+          <a:p>
+            <a:r>
+              <a:rPr lang="en-US" dirty="0">
+                <a:solidFill>
+                  <a:srgbClr val="000000"/>
+                </a:solidFill>
+                <a:latin typeface="Cascadia Mono" panose="020B0609020000020004" pitchFamily="49" charset="0"/>
+              </a:rPr>
+              <a:t>{</a:t>
+            </a:r>
+          </a:p>
+          <a:p>
+            <a:r>
+              <a:rPr lang="en-US" dirty="0">
+                <a:solidFill>
+                  <a:srgbClr val="000000"/>
+                </a:solidFill>
+                <a:latin typeface="Cascadia Mono" panose="020B0609020000020004" pitchFamily="49" charset="0"/>
+              </a:rPr>
+              <a:t>    callback("The number is: " + (param1 + param2).</a:t>
+            </a:r>
+            <a:r>
+              <a:rPr lang="en-US" dirty="0" err="1">
+                <a:solidFill>
+                  <a:srgbClr val="000000"/>
+                </a:solidFill>
+                <a:latin typeface="Cascadia Mono" panose="020B0609020000020004" pitchFamily="49" charset="0"/>
+              </a:rPr>
+              <a:t>ToString</a:t>
+            </a:r>
+            <a:r>
+              <a:rPr lang="en-US" dirty="0">
+                <a:solidFill>
+                  <a:srgbClr val="000000"/>
+                </a:solidFill>
+                <a:latin typeface="Cascadia Mono" panose="020B0609020000020004" pitchFamily="49" charset="0"/>
+              </a:rPr>
+              <a:t>());</a:t>
+            </a:r>
+          </a:p>
+          <a:p>
+            <a:r>
+              <a:rPr lang="en-US" dirty="0">
+                <a:solidFill>
+                  <a:srgbClr val="000000"/>
+                </a:solidFill>
+                <a:latin typeface="Cascadia Mono" panose="020B0609020000020004" pitchFamily="49" charset="0"/>
+              </a:rPr>
+              <a:t>}</a:t>
+            </a:r>
+            <a:endParaRPr lang="en-US" dirty="0"/>
           </a:p>
         </p:txBody>
       </p:sp>
     </p:spTree>
     <p:extLst>
       <p:ext uri="{BB962C8B-B14F-4D97-AF65-F5344CB8AC3E}">
-        <p14:creationId xmlns:p14="http://schemas.microsoft.com/office/powerpoint/2010/main" val="3385198555"/>
+        <p14:creationId xmlns:p14="http://schemas.microsoft.com/office/powerpoint/2010/main" val="2566005043"/>
       </p:ext>
     </p:extLst>
   </p:cSld>
@@ -45675,307 +46648,442 @@
       </p:grpSpPr>
       <p:sp>
         <p:nvSpPr>
-          <p:cNvPr id="2" name="Title 1"/>
-          <p:cNvSpPr>
-            <a:spLocks noGrp="1"/>
-          </p:cNvSpPr>
-          <p:nvPr>
-            <p:ph type="title"/>
-          </p:nvPr>
-        </p:nvSpPr>
-        <p:spPr/>
-        <p:txBody>
-          <a:bodyPr/>
-          <a:lstStyle/>
-          <a:p>
-            <a:r>
-              <a:rPr lang="en-US" dirty="0">
-                <a:solidFill>
-                  <a:schemeClr val="tx2"/>
-                </a:solidFill>
-                <a:latin typeface="Times New Roman" panose="02020603050405020304" pitchFamily="18" charset="0"/>
-                <a:cs typeface="Times New Roman" panose="02020603050405020304" pitchFamily="18" charset="0"/>
-              </a:rPr>
-              <a:t>Lambda Expressions </a:t>
-            </a:r>
-            <a:r>
-              <a:rPr lang="en-US" sz="2000" b="0" dirty="0">
-                <a:solidFill>
-                  <a:schemeClr val="tx2"/>
-                </a:solidFill>
-                <a:latin typeface="Times New Roman" panose="02020603050405020304" pitchFamily="18" charset="0"/>
-                <a:cs typeface="Times New Roman" panose="02020603050405020304" pitchFamily="18" charset="0"/>
-              </a:rPr>
-              <a:t>(2 of 2)</a:t>
-            </a:r>
-          </a:p>
-        </p:txBody>
-      </p:sp>
-      <p:sp>
-        <p:nvSpPr>
-          <p:cNvPr id="3" name="Content Placeholder 2"/>
-          <p:cNvSpPr>
-            <a:spLocks noGrp="1"/>
-          </p:cNvSpPr>
-          <p:nvPr>
-            <p:ph idx="1"/>
-          </p:nvPr>
+          <p:cNvPr id="3" name="TextBox 2">
+            <a:extLst>
+              <a:ext uri="{FF2B5EF4-FFF2-40B4-BE49-F238E27FC236}">
+                <a16:creationId xmlns:a16="http://schemas.microsoft.com/office/drawing/2014/main" id="{145E1BFD-260A-4F9F-4334-965A3744154F}"/>
+              </a:ext>
+            </a:extLst>
+          </p:cNvPr>
+          <p:cNvSpPr txBox="1"/>
+          <p:nvPr/>
         </p:nvSpPr>
         <p:spPr>
           <a:xfrm>
-            <a:off x="457200" y="1600201"/>
-            <a:ext cx="8026924" cy="4454236"/>
+            <a:off x="983974" y="538059"/>
+            <a:ext cx="6102626" cy="1754326"/>
           </a:xfrm>
+          <a:prstGeom prst="rect">
+            <a:avLst/>
+          </a:prstGeom>
+          <a:noFill/>
         </p:spPr>
         <p:txBody>
-          <a:bodyPr/>
+          <a:bodyPr wrap="square">
+            <a:spAutoFit/>
+          </a:bodyPr>
           <a:lstStyle/>
           <a:p>
-            <a:pPr marL="255600" lvl="0" indent="-255600" fontAlgn="base">
-              <a:spcAft>
-                <a:spcPct val="0"/>
-              </a:spcAft>
-              <a:buClr>
-                <a:schemeClr val="tx2"/>
-              </a:buClr>
-              <a:buFont typeface="Arial" panose="020B0604020202020204" pitchFamily="34" charset="0"/>
-              <a:buChar char="•"/>
-            </a:pPr>
-            <a:r>
-              <a:rPr lang="en-US" altLang="en-US" sz="2000" dirty="0">
+            <a:r>
+              <a:rPr lang="en-US" sz="1200" dirty="0">
                 <a:solidFill>
                   <a:srgbClr val="000000"/>
                 </a:solidFill>
-                <a:latin typeface="Arial (Body)"/>
+                <a:latin typeface="Cascadia Mono" panose="020B0609020000020004" pitchFamily="49" charset="0"/>
               </a:rPr>
-              <a:t>Example: given the following delegate type declaration:</a:t>
-            </a:r>
-          </a:p>
-          <a:p>
-            <a:pPr marL="886968" lvl="2" indent="0" fontAlgn="base">
-              <a:spcAft>
-                <a:spcPct val="0"/>
-              </a:spcAft>
-              <a:buClr>
-                <a:schemeClr val="tx2"/>
-              </a:buClr>
-              <a:buNone/>
-            </a:pPr>
-            <a:r>
-              <a:rPr lang="en-US" altLang="en-US" sz="1800" dirty="0">
+              <a:t>    public class </a:t>
+            </a:r>
+            <a:r>
+              <a:rPr lang="en-US" sz="1200" dirty="0" err="1">
                 <a:solidFill>
                   <a:srgbClr val="000000"/>
                 </a:solidFill>
-                <a:latin typeface="Courier New" panose="02070309020205020404" pitchFamily="49" charset="0"/>
-                <a:cs typeface="Courier New" panose="02070309020205020404" pitchFamily="49" charset="0"/>
+                <a:latin typeface="Cascadia Mono" panose="020B0609020000020004" pitchFamily="49" charset="0"/>
               </a:rPr>
-              <a:t>delegate int </a:t>
-            </a:r>
-            <a:r>
-              <a:rPr lang="en-US" altLang="en-US" sz="1800" dirty="0" err="1">
+              <a:t>MethodClass</a:t>
+            </a:r>
+            <a:endParaRPr lang="en-US" sz="1200" dirty="0">
+              <a:solidFill>
+                <a:srgbClr val="000000"/>
+              </a:solidFill>
+              <a:latin typeface="Cascadia Mono" panose="020B0609020000020004" pitchFamily="49" charset="0"/>
+            </a:endParaRPr>
+          </a:p>
+          <a:p>
+            <a:r>
+              <a:rPr lang="en-US" sz="1200" dirty="0">
                 <a:solidFill>
                   <a:srgbClr val="000000"/>
                 </a:solidFill>
-                <a:latin typeface="Courier New" panose="02070309020205020404" pitchFamily="49" charset="0"/>
-                <a:cs typeface="Courier New" panose="02070309020205020404" pitchFamily="49" charset="0"/>
+                <a:latin typeface="Cascadia Mono" panose="020B0609020000020004" pitchFamily="49" charset="0"/>
               </a:rPr>
-              <a:t>IntOperation</a:t>
-            </a:r>
-            <a:r>
-              <a:rPr lang="en-US" altLang="en-US" sz="1800" dirty="0">
+              <a:t>    {</a:t>
+            </a:r>
+          </a:p>
+          <a:p>
+            <a:r>
+              <a:rPr lang="en-US" sz="1200" dirty="0">
                 <a:solidFill>
                   <a:srgbClr val="000000"/>
                 </a:solidFill>
-                <a:latin typeface="Courier New" panose="02070309020205020404" pitchFamily="49" charset="0"/>
-                <a:cs typeface="Courier New" panose="02070309020205020404" pitchFamily="49" charset="0"/>
+                <a:latin typeface="Cascadia Mono" panose="020B0609020000020004" pitchFamily="49" charset="0"/>
               </a:rPr>
-              <a:t>(int x);</a:t>
-            </a:r>
-          </a:p>
-          <a:p>
-            <a:pPr marL="313182" indent="-342900" fontAlgn="base">
-              <a:spcAft>
-                <a:spcPct val="0"/>
-              </a:spcAft>
-              <a:buClr>
-                <a:schemeClr val="tx2"/>
-              </a:buClr>
-              <a:buFont typeface="Arial" panose="020B0604020202020204" pitchFamily="34" charset="0"/>
-              <a:buChar char="•"/>
-            </a:pPr>
-            <a:r>
-              <a:rPr lang="en-US" altLang="en-US" sz="2000" dirty="0">
+              <a:t>        public void Method1(string message) {</a:t>
+            </a:r>
+          </a:p>
+          <a:p>
+            <a:r>
+              <a:rPr lang="en-US" sz="1200" dirty="0">
                 <a:solidFill>
                   <a:srgbClr val="000000"/>
                 </a:solidFill>
-                <a:latin typeface="Arial (Body)"/>
+                <a:latin typeface="Cascadia Mono" panose="020B0609020000020004" pitchFamily="49" charset="0"/>
               </a:rPr>
-              <a:t>To create a delegate of the </a:t>
-            </a:r>
-            <a:r>
-              <a:rPr lang="en-US" altLang="en-US" sz="2000" dirty="0" err="1">
+              <a:t>            </a:t>
+            </a:r>
+            <a:r>
+              <a:rPr lang="en-US" sz="1200" dirty="0" err="1">
                 <a:solidFill>
                   <a:srgbClr val="000000"/>
                 </a:solidFill>
-                <a:latin typeface="Courier New" panose="02070309020205020404" pitchFamily="49" charset="0"/>
-                <a:cs typeface="Courier New" panose="02070309020205020404" pitchFamily="49" charset="0"/>
+                <a:latin typeface="Cascadia Mono" panose="020B0609020000020004" pitchFamily="49" charset="0"/>
               </a:rPr>
-              <a:t>IntOperation</a:t>
-            </a:r>
-            <a:r>
-              <a:rPr lang="en-US" altLang="en-US" sz="2000" dirty="0">
+              <a:t>Console.WriteLine</a:t>
+            </a:r>
+            <a:r>
+              <a:rPr lang="en-US" sz="1200" dirty="0">
                 <a:solidFill>
                   <a:srgbClr val="000000"/>
                 </a:solidFill>
-                <a:latin typeface="Courier New" panose="02070309020205020404" pitchFamily="49" charset="0"/>
-                <a:cs typeface="Courier New" panose="02070309020205020404" pitchFamily="49" charset="0"/>
+                <a:latin typeface="Cascadia Mono" panose="020B0609020000020004" pitchFamily="49" charset="0"/>
               </a:rPr>
-              <a:t> </a:t>
-            </a:r>
-            <a:r>
-              <a:rPr lang="en-US" altLang="en-US" sz="2000" dirty="0">
+              <a:t>(message);</a:t>
+            </a:r>
+          </a:p>
+          <a:p>
+            <a:r>
+              <a:rPr lang="en-US" sz="1200" dirty="0">
                 <a:solidFill>
                   <a:srgbClr val="000000"/>
                 </a:solidFill>
-                <a:latin typeface="Arial (Body)"/>
+                <a:latin typeface="Cascadia Mono" panose="020B0609020000020004" pitchFamily="49" charset="0"/>
               </a:rPr>
-              <a:t>type that references a method which returns x squared, you can use a lambda expression to create the delegate: </a:t>
-            </a:r>
-          </a:p>
-          <a:p>
-            <a:pPr marL="886968" lvl="2" indent="0" fontAlgn="base">
-              <a:spcAft>
-                <a:spcPct val="0"/>
-              </a:spcAft>
-              <a:buClr>
-                <a:schemeClr val="tx2"/>
-              </a:buClr>
-              <a:buNone/>
-            </a:pPr>
-            <a:r>
-              <a:rPr lang="en-US" altLang="en-US" sz="1800" dirty="0" err="1">
+              <a:t>        }</a:t>
+            </a:r>
+          </a:p>
+          <a:p>
+            <a:r>
+              <a:rPr lang="en-US" sz="1200" dirty="0">
                 <a:solidFill>
                   <a:srgbClr val="000000"/>
                 </a:solidFill>
-                <a:latin typeface="Courier New" panose="02070309020205020404" pitchFamily="49" charset="0"/>
-                <a:cs typeface="Courier New" panose="02070309020205020404" pitchFamily="49" charset="0"/>
+                <a:latin typeface="Cascadia Mono" panose="020B0609020000020004" pitchFamily="49" charset="0"/>
               </a:rPr>
-              <a:t>IntOperation</a:t>
-            </a:r>
-            <a:r>
-              <a:rPr lang="en-US" altLang="en-US" sz="1800" dirty="0">
+              <a:t>        public void Method2(string message) {</a:t>
+            </a:r>
+          </a:p>
+          <a:p>
+            <a:r>
+              <a:rPr lang="en-US" sz="1200" dirty="0">
                 <a:solidFill>
                   <a:srgbClr val="000000"/>
                 </a:solidFill>
-                <a:latin typeface="Courier New" panose="02070309020205020404" pitchFamily="49" charset="0"/>
-                <a:cs typeface="Courier New" panose="02070309020205020404" pitchFamily="49" charset="0"/>
+                <a:latin typeface="Cascadia Mono" panose="020B0609020000020004" pitchFamily="49" charset="0"/>
               </a:rPr>
-              <a:t> Square = x =&gt; x * x;</a:t>
-            </a:r>
-          </a:p>
-          <a:p>
-            <a:pPr marL="0" indent="0" fontAlgn="base">
-              <a:spcAft>
-                <a:spcPct val="0"/>
-              </a:spcAft>
-              <a:buClr>
-                <a:schemeClr val="tx2"/>
-              </a:buClr>
-              <a:buNone/>
-            </a:pPr>
-            <a:r>
-              <a:rPr lang="en-US" altLang="en-US" sz="2000" dirty="0">
+              <a:t>            </a:t>
+            </a:r>
+            <a:r>
+              <a:rPr lang="en-US" sz="1200" dirty="0" err="1">
                 <a:solidFill>
                   <a:srgbClr val="000000"/>
                 </a:solidFill>
-                <a:latin typeface="Arial (Body)"/>
+                <a:latin typeface="Cascadia Mono" panose="020B0609020000020004" pitchFamily="49" charset="0"/>
               </a:rPr>
-              <a:t>On the right side of the equals sign (</a:t>
-            </a:r>
-            <a:r>
-              <a:rPr lang="en-US" altLang="en-US" sz="2000" dirty="0">
+              <a:t>Console.WriteLine</a:t>
+            </a:r>
+            <a:r>
+              <a:rPr lang="en-US" sz="1200" dirty="0">
                 <a:solidFill>
                   <a:srgbClr val="000000"/>
                 </a:solidFill>
-                <a:latin typeface="Courier New" panose="02070309020205020404" pitchFamily="49" charset="0"/>
-                <a:cs typeface="Courier New" panose="02070309020205020404" pitchFamily="49" charset="0"/>
+                <a:latin typeface="Cascadia Mono" panose="020B0609020000020004" pitchFamily="49" charset="0"/>
               </a:rPr>
-              <a:t>=</a:t>
-            </a:r>
-            <a:r>
-              <a:rPr lang="en-US" altLang="en-US" sz="2000" dirty="0">
+              <a:t>(message);</a:t>
+            </a:r>
+          </a:p>
+          <a:p>
+            <a:r>
+              <a:rPr lang="en-US" sz="1200" dirty="0">
                 <a:solidFill>
                   <a:srgbClr val="000000"/>
                 </a:solidFill>
-                <a:latin typeface="Arial (Body)"/>
+                <a:latin typeface="Cascadia Mono" panose="020B0609020000020004" pitchFamily="49" charset="0"/>
               </a:rPr>
-              <a:t>) an </a:t>
-            </a:r>
-            <a:r>
-              <a:rPr lang="en-US" altLang="en-US" sz="2000" dirty="0" err="1">
+              <a:t>        }</a:t>
+            </a:r>
+          </a:p>
+          <a:p>
+            <a:r>
+              <a:rPr lang="en-US" sz="1200" dirty="0">
                 <a:solidFill>
                   <a:srgbClr val="000000"/>
                 </a:solidFill>
-                <a:latin typeface="Courier New" panose="02070309020205020404" pitchFamily="49" charset="0"/>
-                <a:cs typeface="Courier New" panose="02070309020205020404" pitchFamily="49" charset="0"/>
+                <a:latin typeface="Cascadia Mono" panose="020B0609020000020004" pitchFamily="49" charset="0"/>
               </a:rPr>
-              <a:t>IntOperation</a:t>
-            </a:r>
-            <a:r>
-              <a:rPr lang="en-US" altLang="en-US" sz="2000" dirty="0">
+              <a:t>    }</a:t>
+            </a:r>
+            <a:endParaRPr lang="en-US" sz="1200" dirty="0"/>
+          </a:p>
+        </p:txBody>
+      </p:sp>
+      <p:sp>
+        <p:nvSpPr>
+          <p:cNvPr id="5" name="TextBox 4">
+            <a:extLst>
+              <a:ext uri="{FF2B5EF4-FFF2-40B4-BE49-F238E27FC236}">
+                <a16:creationId xmlns:a16="http://schemas.microsoft.com/office/drawing/2014/main" id="{343F06EC-BF23-10AF-4689-EF5D1DCD978A}"/>
+              </a:ext>
+            </a:extLst>
+          </p:cNvPr>
+          <p:cNvSpPr txBox="1"/>
+          <p:nvPr/>
+        </p:nvSpPr>
+        <p:spPr>
+          <a:xfrm>
+            <a:off x="1272208" y="2818946"/>
+            <a:ext cx="5565913" cy="2893100"/>
+          </a:xfrm>
+          <a:prstGeom prst="rect">
+            <a:avLst/>
+          </a:prstGeom>
+          <a:noFill/>
+        </p:spPr>
+        <p:txBody>
+          <a:bodyPr wrap="square">
+            <a:spAutoFit/>
+          </a:bodyPr>
+          <a:lstStyle/>
+          <a:p>
+            <a:r>
+              <a:rPr lang="en-US" sz="1400" dirty="0">
                 <a:solidFill>
                   <a:srgbClr val="000000"/>
                 </a:solidFill>
-                <a:latin typeface="Arial (Body)"/>
+                <a:latin typeface="Cascadia Mono" panose="020B0609020000020004" pitchFamily="49" charset="0"/>
               </a:rPr>
-              <a:t> delegate named </a:t>
-            </a:r>
-            <a:r>
-              <a:rPr lang="en-US" altLang="en-US" sz="2000" dirty="0">
+              <a:t>var obj = new </a:t>
+            </a:r>
+            <a:r>
+              <a:rPr lang="en-US" sz="1400" dirty="0" err="1">
                 <a:solidFill>
                   <a:srgbClr val="000000"/>
                 </a:solidFill>
-                <a:latin typeface="Courier New" panose="02070309020205020404" pitchFamily="49" charset="0"/>
-                <a:cs typeface="Courier New" panose="02070309020205020404" pitchFamily="49" charset="0"/>
+                <a:latin typeface="Cascadia Mono" panose="020B0609020000020004" pitchFamily="49" charset="0"/>
               </a:rPr>
-              <a:t>Square</a:t>
-            </a:r>
-            <a:r>
-              <a:rPr lang="en-US" altLang="en-US" sz="2000" dirty="0">
+              <a:t>MethodClass</a:t>
+            </a:r>
+            <a:r>
+              <a:rPr lang="en-US" sz="1400" dirty="0">
                 <a:solidFill>
                   <a:srgbClr val="000000"/>
                 </a:solidFill>
-                <a:latin typeface="Arial (Body)"/>
+                <a:latin typeface="Cascadia Mono" panose="020B0609020000020004" pitchFamily="49" charset="0"/>
               </a:rPr>
-              <a:t> is created. </a:t>
-            </a:r>
-          </a:p>
-          <a:p>
-            <a:pPr marL="0" indent="0" fontAlgn="base">
-              <a:spcAft>
-                <a:spcPct val="0"/>
-              </a:spcAft>
-              <a:buClr>
-                <a:schemeClr val="tx2"/>
-              </a:buClr>
-              <a:buNone/>
-            </a:pPr>
-            <a:r>
-              <a:rPr lang="en-US" altLang="en-US" sz="2000" dirty="0">
+              <a:t>();</a:t>
+            </a:r>
+          </a:p>
+          <a:p>
+            <a:r>
+              <a:rPr lang="en-US" sz="1400" dirty="0">
                 <a:solidFill>
                   <a:srgbClr val="000000"/>
                 </a:solidFill>
-                <a:latin typeface="Arial (Body)"/>
+                <a:latin typeface="Cascadia Mono" panose="020B0609020000020004" pitchFamily="49" charset="0"/>
               </a:rPr>
-              <a:t>The lambda expression creates an anonymous method. </a:t>
-            </a:r>
+              <a:t>Callback d1 = obj.Method1;</a:t>
+            </a:r>
+          </a:p>
+          <a:p>
+            <a:r>
+              <a:rPr lang="en-US" sz="1400" dirty="0">
+                <a:solidFill>
+                  <a:srgbClr val="000000"/>
+                </a:solidFill>
+                <a:latin typeface="Cascadia Mono" panose="020B0609020000020004" pitchFamily="49" charset="0"/>
+              </a:rPr>
+              <a:t>Callback d2 = obj.Method2;</a:t>
+            </a:r>
+          </a:p>
+          <a:p>
+            <a:r>
+              <a:rPr lang="en-US" sz="1400" dirty="0">
+                <a:solidFill>
+                  <a:srgbClr val="000000"/>
+                </a:solidFill>
+                <a:latin typeface="Cascadia Mono" panose="020B0609020000020004" pitchFamily="49" charset="0"/>
+              </a:rPr>
+              <a:t>Callback d3 = </a:t>
+            </a:r>
+            <a:r>
+              <a:rPr lang="en-US" sz="1400" dirty="0" err="1">
+                <a:solidFill>
+                  <a:srgbClr val="000000"/>
+                </a:solidFill>
+                <a:latin typeface="Cascadia Mono" panose="020B0609020000020004" pitchFamily="49" charset="0"/>
+              </a:rPr>
+              <a:t>DelegateMethod</a:t>
+            </a:r>
+            <a:r>
+              <a:rPr lang="en-US" sz="1400" dirty="0">
+                <a:solidFill>
+                  <a:srgbClr val="000000"/>
+                </a:solidFill>
+                <a:latin typeface="Cascadia Mono" panose="020B0609020000020004" pitchFamily="49" charset="0"/>
+              </a:rPr>
+              <a:t>;</a:t>
+            </a:r>
+          </a:p>
+          <a:p>
+            <a:endParaRPr lang="en-US" sz="1400" dirty="0">
+              <a:solidFill>
+                <a:srgbClr val="000000"/>
+              </a:solidFill>
+              <a:latin typeface="Cascadia Mono" panose="020B0609020000020004" pitchFamily="49" charset="0"/>
+            </a:endParaRPr>
+          </a:p>
+          <a:p>
+            <a:r>
+              <a:rPr lang="en-US" sz="1400" dirty="0">
+                <a:solidFill>
+                  <a:srgbClr val="000000"/>
+                </a:solidFill>
+                <a:latin typeface="Cascadia Mono" panose="020B0609020000020004" pitchFamily="49" charset="0"/>
+              </a:rPr>
+              <a:t>//Both types of assignment are valid.</a:t>
+            </a:r>
+          </a:p>
+          <a:p>
+            <a:r>
+              <a:rPr lang="en-US" sz="1400" dirty="0">
+                <a:solidFill>
+                  <a:srgbClr val="000000"/>
+                </a:solidFill>
+                <a:latin typeface="Cascadia Mono" panose="020B0609020000020004" pitchFamily="49" charset="0"/>
+              </a:rPr>
+              <a:t>Callback </a:t>
+            </a:r>
+            <a:r>
+              <a:rPr lang="en-US" sz="1400" dirty="0" err="1">
+                <a:solidFill>
+                  <a:srgbClr val="000000"/>
+                </a:solidFill>
+                <a:latin typeface="Cascadia Mono" panose="020B0609020000020004" pitchFamily="49" charset="0"/>
+              </a:rPr>
+              <a:t>allMethodsDelegate</a:t>
+            </a:r>
+            <a:r>
+              <a:rPr lang="en-US" sz="1400" dirty="0">
+                <a:solidFill>
+                  <a:srgbClr val="000000"/>
+                </a:solidFill>
+                <a:latin typeface="Cascadia Mono" panose="020B0609020000020004" pitchFamily="49" charset="0"/>
+              </a:rPr>
+              <a:t> = d1 + d2;</a:t>
+            </a:r>
+          </a:p>
+          <a:p>
+            <a:r>
+              <a:rPr lang="en-US" sz="1400" dirty="0" err="1">
+                <a:solidFill>
+                  <a:srgbClr val="000000"/>
+                </a:solidFill>
+                <a:latin typeface="Cascadia Mono" panose="020B0609020000020004" pitchFamily="49" charset="0"/>
+              </a:rPr>
+              <a:t>allMethodsDelegate</a:t>
+            </a:r>
+            <a:r>
+              <a:rPr lang="en-US" sz="1400" dirty="0">
+                <a:solidFill>
+                  <a:srgbClr val="000000"/>
+                </a:solidFill>
+                <a:latin typeface="Cascadia Mono" panose="020B0609020000020004" pitchFamily="49" charset="0"/>
+              </a:rPr>
+              <a:t> += d3;</a:t>
+            </a:r>
+          </a:p>
+          <a:p>
+            <a:endParaRPr lang="en-US" sz="1400" dirty="0">
+              <a:solidFill>
+                <a:srgbClr val="000000"/>
+              </a:solidFill>
+              <a:latin typeface="Cascadia Mono" panose="020B0609020000020004" pitchFamily="49" charset="0"/>
+            </a:endParaRPr>
+          </a:p>
+          <a:p>
+            <a:r>
+              <a:rPr lang="en-US" sz="1400" dirty="0">
+                <a:solidFill>
+                  <a:srgbClr val="000000"/>
+                </a:solidFill>
+                <a:latin typeface="Cascadia Mono" panose="020B0609020000020004" pitchFamily="49" charset="0"/>
+              </a:rPr>
+              <a:t>d1("d1 is called");</a:t>
+            </a:r>
+          </a:p>
+          <a:p>
+            <a:r>
+              <a:rPr lang="en-US" sz="1400" dirty="0">
+                <a:solidFill>
+                  <a:srgbClr val="000000"/>
+                </a:solidFill>
+                <a:latin typeface="Cascadia Mono" panose="020B0609020000020004" pitchFamily="49" charset="0"/>
+              </a:rPr>
+              <a:t>d2("d2 is called");</a:t>
+            </a:r>
+          </a:p>
+          <a:p>
+            <a:endParaRPr lang="en-US" sz="1400" dirty="0">
+              <a:solidFill>
+                <a:srgbClr val="000000"/>
+              </a:solidFill>
+              <a:latin typeface="Cascadia Mono" panose="020B0609020000020004" pitchFamily="49" charset="0"/>
+            </a:endParaRPr>
+          </a:p>
+          <a:p>
+            <a:r>
+              <a:rPr lang="en-US" sz="1400" dirty="0" err="1">
+                <a:solidFill>
+                  <a:srgbClr val="000000"/>
+                </a:solidFill>
+                <a:latin typeface="Cascadia Mono" panose="020B0609020000020004" pitchFamily="49" charset="0"/>
+              </a:rPr>
+              <a:t>allMethodsDelegate</a:t>
+            </a:r>
+            <a:r>
+              <a:rPr lang="en-US" sz="1400" dirty="0">
+                <a:solidFill>
+                  <a:srgbClr val="000000"/>
+                </a:solidFill>
+                <a:latin typeface="Cascadia Mono" panose="020B0609020000020004" pitchFamily="49" charset="0"/>
+              </a:rPr>
+              <a:t>("</a:t>
+            </a:r>
+            <a:r>
+              <a:rPr lang="en-US" sz="1400" dirty="0" err="1">
+                <a:solidFill>
+                  <a:srgbClr val="000000"/>
+                </a:solidFill>
+                <a:latin typeface="Cascadia Mono" panose="020B0609020000020004" pitchFamily="49" charset="0"/>
+              </a:rPr>
+              <a:t>allMethodsDelegate</a:t>
+            </a:r>
+            <a:r>
+              <a:rPr lang="en-US" sz="1400" dirty="0">
+                <a:solidFill>
+                  <a:srgbClr val="000000"/>
+                </a:solidFill>
+                <a:latin typeface="Cascadia Mono" panose="020B0609020000020004" pitchFamily="49" charset="0"/>
+              </a:rPr>
+              <a:t> is called");</a:t>
+            </a:r>
+            <a:endParaRPr lang="en-US" dirty="0"/>
           </a:p>
         </p:txBody>
       </p:sp>
     </p:spTree>
     <p:extLst>
       <p:ext uri="{BB962C8B-B14F-4D97-AF65-F5344CB8AC3E}">
-        <p14:creationId xmlns:p14="http://schemas.microsoft.com/office/powerpoint/2010/main" val="4245402665"/>
+        <p14:creationId xmlns:p14="http://schemas.microsoft.com/office/powerpoint/2010/main" val="2821558113"/>
       </p:ext>
     </p:extLst>
   </p:cSld>
@@ -46017,203 +47125,341 @@
           <a:bodyPr/>
           <a:lstStyle/>
           <a:p>
+            <a:r>
+              <a:rPr lang="en-US" dirty="0"/>
+              <a:t>Anonymous Methods</a:t>
+            </a:r>
+          </a:p>
+        </p:txBody>
+      </p:sp>
+      <p:sp>
+        <p:nvSpPr>
+          <p:cNvPr id="3" name="Text Placeholder 2"/>
+          <p:cNvSpPr>
+            <a:spLocks noGrp="1"/>
+          </p:cNvSpPr>
+          <p:nvPr>
+            <p:ph type="body" idx="1"/>
+          </p:nvPr>
+        </p:nvSpPr>
+        <p:spPr>
+          <a:xfrm>
+            <a:off x="457200" y="1600200"/>
+            <a:ext cx="8229600" cy="4498942"/>
+          </a:xfrm>
+        </p:spPr>
+        <p:txBody>
+          <a:bodyPr/>
+          <a:lstStyle/>
+          <a:p>
             <a:pPr lvl="0" fontAlgn="base">
-              <a:spcBef>
-                <a:spcPct val="0"/>
-              </a:spcBef>
               <a:spcAft>
                 <a:spcPct val="0"/>
               </a:spcAft>
-              <a:buClrTx/>
             </a:pPr>
             <a:r>
-              <a:rPr lang="en-US" altLang="en-US" dirty="0">
-                <a:solidFill>
-                  <a:schemeClr val="tx2"/>
-                </a:solidFill>
-                <a:latin typeface="Times New Roman" panose="02020603050405020304" pitchFamily="18" charset="0"/>
-                <a:ea typeface="+mj-ea"/>
-                <a:cs typeface="Times New Roman" panose="02020603050405020304" pitchFamily="18" charset="0"/>
+              <a:rPr lang="en-US" altLang="en-US" sz="2000" dirty="0">
+                <a:solidFill>
+                  <a:srgbClr val="000000"/>
+                </a:solidFill>
+                <a:latin typeface="Arial (Body)"/>
               </a:rPr>
-              <a:t>Lambda Expressions with Multiple Parameters</a:t>
-            </a:r>
-          </a:p>
-        </p:txBody>
-      </p:sp>
-      <p:sp>
-        <p:nvSpPr>
-          <p:cNvPr id="3" name="Content Placeholder 2"/>
-          <p:cNvSpPr>
-            <a:spLocks noGrp="1"/>
-          </p:cNvSpPr>
-          <p:nvPr>
-            <p:ph type="body" idx="1"/>
-          </p:nvPr>
-        </p:nvSpPr>
-        <p:spPr>
-          <a:xfrm>
-            <a:off x="457199" y="1600200"/>
-            <a:ext cx="7612145" cy="4370397"/>
-          </a:xfrm>
-        </p:spPr>
-        <p:txBody>
-          <a:bodyPr wrap="square" lIns="91425" tIns="91425" rIns="91425" bIns="91425">
-            <a:spAutoFit/>
-          </a:bodyPr>
-          <a:lstStyle/>
-          <a:p>
-            <a:pPr marL="255600" lvl="0" indent="-255600" fontAlgn="base">
+              <a:t>An </a:t>
+            </a:r>
+            <a:r>
+              <a:rPr lang="en-US" altLang="en-US" sz="2000" b="1" dirty="0">
+                <a:solidFill>
+                  <a:srgbClr val="000000"/>
+                </a:solidFill>
+                <a:latin typeface="Arial (Body)"/>
+              </a:rPr>
+              <a:t>anonymous method</a:t>
+            </a:r>
+            <a:r>
+              <a:rPr lang="en-US" altLang="en-US" sz="2000" dirty="0">
+                <a:solidFill>
+                  <a:srgbClr val="000000"/>
+                </a:solidFill>
+                <a:latin typeface="Arial (Body)"/>
+              </a:rPr>
+              <a:t> is a method that has no name</a:t>
+            </a:r>
+          </a:p>
+          <a:p>
+            <a:pPr lvl="0" fontAlgn="base">
               <a:spcAft>
                 <a:spcPct val="0"/>
               </a:spcAft>
-              <a:buFont typeface="Arial" panose="020B0604020202020204" pitchFamily="34" charset="0"/>
-              <a:buChar char="•"/>
             </a:pPr>
             <a:r>
-              <a:rPr lang="en-US" altLang="en-US" sz="2200" dirty="0">
+              <a:rPr lang="en-US" altLang="en-US" sz="2000" dirty="0">
                 <a:solidFill>
                   <a:srgbClr val="000000"/>
                 </a:solidFill>
                 <a:latin typeface="Arial (Body)"/>
-                <a:ea typeface="+mn-ea"/>
               </a:rPr>
-              <a:t>If a delegate type specifies multiple parameters, any lambda expression used with that delegate must also have multiple parameters. </a:t>
-            </a:r>
-          </a:p>
-          <a:p>
-            <a:pPr marL="255600" lvl="0" indent="-255600" fontAlgn="base">
+              <a:t>A delegate can refer to an anonymous method</a:t>
+            </a:r>
+          </a:p>
+          <a:p>
+            <a:pPr lvl="0" fontAlgn="base">
               <a:spcAft>
                 <a:spcPct val="0"/>
               </a:spcAft>
-              <a:buFont typeface="Arial" panose="020B0604020202020204" pitchFamily="34" charset="0"/>
-              <a:buChar char="•"/>
             </a:pPr>
             <a:r>
-              <a:rPr lang="en-US" altLang="en-US" sz="2200" dirty="0">
+              <a:rPr lang="en-US" altLang="en-US" sz="2000" dirty="0">
                 <a:solidFill>
                   <a:srgbClr val="000000"/>
                 </a:solidFill>
                 <a:latin typeface="Arial (Body)"/>
-                <a:ea typeface="+mn-ea"/>
               </a:rPr>
               <a:t>Given the following delegate type declaration:</a:t>
             </a:r>
           </a:p>
           <a:p>
-            <a:pPr marL="887400" lvl="2" indent="0" fontAlgn="base">
-              <a:spcBef>
-                <a:spcPts val="1200"/>
-              </a:spcBef>
+            <a:pPr marL="886968" lvl="2" indent="0" fontAlgn="base">
               <a:spcAft>
                 <a:spcPct val="0"/>
               </a:spcAft>
               <a:buNone/>
             </a:pPr>
             <a:r>
-              <a:rPr lang="en-US" altLang="en-US" sz="1800" dirty="0">
+              <a:rPr lang="en-US" altLang="en-US" dirty="0">
                 <a:solidFill>
                   <a:srgbClr val="000000"/>
                 </a:solidFill>
                 <a:latin typeface="Courier New" panose="02070309020205020404" pitchFamily="49" charset="0"/>
-                <a:ea typeface="+mn-ea"/>
                 <a:cs typeface="Courier New" panose="02070309020205020404" pitchFamily="49" charset="0"/>
               </a:rPr>
               <a:t>delegate void </a:t>
             </a:r>
             <a:r>
-              <a:rPr lang="en-US" altLang="en-US" sz="1800" dirty="0" err="1">
+              <a:rPr lang="en-US" altLang="en-US" dirty="0" err="1">
                 <a:solidFill>
                   <a:srgbClr val="000000"/>
                 </a:solidFill>
                 <a:latin typeface="Courier New" panose="02070309020205020404" pitchFamily="49" charset="0"/>
-                <a:ea typeface="+mn-ea"/>
                 <a:cs typeface="Courier New" panose="02070309020205020404" pitchFamily="49" charset="0"/>
               </a:rPr>
-              <a:t>IntCalculator</a:t>
-            </a:r>
-            <a:r>
-              <a:rPr lang="en-US" altLang="en-US" sz="1800" dirty="0">
+              <a:t>WorksWithAString</a:t>
+            </a:r>
+            <a:r>
+              <a:rPr lang="en-US" altLang="en-US" dirty="0">
                 <a:solidFill>
                   <a:srgbClr val="000000"/>
                 </a:solidFill>
                 <a:latin typeface="Courier New" panose="02070309020205020404" pitchFamily="49" charset="0"/>
-                <a:ea typeface="+mn-ea"/>
                 <a:cs typeface="Courier New" panose="02070309020205020404" pitchFamily="49" charset="0"/>
               </a:rPr>
-              <a:t>(int a, int b);</a:t>
-            </a:r>
-          </a:p>
-          <a:p>
-            <a:pPr marL="255600" lvl="0" indent="-255600" fontAlgn="base">
+              <a:t>(string str);</a:t>
+            </a:r>
+          </a:p>
+          <a:p>
+            <a:pPr marL="0" lvl="0" indent="0" fontAlgn="base">
               <a:spcAft>
                 <a:spcPct val="0"/>
               </a:spcAft>
-              <a:buFont typeface="Arial" panose="020B0604020202020204" pitchFamily="34" charset="0"/>
-              <a:buChar char="•"/>
+              <a:buNone/>
             </a:pPr>
             <a:r>
-              <a:rPr lang="en-US" altLang="en-US" sz="2200" dirty="0">
+              <a:rPr lang="en-US" altLang="en-US" sz="2000" dirty="0">
                 <a:solidFill>
                   <a:srgbClr val="000000"/>
                 </a:solidFill>
                 <a:latin typeface="Arial (Body)"/>
-                <a:ea typeface="+mn-ea"/>
               </a:rPr>
-              <a:t>Here is how to use more than one parameter in a lambda expression:</a:t>
-            </a:r>
-          </a:p>
-          <a:p>
-            <a:pPr marL="887400" lvl="2" indent="0" fontAlgn="base">
+              <a:t>This code creates a delegate that references an anonymous method:</a:t>
+            </a:r>
+          </a:p>
+          <a:p>
+            <a:pPr marL="886968" lvl="2" indent="0" fontAlgn="base">
               <a:spcAft>
                 <a:spcPct val="0"/>
               </a:spcAft>
               <a:buNone/>
             </a:pPr>
             <a:r>
-              <a:rPr lang="en-US" altLang="en-US" sz="1800" dirty="0" err="1">
+              <a:rPr lang="en-US" altLang="en-US" dirty="0" err="1">
                 <a:solidFill>
                   <a:srgbClr val="000000"/>
                 </a:solidFill>
                 <a:latin typeface="Courier New" panose="02070309020205020404" pitchFamily="49" charset="0"/>
                 <a:cs typeface="Courier New" panose="02070309020205020404" pitchFamily="49" charset="0"/>
               </a:rPr>
-              <a:t>IntCalculator</a:t>
-            </a:r>
-            <a:r>
-              <a:rPr lang="en-US" altLang="en-US" sz="1800" dirty="0">
+              <a:t>WorksWithAString</a:t>
+            </a:r>
+            <a:r>
+              <a:rPr lang="en-US" altLang="en-US" dirty="0">
                 <a:solidFill>
                   <a:srgbClr val="000000"/>
                 </a:solidFill>
                 <a:latin typeface="Courier New" panose="02070309020205020404" pitchFamily="49" charset="0"/>
                 <a:cs typeface="Courier New" panose="02070309020205020404" pitchFamily="49" charset="0"/>
               </a:rPr>
-              <a:t> Sum = (a, b) =&gt; a + b;</a:t>
-            </a:r>
-            <a:endParaRPr lang="en-US" altLang="en-US" sz="1800" dirty="0">
-              <a:solidFill>
-                <a:srgbClr val="000000"/>
-              </a:solidFill>
-              <a:latin typeface="Arial (Body)"/>
-              <a:ea typeface="+mn-ea"/>
-            </a:endParaRPr>
-          </a:p>
-          <a:p>
-            <a:pPr marL="255600" lvl="0" indent="-255600" fontAlgn="base">
+              <a:t> Display = delegate(string str)</a:t>
+            </a:r>
+          </a:p>
+          <a:p>
+            <a:pPr marL="886968" lvl="2" indent="0" fontAlgn="base">
+              <a:spcBef>
+                <a:spcPts val="0"/>
+              </a:spcBef>
               <a:spcAft>
                 <a:spcPct val="0"/>
               </a:spcAft>
-              <a:buFont typeface="Arial" panose="020B0604020202020204" pitchFamily="34" charset="0"/>
-              <a:buChar char="•"/>
+              <a:buNone/>
             </a:pPr>
             <a:r>
-              <a:rPr lang="en-US" altLang="en-US" sz="2200" dirty="0">
+              <a:rPr lang="en-US" altLang="en-US" dirty="0">
                 <a:solidFill>
                   <a:srgbClr val="000000"/>
                 </a:solidFill>
+                <a:latin typeface="Courier New" panose="02070309020205020404" pitchFamily="49" charset="0"/>
+                <a:cs typeface="Courier New" panose="02070309020205020404" pitchFamily="49" charset="0"/>
+              </a:rPr>
+              <a:t>{</a:t>
+            </a:r>
+          </a:p>
+          <a:p>
+            <a:pPr marL="886968" lvl="2" indent="0" fontAlgn="base">
+              <a:spcBef>
+                <a:spcPts val="0"/>
+              </a:spcBef>
+              <a:spcAft>
+                <a:spcPct val="0"/>
+              </a:spcAft>
+              <a:buNone/>
+            </a:pPr>
+            <a:r>
+              <a:rPr lang="en-US" altLang="en-US" dirty="0">
+                <a:solidFill>
+                  <a:srgbClr val="000000"/>
+                </a:solidFill>
+                <a:latin typeface="Courier New" panose="02070309020205020404" pitchFamily="49" charset="0"/>
+                <a:cs typeface="Courier New" panose="02070309020205020404" pitchFamily="49" charset="0"/>
+              </a:rPr>
+              <a:t>    </a:t>
+            </a:r>
+            <a:r>
+              <a:rPr lang="en-US" altLang="en-US" dirty="0" err="1">
+                <a:solidFill>
+                  <a:srgbClr val="000000"/>
+                </a:solidFill>
+                <a:latin typeface="Courier New" panose="02070309020205020404" pitchFamily="49" charset="0"/>
+                <a:cs typeface="Courier New" panose="02070309020205020404" pitchFamily="49" charset="0"/>
+              </a:rPr>
+              <a:t>MessageBox.Show</a:t>
+            </a:r>
+            <a:r>
+              <a:rPr lang="en-US" altLang="en-US" dirty="0">
+                <a:solidFill>
+                  <a:srgbClr val="000000"/>
+                </a:solidFill>
+                <a:latin typeface="Courier New" panose="02070309020205020404" pitchFamily="49" charset="0"/>
+                <a:cs typeface="Courier New" panose="02070309020205020404" pitchFamily="49" charset="0"/>
+              </a:rPr>
+              <a:t>(str);</a:t>
+            </a:r>
+          </a:p>
+          <a:p>
+            <a:pPr marL="886968" lvl="2" indent="0" fontAlgn="base">
+              <a:spcBef>
+                <a:spcPts val="0"/>
+              </a:spcBef>
+              <a:spcAft>
+                <a:spcPct val="0"/>
+              </a:spcAft>
+              <a:buNone/>
+            </a:pPr>
+            <a:r>
+              <a:rPr lang="en-US" altLang="en-US" dirty="0">
+                <a:solidFill>
+                  <a:srgbClr val="000000"/>
+                </a:solidFill>
+                <a:latin typeface="Courier New" panose="02070309020205020404" pitchFamily="49" charset="0"/>
+                <a:cs typeface="Courier New" panose="02070309020205020404" pitchFamily="49" charset="0"/>
+              </a:rPr>
+              <a:t>}</a:t>
+            </a:r>
+          </a:p>
+          <a:p>
+            <a:pPr marL="0" indent="0" fontAlgn="base">
+              <a:spcBef>
+                <a:spcPts val="0"/>
+              </a:spcBef>
+              <a:spcAft>
+                <a:spcPct val="0"/>
+              </a:spcAft>
+              <a:buNone/>
+            </a:pPr>
+            <a:r>
+              <a:rPr lang="en-US" altLang="en-US" sz="2000" dirty="0">
+                <a:solidFill>
+                  <a:srgbClr val="000000"/>
+                </a:solidFill>
                 <a:latin typeface="Arial (Body)"/>
-                <a:ea typeface="+mn-ea"/>
               </a:rPr>
-              <a:t>Write a comma separated list and enclose the list in parentheses</a:t>
+              <a:t>This statement uses the</a:t>
+            </a:r>
+            <a:r>
+              <a:rPr lang="en-US" altLang="en-US" sz="2000" dirty="0">
+                <a:solidFill>
+                  <a:srgbClr val="000000"/>
+                </a:solidFill>
+                <a:latin typeface="Courier New" panose="02070309020205020404" pitchFamily="49" charset="0"/>
+                <a:cs typeface="Courier New" panose="02070309020205020404" pitchFamily="49" charset="0"/>
+              </a:rPr>
+              <a:t> Display </a:t>
+            </a:r>
+            <a:r>
+              <a:rPr lang="en-US" altLang="en-US" sz="2000" dirty="0">
+                <a:solidFill>
+                  <a:srgbClr val="000000"/>
+                </a:solidFill>
+                <a:latin typeface="Arial (Body)"/>
+              </a:rPr>
+              <a:t>delegate to call the anonymous method, passing in a </a:t>
+            </a:r>
+            <a:r>
+              <a:rPr lang="en-US" altLang="en-US" sz="2000" dirty="0">
+                <a:solidFill>
+                  <a:srgbClr val="000000"/>
+                </a:solidFill>
+                <a:latin typeface="Courier New" panose="02070309020205020404" pitchFamily="49" charset="0"/>
+                <a:cs typeface="Courier New" panose="02070309020205020404" pitchFamily="49" charset="0"/>
+              </a:rPr>
+              <a:t>string</a:t>
+            </a:r>
+            <a:r>
+              <a:rPr lang="en-US" altLang="en-US" sz="2000" dirty="0">
+                <a:solidFill>
+                  <a:srgbClr val="000000"/>
+                </a:solidFill>
+                <a:latin typeface="Arial (Body)"/>
+              </a:rPr>
+              <a:t>. The anonymous method displays that string in a message box.</a:t>
+            </a:r>
+          </a:p>
+          <a:p>
+            <a:pPr marL="886968" lvl="2" indent="0" fontAlgn="base">
+              <a:spcBef>
+                <a:spcPts val="1200"/>
+              </a:spcBef>
+              <a:spcAft>
+                <a:spcPct val="0"/>
+              </a:spcAft>
+              <a:buNone/>
+            </a:pPr>
+            <a:r>
+              <a:rPr lang="en-US" altLang="en-US" dirty="0">
+                <a:solidFill>
+                  <a:srgbClr val="000000"/>
+                </a:solidFill>
+                <a:latin typeface="Courier New" panose="02070309020205020404" pitchFamily="49" charset="0"/>
+                <a:cs typeface="Courier New" panose="02070309020205020404" pitchFamily="49" charset="0"/>
+              </a:rPr>
+              <a:t>Display("Calling all anonymous methods!");</a:t>
             </a:r>
           </a:p>
         </p:txBody>
@@ -46221,7 +47467,7 @@
     </p:spTree>
     <p:extLst>
       <p:ext uri="{BB962C8B-B14F-4D97-AF65-F5344CB8AC3E}">
-        <p14:creationId xmlns:p14="http://schemas.microsoft.com/office/powerpoint/2010/main" val="3760144394"/>
+        <p14:creationId xmlns:p14="http://schemas.microsoft.com/office/powerpoint/2010/main" val="1567995128"/>
       </p:ext>
     </p:extLst>
   </p:cSld>
